--- a/docs/ppt/phase-1/ppt phase-1.pptx
+++ b/docs/ppt/phase-1/ppt phase-1.pptx
@@ -4658,10 +4658,10 @@
             </a:lnSpc>
           </a:pPr>
           <a:r>
-            <a:rPr lang="en-IN" b="1"/>
+            <a:rPr lang="en-IN" b="1" dirty="0"/>
             <a:t>INTRODUCTION</a:t>
           </a:r>
-          <a:endParaRPr lang="en-US"/>
+          <a:endParaRPr lang="en-US" dirty="0"/>
         </a:p>
       </dgm:t>
     </dgm:pt>
@@ -5756,10 +5756,10 @@
         <a:lstStyle/>
         <a:p>
           <a:r>
-            <a:rPr lang="en-IN" b="1"/>
+            <a:rPr lang="en-IN" b="1" dirty="0"/>
             <a:t>Software Testing (18IS62) :</a:t>
           </a:r>
-          <a:endParaRPr lang="en-US"/>
+          <a:endParaRPr lang="en-US" dirty="0"/>
         </a:p>
       </dgm:t>
     </dgm:pt>
@@ -5793,10 +5793,10 @@
         <a:lstStyle/>
         <a:p>
           <a:r>
-            <a:rPr lang="en-IN"/>
+            <a:rPr lang="en-IN" dirty="0"/>
             <a:t>The codes are tested for all possible bugs and logical failures with the help of black box and white box testing methodologies.</a:t>
           </a:r>
-          <a:endParaRPr lang="en-US"/>
+          <a:endParaRPr lang="en-US" dirty="0"/>
         </a:p>
       </dgm:t>
     </dgm:pt>
@@ -5948,7 +5948,7 @@
       <dgm:spPr/>
     </dgm:pt>
     <dgm:pt modelId="{7D5B4AF8-E91D-4E16-9A67-2F6D9DC990C7}" type="pres">
-      <dgm:prSet presAssocID="{5ABB316A-63A3-4284-AB60-BBA2D1563614}" presName="parentText" presStyleLbl="node1" presStyleIdx="1" presStyleCnt="3">
+      <dgm:prSet presAssocID="{5ABB316A-63A3-4284-AB60-BBA2D1563614}" presName="parentText" presStyleLbl="node1" presStyleIdx="1" presStyleCnt="3" custLinFactNeighborX="-21739" custLinFactNeighborY="2818">
         <dgm:presLayoutVars>
           <dgm:chMax val="0"/>
           <dgm:bulletEnabled val="1"/>
@@ -5961,7 +5961,7 @@
       <dgm:spPr/>
     </dgm:pt>
     <dgm:pt modelId="{AD0E395C-D3BB-4FA8-A9BE-58323968D24E}" type="pres">
-      <dgm:prSet presAssocID="{5ABB316A-63A3-4284-AB60-BBA2D1563614}" presName="childText" presStyleLbl="conFgAcc1" presStyleIdx="1" presStyleCnt="3">
+      <dgm:prSet presAssocID="{5ABB316A-63A3-4284-AB60-BBA2D1563614}" presName="childText" presStyleLbl="conFgAcc1" presStyleIdx="1" presStyleCnt="3" custLinFactNeighborX="0" custLinFactNeighborY="-15402">
         <dgm:presLayoutVars>
           <dgm:bulletEnabled val="1"/>
         </dgm:presLayoutVars>
@@ -5981,7 +5981,7 @@
       <dgm:spPr/>
     </dgm:pt>
     <dgm:pt modelId="{C48E5740-ACF4-4809-BA49-88B32C9F1A3C}" type="pres">
-      <dgm:prSet presAssocID="{2DE40025-AB42-4885-BBC4-94E5011E8B9F}" presName="parentText" presStyleLbl="node1" presStyleIdx="2" presStyleCnt="3">
+      <dgm:prSet presAssocID="{2DE40025-AB42-4885-BBC4-94E5011E8B9F}" presName="parentText" presStyleLbl="node1" presStyleIdx="2" presStyleCnt="3" custLinFactNeighborX="-40640" custLinFactNeighborY="9864">
         <dgm:presLayoutVars>
           <dgm:chMax val="0"/>
           <dgm:bulletEnabled val="1"/>
@@ -5994,7 +5994,7 @@
       <dgm:spPr/>
     </dgm:pt>
     <dgm:pt modelId="{B0BC73CF-626B-476A-A71F-56D11BE6E558}" type="pres">
-      <dgm:prSet presAssocID="{2DE40025-AB42-4885-BBC4-94E5011E8B9F}" presName="childText" presStyleLbl="conFgAcc1" presStyleIdx="2" presStyleCnt="3">
+      <dgm:prSet presAssocID="{2DE40025-AB42-4885-BBC4-94E5011E8B9F}" presName="childText" presStyleLbl="conFgAcc1" presStyleIdx="2" presStyleCnt="3" custLinFactNeighborX="0" custLinFactNeighborY="29342">
         <dgm:presLayoutVars>
           <dgm:bulletEnabled val="1"/>
         </dgm:presLayoutVars>
@@ -6510,7 +6510,7 @@
 <dgm:dataModel xmlns:dgm="http://schemas.openxmlformats.org/drawingml/2006/diagram" xmlns:a="http://schemas.openxmlformats.org/drawingml/2006/main">
   <dgm:ptLst>
     <dgm:pt modelId="{1BC0DA22-A3A2-4496-8A7C-E4C4C72E1C1C}" type="doc">
-      <dgm:prSet loTypeId="urn:microsoft.com/office/officeart/2005/8/layout/vList2" loCatId="list" qsTypeId="urn:microsoft.com/office/officeart/2005/8/quickstyle/simple1" qsCatId="simple" csTypeId="urn:microsoft.com/office/officeart/2005/8/colors/accent1_2" csCatId="accent1"/>
+      <dgm:prSet loTypeId="urn:microsoft.com/office/officeart/2005/8/layout/vList2" loCatId="list" qsTypeId="urn:microsoft.com/office/officeart/2005/8/quickstyle/simple1" qsCatId="simple" csTypeId="urn:microsoft.com/office/officeart/2005/8/colors/accent1_2" csCatId="accent1" phldr="1"/>
       <dgm:spPr/>
       <dgm:t>
         <a:bodyPr/>
@@ -6528,16 +6528,34 @@
         <a:lstStyle/>
         <a:p>
           <a:r>
-            <a:rPr lang="en-IN"/>
-            <a:t>C. Ng, S. Cheong, E. Haji mohammad hosseinmemar and W. Yap, "Mobile outdoor parking space detection application," 2017 IEEE 8th Control and System Graduate Research Colloquium (ICSGRC), 2017, pp. 81-86, doi: 10.1109/ICSGRC.2017.8070573.</a:t>
+            <a:rPr lang="en-IN" dirty="0"/>
+            <a:t>C. Ng, S. Cheong, E. Haji </a:t>
           </a:r>
           <a:r>
-            <a:rPr lang="en-IN" u="sng">
-              <a:hlinkClick xmlns:r="http://schemas.openxmlformats.org/officeDocument/2006/relationships" r:id="rId1"/>
-            </a:rPr>
-            <a:t>https://ieeexplore.ieee.org/document/8070573</a:t>
+            <a:rPr lang="en-IN" dirty="0" err="1"/>
+            <a:t>mohammad</a:t>
           </a:r>
-          <a:endParaRPr lang="en-US"/>
+          <a:r>
+            <a:rPr lang="en-IN" dirty="0"/>
+            <a:t> </a:t>
+          </a:r>
+          <a:r>
+            <a:rPr lang="en-IN" dirty="0" err="1"/>
+            <a:t>hosseinmemar</a:t>
+          </a:r>
+          <a:r>
+            <a:rPr lang="en-IN" dirty="0"/>
+            <a:t> and W. Yap, "Mobile outdoor parking space detection application," 2017 IEEE 8th Control and System Graduate Research Colloquium (ICSGRC), 2017, pp. 81-86, </a:t>
+          </a:r>
+          <a:r>
+            <a:rPr lang="en-IN" dirty="0" err="1"/>
+            <a:t>doi</a:t>
+          </a:r>
+          <a:r>
+            <a:rPr lang="en-IN" dirty="0"/>
+            <a:t>: 10.1109/ICSGRC.2017.8070573.</a:t>
+          </a:r>
+          <a:endParaRPr lang="en-US" dirty="0"/>
         </a:p>
       </dgm:t>
     </dgm:pt>
@@ -6571,16 +6589,34 @@
         <a:lstStyle/>
         <a:p>
           <a:r>
-            <a:rPr lang="en-IN"/>
-            <a:t>B. K. Patil, A. Deshpande, S. Suryavanshi, R. Magdum and B. Manjunath, "Smart Parking System for Cars," 2018 International Conference on Recent Innovations in Electrical, Electronics &amp; Communication Engineering (ICRIEECE), 2018, pp. 1118-1121, doi: 10.1109/ICRIEECE44171.2018.9008662. </a:t>
+            <a:rPr lang="en-IN" dirty="0"/>
+            <a:t>B. K. Patil, A. Deshpande, S. </a:t>
           </a:r>
           <a:r>
-            <a:rPr lang="en-IN" u="sng">
-              <a:hlinkClick xmlns:r="http://schemas.openxmlformats.org/officeDocument/2006/relationships" r:id="rId2"/>
-            </a:rPr>
-            <a:t>https://ieeexplore.ieee.org/document/9008662</a:t>
+            <a:rPr lang="en-IN" dirty="0" err="1"/>
+            <a:t>Suryavanshi</a:t>
           </a:r>
-          <a:endParaRPr lang="en-US"/>
+          <a:r>
+            <a:rPr lang="en-IN" dirty="0"/>
+            <a:t>, R. </a:t>
+          </a:r>
+          <a:r>
+            <a:rPr lang="en-IN" dirty="0" err="1"/>
+            <a:t>Magdum</a:t>
+          </a:r>
+          <a:r>
+            <a:rPr lang="en-IN" dirty="0"/>
+            <a:t> and B. Manjunath, "Smart Parking System for Cars," 2018 International Conference on Recent Innovations in Electrical, Electronics &amp; Communication Engineering (ICRIEECE), 2018, pp. 1118-1121, </a:t>
+          </a:r>
+          <a:r>
+            <a:rPr lang="en-IN" dirty="0" err="1"/>
+            <a:t>doi</a:t>
+          </a:r>
+          <a:r>
+            <a:rPr lang="en-IN" dirty="0"/>
+            <a:t>: 10.1109/ICRIEECE44171.2018.9008662. </a:t>
+          </a:r>
+          <a:endParaRPr lang="en-US" dirty="0"/>
         </a:p>
       </dgm:t>
     </dgm:pt>
@@ -7007,10 +7043,10 @@
             <a:buNone/>
           </a:pPr>
           <a:r>
-            <a:rPr lang="en-IN" sz="2400" b="1" kern="1200"/>
+            <a:rPr lang="en-IN" sz="2400" b="1" kern="1200" dirty="0"/>
             <a:t>INTRODUCTION</a:t>
           </a:r>
-          <a:endParaRPr lang="en-US" sz="2400" kern="1200"/>
+          <a:endParaRPr lang="en-US" sz="2400" kern="1200" dirty="0"/>
         </a:p>
       </dsp:txBody>
       <dsp:txXfrm>
@@ -7798,7 +7834,7 @@
         </a:bodyPr>
         <a:lstStyle/>
         <a:p>
-          <a:pPr marL="0" lvl="0" indent="0" algn="l" defTabSz="844550">
+          <a:pPr marL="0" lvl="0" indent="0" algn="l" defTabSz="889000">
             <a:lnSpc>
               <a:spcPct val="100000"/>
             </a:lnSpc>
@@ -7811,7 +7847,7 @@
             <a:buNone/>
           </a:pPr>
           <a:r>
-            <a:rPr lang="en-US" sz="1900" kern="1200" dirty="0">
+            <a:rPr lang="en-US" sz="2000" kern="1200" dirty="0">
               <a:latin typeface="Open Sans" panose="020B0606030504020204" pitchFamily="34" charset="0"/>
               <a:ea typeface="Open Sans" panose="020B0606030504020204" pitchFamily="34" charset="0"/>
               <a:cs typeface="Open Sans" panose="020B0606030504020204" pitchFamily="34" charset="0"/>
@@ -7819,7 +7855,7 @@
             <a:t>Parking is one of the major challenge faced by urban areas</a:t>
           </a:r>
           <a:r>
-            <a:rPr lang="en-US" sz="1900" kern="1200" dirty="0"/>
+            <a:rPr lang="en-US" sz="2000" kern="1200" dirty="0"/>
             <a:t>.</a:t>
           </a:r>
         </a:p>
@@ -7965,7 +8001,7 @@
         </a:bodyPr>
         <a:lstStyle/>
         <a:p>
-          <a:pPr marL="0" lvl="0" indent="0" algn="l" defTabSz="844550">
+          <a:pPr marL="0" lvl="0" indent="0" algn="l" defTabSz="889000">
             <a:lnSpc>
               <a:spcPct val="100000"/>
             </a:lnSpc>
@@ -7978,14 +8014,14 @@
             <a:buNone/>
           </a:pPr>
           <a:r>
-            <a:rPr lang="en-IN" sz="1900" b="0" kern="1200" dirty="0">
+            <a:rPr lang="en-IN" sz="2000" b="0" kern="1200" dirty="0">
               <a:latin typeface="Open Sans" panose="020B0606030504020204" pitchFamily="34" charset="0"/>
               <a:ea typeface="Open Sans" panose="020B0606030504020204" pitchFamily="34" charset="0"/>
               <a:cs typeface="Open Sans" panose="020B0606030504020204" pitchFamily="34" charset="0"/>
             </a:rPr>
             <a:t>Reduce wastage of fuel and time.</a:t>
           </a:r>
-          <a:endParaRPr lang="en-US" sz="1900" kern="1200" dirty="0">
+          <a:endParaRPr lang="en-US" sz="2000" kern="1200" dirty="0">
             <a:latin typeface="Open Sans" panose="020B0606030504020204" pitchFamily="34" charset="0"/>
             <a:ea typeface="Open Sans" panose="020B0606030504020204" pitchFamily="34" charset="0"/>
             <a:cs typeface="Open Sans" panose="020B0606030504020204" pitchFamily="34" charset="0"/>
@@ -8133,7 +8169,7 @@
         </a:bodyPr>
         <a:lstStyle/>
         <a:p>
-          <a:pPr marL="0" lvl="0" indent="0" algn="l" defTabSz="844550">
+          <a:pPr marL="0" lvl="0" indent="0" algn="l" defTabSz="889000">
             <a:lnSpc>
               <a:spcPct val="100000"/>
             </a:lnSpc>
@@ -8146,7 +8182,7 @@
             <a:buNone/>
           </a:pPr>
           <a:r>
-            <a:rPr lang="en-IN" sz="1900" kern="1200" dirty="0">
+            <a:rPr lang="en-IN" sz="2000" kern="1200" dirty="0">
               <a:latin typeface="Open Sans" panose="020B0606030504020204" pitchFamily="34" charset="0"/>
               <a:ea typeface="Open Sans" panose="020B0606030504020204" pitchFamily="34" charset="0"/>
               <a:cs typeface="Open Sans" panose="020B0606030504020204" pitchFamily="34" charset="0"/>
@@ -8154,10 +8190,10 @@
             <a:t>Display Available Parking Space</a:t>
           </a:r>
           <a:r>
-            <a:rPr lang="en-IN" sz="1900" kern="1200" dirty="0"/>
+            <a:rPr lang="en-IN" sz="2000" kern="1200" dirty="0"/>
             <a:t>.</a:t>
           </a:r>
-          <a:endParaRPr lang="en-US" sz="1900" kern="1200" dirty="0"/>
+          <a:endParaRPr lang="en-US" sz="2000" kern="1200" dirty="0"/>
         </a:p>
       </dsp:txBody>
       <dsp:txXfrm>
@@ -8301,7 +8337,7 @@
         </a:bodyPr>
         <a:lstStyle/>
         <a:p>
-          <a:pPr marL="0" lvl="0" indent="0" algn="l" defTabSz="844550">
+          <a:pPr marL="0" lvl="0" indent="0" algn="l" defTabSz="889000">
             <a:lnSpc>
               <a:spcPct val="100000"/>
             </a:lnSpc>
@@ -8314,14 +8350,14 @@
             <a:buNone/>
           </a:pPr>
           <a:r>
-            <a:rPr lang="en-IN" sz="1900" b="0" kern="1200" dirty="0">
+            <a:rPr lang="en-IN" sz="2000" b="0" kern="1200" dirty="0">
               <a:latin typeface="Open Sans" panose="020B0606030504020204" pitchFamily="34" charset="0"/>
               <a:ea typeface="Open Sans" panose="020B0606030504020204" pitchFamily="34" charset="0"/>
               <a:cs typeface="Open Sans" panose="020B0606030504020204" pitchFamily="34" charset="0"/>
             </a:rPr>
             <a:t>Bill Generation for the parking time.</a:t>
           </a:r>
-          <a:endParaRPr lang="en-US" sz="1900" kern="1200" dirty="0">
+          <a:endParaRPr lang="en-US" sz="2000" kern="1200" dirty="0">
             <a:latin typeface="Open Sans" panose="020B0606030504020204" pitchFamily="34" charset="0"/>
             <a:ea typeface="Open Sans" panose="020B0606030504020204" pitchFamily="34" charset="0"/>
             <a:cs typeface="Open Sans" panose="020B0606030504020204" pitchFamily="34" charset="0"/>
@@ -8509,7 +8545,7 @@
       </dsp:nvSpPr>
       <dsp:spPr>
         <a:xfrm>
-          <a:off x="0" y="1659446"/>
+          <a:off x="0" y="1645307"/>
           <a:ext cx="7886699" cy="963900"/>
         </a:xfrm>
         <a:prstGeom prst="rect">
@@ -8569,14 +8605,14 @@
             <a:buChar char="•"/>
           </a:pPr>
           <a:r>
-            <a:rPr lang="en-IN" sz="1700" kern="1200"/>
+            <a:rPr lang="en-IN" sz="1700" kern="1200" dirty="0"/>
             <a:t>The codes are tested for all possible bugs and logical failures with the help of black box and white box testing methodologies.</a:t>
           </a:r>
-          <a:endParaRPr lang="en-US" sz="1700" kern="1200"/>
+          <a:endParaRPr lang="en-US" sz="1700" kern="1200" dirty="0"/>
         </a:p>
       </dsp:txBody>
       <dsp:txXfrm>
-        <a:off x="0" y="1659446"/>
+        <a:off x="0" y="1645307"/>
         <a:ext cx="7886699" cy="963900"/>
       </dsp:txXfrm>
     </dsp:sp>
@@ -8587,7 +8623,7 @@
       </dsp:nvSpPr>
       <dsp:spPr>
         <a:xfrm>
-          <a:off x="394334" y="1408526"/>
+          <a:off x="308610" y="1422668"/>
           <a:ext cx="5520689" cy="501840"/>
         </a:xfrm>
         <a:prstGeom prst="roundRect">
@@ -8648,14 +8684,14 @@
             <a:buNone/>
           </a:pPr>
           <a:r>
-            <a:rPr lang="en-IN" sz="1700" b="1" kern="1200"/>
+            <a:rPr lang="en-IN" sz="1700" b="1" kern="1200" dirty="0"/>
             <a:t>Software Testing (18IS62) :</a:t>
           </a:r>
-          <a:endParaRPr lang="en-US" sz="1700" kern="1200"/>
+          <a:endParaRPr lang="en-US" sz="1700" kern="1200" dirty="0"/>
         </a:p>
       </dsp:txBody>
       <dsp:txXfrm>
-        <a:off x="418832" y="1433024"/>
+        <a:off x="333108" y="1447166"/>
         <a:ext cx="5471693" cy="452844"/>
       </dsp:txXfrm>
     </dsp:sp>
@@ -8666,7 +8702,7 @@
       </dsp:nvSpPr>
       <dsp:spPr>
         <a:xfrm>
-          <a:off x="0" y="2966066"/>
+          <a:off x="0" y="3039691"/>
           <a:ext cx="7886699" cy="963900"/>
         </a:xfrm>
         <a:prstGeom prst="rect">
@@ -8733,7 +8769,7 @@
         </a:p>
       </dsp:txBody>
       <dsp:txXfrm>
-        <a:off x="0" y="2966066"/>
+        <a:off x="0" y="3039691"/>
         <a:ext cx="7886699" cy="963900"/>
       </dsp:txXfrm>
     </dsp:sp>
@@ -8744,7 +8780,7 @@
       </dsp:nvSpPr>
       <dsp:spPr>
         <a:xfrm>
-          <a:off x="394334" y="2715146"/>
+          <a:off x="234077" y="2764647"/>
           <a:ext cx="5520689" cy="501840"/>
         </a:xfrm>
         <a:prstGeom prst="roundRect">
@@ -8812,7 +8848,7 @@
         </a:p>
       </dsp:txBody>
       <dsp:txXfrm>
-        <a:off x="418832" y="2739644"/>
+        <a:off x="258575" y="2789145"/>
         <a:ext cx="5471693" cy="452844"/>
       </dsp:txXfrm>
     </dsp:sp>
@@ -9478,8 +9514,8 @@
       </dsp:nvSpPr>
       <dsp:spPr>
         <a:xfrm>
-          <a:off x="0" y="631221"/>
-          <a:ext cx="7886700" cy="1565679"/>
+          <a:off x="0" y="110340"/>
+          <a:ext cx="7886700" cy="2077919"/>
         </a:xfrm>
         <a:prstGeom prst="roundRect">
           <a:avLst/>
@@ -9521,12 +9557,12 @@
         </a:fontRef>
       </dsp:style>
       <dsp:txBody>
-        <a:bodyPr spcFirstLastPara="0" vert="horz" wrap="square" lIns="68580" tIns="68580" rIns="68580" bIns="68580" numCol="1" spcCol="1270" anchor="ctr" anchorCtr="0">
+        <a:bodyPr spcFirstLastPara="0" vert="horz" wrap="square" lIns="91440" tIns="91440" rIns="91440" bIns="91440" numCol="1" spcCol="1270" anchor="ctr" anchorCtr="0">
           <a:noAutofit/>
         </a:bodyPr>
         <a:lstStyle/>
         <a:p>
-          <a:pPr marL="0" lvl="0" indent="0" algn="l" defTabSz="800100">
+          <a:pPr marL="0" lvl="0" indent="0" algn="l" defTabSz="1066800">
             <a:lnSpc>
               <a:spcPct val="90000"/>
             </a:lnSpc>
@@ -9539,21 +9575,39 @@
             <a:buNone/>
           </a:pPr>
           <a:r>
-            <a:rPr lang="en-IN" sz="1800" kern="1200"/>
-            <a:t>C. Ng, S. Cheong, E. Haji mohammad hosseinmemar and W. Yap, "Mobile outdoor parking space detection application," 2017 IEEE 8th Control and System Graduate Research Colloquium (ICSGRC), 2017, pp. 81-86, doi: 10.1109/ICSGRC.2017.8070573.</a:t>
+            <a:rPr lang="en-IN" sz="2400" kern="1200" dirty="0"/>
+            <a:t>C. Ng, S. Cheong, E. Haji </a:t>
           </a:r>
           <a:r>
-            <a:rPr lang="en-IN" sz="1800" u="sng" kern="1200">
-              <a:hlinkClick xmlns:r="http://schemas.openxmlformats.org/officeDocument/2006/relationships" r:id="rId1"/>
-            </a:rPr>
-            <a:t>https://ieeexplore.ieee.org/document/8070573</a:t>
+            <a:rPr lang="en-IN" sz="2400" kern="1200" dirty="0" err="1"/>
+            <a:t>mohammad</a:t>
           </a:r>
-          <a:endParaRPr lang="en-US" sz="1800" kern="1200"/>
+          <a:r>
+            <a:rPr lang="en-IN" sz="2400" kern="1200" dirty="0"/>
+            <a:t> </a:t>
+          </a:r>
+          <a:r>
+            <a:rPr lang="en-IN" sz="2400" kern="1200" dirty="0" err="1"/>
+            <a:t>hosseinmemar</a:t>
+          </a:r>
+          <a:r>
+            <a:rPr lang="en-IN" sz="2400" kern="1200" dirty="0"/>
+            <a:t> and W. Yap, "Mobile outdoor parking space detection application," 2017 IEEE 8th Control and System Graduate Research Colloquium (ICSGRC), 2017, pp. 81-86, </a:t>
+          </a:r>
+          <a:r>
+            <a:rPr lang="en-IN" sz="2400" kern="1200" dirty="0" err="1"/>
+            <a:t>doi</a:t>
+          </a:r>
+          <a:r>
+            <a:rPr lang="en-IN" sz="2400" kern="1200" dirty="0"/>
+            <a:t>: 10.1109/ICSGRC.2017.8070573.</a:t>
+          </a:r>
+          <a:endParaRPr lang="en-US" sz="2400" kern="1200" dirty="0"/>
         </a:p>
       </dsp:txBody>
       <dsp:txXfrm>
-        <a:off x="76430" y="707651"/>
-        <a:ext cx="7733840" cy="1412819"/>
+        <a:off x="101436" y="211776"/>
+        <a:ext cx="7683828" cy="1875047"/>
       </dsp:txXfrm>
     </dsp:sp>
     <dsp:sp modelId="{EF702722-2301-48D6-A86E-C557ACBCF9B6}">
@@ -9563,8 +9617,8 @@
       </dsp:nvSpPr>
       <dsp:spPr>
         <a:xfrm>
-          <a:off x="0" y="2248740"/>
-          <a:ext cx="7886700" cy="1565679"/>
+          <a:off x="0" y="2257380"/>
+          <a:ext cx="7886700" cy="2077919"/>
         </a:xfrm>
         <a:prstGeom prst="roundRect">
           <a:avLst/>
@@ -9606,12 +9660,12 @@
         </a:fontRef>
       </dsp:style>
       <dsp:txBody>
-        <a:bodyPr spcFirstLastPara="0" vert="horz" wrap="square" lIns="68580" tIns="68580" rIns="68580" bIns="68580" numCol="1" spcCol="1270" anchor="ctr" anchorCtr="0">
+        <a:bodyPr spcFirstLastPara="0" vert="horz" wrap="square" lIns="91440" tIns="91440" rIns="91440" bIns="91440" numCol="1" spcCol="1270" anchor="ctr" anchorCtr="0">
           <a:noAutofit/>
         </a:bodyPr>
         <a:lstStyle/>
         <a:p>
-          <a:pPr marL="0" lvl="0" indent="0" algn="l" defTabSz="800100">
+          <a:pPr marL="0" lvl="0" indent="0" algn="l" defTabSz="1066800">
             <a:lnSpc>
               <a:spcPct val="90000"/>
             </a:lnSpc>
@@ -9624,21 +9678,39 @@
             <a:buNone/>
           </a:pPr>
           <a:r>
-            <a:rPr lang="en-IN" sz="1800" kern="1200"/>
-            <a:t>B. K. Patil, A. Deshpande, S. Suryavanshi, R. Magdum and B. Manjunath, "Smart Parking System for Cars," 2018 International Conference on Recent Innovations in Electrical, Electronics &amp; Communication Engineering (ICRIEECE), 2018, pp. 1118-1121, doi: 10.1109/ICRIEECE44171.2018.9008662. </a:t>
+            <a:rPr lang="en-IN" sz="2400" kern="1200" dirty="0"/>
+            <a:t>B. K. Patil, A. Deshpande, S. </a:t>
           </a:r>
           <a:r>
-            <a:rPr lang="en-IN" sz="1800" u="sng" kern="1200">
-              <a:hlinkClick xmlns:r="http://schemas.openxmlformats.org/officeDocument/2006/relationships" r:id="rId2"/>
-            </a:rPr>
-            <a:t>https://ieeexplore.ieee.org/document/9008662</a:t>
+            <a:rPr lang="en-IN" sz="2400" kern="1200" dirty="0" err="1"/>
+            <a:t>Suryavanshi</a:t>
           </a:r>
-          <a:endParaRPr lang="en-US" sz="1800" kern="1200"/>
+          <a:r>
+            <a:rPr lang="en-IN" sz="2400" kern="1200" dirty="0"/>
+            <a:t>, R. </a:t>
+          </a:r>
+          <a:r>
+            <a:rPr lang="en-IN" sz="2400" kern="1200" dirty="0" err="1"/>
+            <a:t>Magdum</a:t>
+          </a:r>
+          <a:r>
+            <a:rPr lang="en-IN" sz="2400" kern="1200" dirty="0"/>
+            <a:t> and B. Manjunath, "Smart Parking System for Cars," 2018 International Conference on Recent Innovations in Electrical, Electronics &amp; Communication Engineering (ICRIEECE), 2018, pp. 1118-1121, </a:t>
+          </a:r>
+          <a:r>
+            <a:rPr lang="en-IN" sz="2400" kern="1200" dirty="0" err="1"/>
+            <a:t>doi</a:t>
+          </a:r>
+          <a:r>
+            <a:rPr lang="en-IN" sz="2400" kern="1200" dirty="0"/>
+            <a:t>: 10.1109/ICRIEECE44171.2018.9008662. </a:t>
+          </a:r>
+          <a:endParaRPr lang="en-US" sz="2400" kern="1200" dirty="0"/>
         </a:p>
       </dsp:txBody>
       <dsp:txXfrm>
-        <a:off x="76430" y="2325170"/>
-        <a:ext cx="7733840" cy="1412819"/>
+        <a:off x="101436" y="2358816"/>
+        <a:ext cx="7683828" cy="1875047"/>
       </dsp:txXfrm>
     </dsp:sp>
   </dsp:spTree>
@@ -18454,8 +18526,8 @@
         </p:nvSpPr>
         <p:spPr>
           <a:xfrm>
-            <a:off x="404193" y="2570752"/>
-            <a:ext cx="8322733" cy="3724096"/>
+            <a:off x="571469" y="2632255"/>
+            <a:ext cx="8001062" cy="3724096"/>
           </a:xfrm>
           <a:prstGeom prst="rect">
             <a:avLst/>
@@ -18734,8 +18806,8 @@
         </p:nvSpPr>
         <p:spPr>
           <a:xfrm>
-            <a:off x="990600" y="897467"/>
-            <a:ext cx="7459133" cy="1754326"/>
+            <a:off x="522862" y="878613"/>
+            <a:ext cx="8098276" cy="1477328"/>
           </a:xfrm>
           <a:prstGeom prst="rect">
             <a:avLst/>
@@ -18772,7 +18844,7 @@
           <a:p>
             <a:pPr algn="ctr"/>
             <a:r>
-              <a:rPr lang="en-IN" sz="3600" dirty="0">
+              <a:rPr lang="en-IN" sz="3600" b="1" dirty="0">
                 <a:solidFill>
                   <a:schemeClr val="accent6">
                     <a:lumMod val="50000"/>
@@ -18782,11 +18854,8 @@
                 <a:ea typeface="Open Sans" panose="020B0606030504020204" pitchFamily="34" charset="0"/>
                 <a:cs typeface="Open Sans" panose="020B0606030504020204" pitchFamily="34" charset="0"/>
               </a:rPr>
-              <a:t>Title:  SMART PARKING APP</a:t>
+              <a:t>SMART PARKING APP for Android</a:t>
             </a:r>
-          </a:p>
-          <a:p>
-            <a:endParaRPr lang="en-IN" dirty="0"/>
           </a:p>
         </p:txBody>
       </p:sp>
@@ -19421,7 +19490,7 @@
           <p:nvPr>
             <p:extLst>
               <p:ext uri="{D42A27DB-BD31-4B8C-83A1-F6EECF244321}">
-                <p14:modId xmlns:p14="http://schemas.microsoft.com/office/powerpoint/2010/main" val="128204267"/>
+                <p14:modId xmlns:p14="http://schemas.microsoft.com/office/powerpoint/2010/main" val="2909615251"/>
               </p:ext>
             </p:extLst>
           </p:nvPr>
@@ -19828,7 +19897,13 @@
             </a:extLst>
           </p:cNvPr>
           <p:cNvGraphicFramePr/>
-          <p:nvPr/>
+          <p:nvPr>
+            <p:extLst>
+              <p:ext uri="{D42A27DB-BD31-4B8C-83A1-F6EECF244321}">
+                <p14:modId xmlns:p14="http://schemas.microsoft.com/office/powerpoint/2010/main" val="3344740897"/>
+              </p:ext>
+            </p:extLst>
+          </p:nvPr>
         </p:nvGraphicFramePr>
         <p:xfrm>
           <a:off x="628650" y="1891115"/>
@@ -20170,7 +20245,7 @@
         </p:nvSpPr>
         <p:spPr>
           <a:xfrm>
-            <a:off x="1456041" y="3008028"/>
+            <a:off x="1456041" y="2767280"/>
             <a:ext cx="6231918" cy="1323439"/>
           </a:xfrm>
           <a:prstGeom prst="rect">

--- a/docs/ppt/phase-1/ppt phase-1.pptx
+++ b/docs/ppt/phase-1/ppt phase-1.pptx
@@ -9,10 +9,11 @@
     <p:sldId id="258" r:id="rId3"/>
     <p:sldId id="259" r:id="rId4"/>
     <p:sldId id="260" r:id="rId5"/>
-    <p:sldId id="261" r:id="rId6"/>
-    <p:sldId id="262" r:id="rId7"/>
-    <p:sldId id="263" r:id="rId8"/>
-    <p:sldId id="264" r:id="rId9"/>
+    <p:sldId id="265" r:id="rId6"/>
+    <p:sldId id="261" r:id="rId7"/>
+    <p:sldId id="262" r:id="rId8"/>
+    <p:sldId id="263" r:id="rId9"/>
+    <p:sldId id="264" r:id="rId10"/>
   </p:sldIdLst>
   <p:sldSz cx="9144000" cy="6858000" type="screen4x3"/>
   <p:notesSz cx="6858000" cy="9144000"/>
@@ -120,6 +121,7 @@
             <p14:sldId id="258"/>
             <p14:sldId id="259"/>
             <p14:sldId id="260"/>
+            <p14:sldId id="265"/>
             <p14:sldId id="261"/>
             <p14:sldId id="262"/>
             <p14:sldId id="263"/>
@@ -4631,6 +4633,753 @@
 </dgm:colorsDef>
 </file>
 
+<file path=ppt/diagrams/colors7.xml><?xml version="1.0" encoding="utf-8"?>
+<dgm:colorsDef xmlns:dgm="http://schemas.openxmlformats.org/drawingml/2006/diagram" xmlns:a="http://schemas.openxmlformats.org/drawingml/2006/main" uniqueId="urn:microsoft.com/office/officeart/2005/8/colors/accent1_2">
+  <dgm:title val=""/>
+  <dgm:desc val=""/>
+  <dgm:catLst>
+    <dgm:cat type="accent1" pri="11200"/>
+  </dgm:catLst>
+  <dgm:styleLbl name="node0">
+    <dgm:fillClrLst meth="repeat">
+      <a:schemeClr val="accent1"/>
+    </dgm:fillClrLst>
+    <dgm:linClrLst meth="repeat">
+      <a:schemeClr val="lt1"/>
+    </dgm:linClrLst>
+    <dgm:effectClrLst/>
+    <dgm:txLinClrLst/>
+    <dgm:txFillClrLst/>
+    <dgm:txEffectClrLst/>
+  </dgm:styleLbl>
+  <dgm:styleLbl name="alignNode1">
+    <dgm:fillClrLst meth="repeat">
+      <a:schemeClr val="accent1"/>
+    </dgm:fillClrLst>
+    <dgm:linClrLst meth="repeat">
+      <a:schemeClr val="accent1"/>
+    </dgm:linClrLst>
+    <dgm:effectClrLst/>
+    <dgm:txLinClrLst/>
+    <dgm:txFillClrLst/>
+    <dgm:txEffectClrLst/>
+  </dgm:styleLbl>
+  <dgm:styleLbl name="node1">
+    <dgm:fillClrLst meth="repeat">
+      <a:schemeClr val="accent1"/>
+    </dgm:fillClrLst>
+    <dgm:linClrLst meth="repeat">
+      <a:schemeClr val="lt1"/>
+    </dgm:linClrLst>
+    <dgm:effectClrLst/>
+    <dgm:txLinClrLst/>
+    <dgm:txFillClrLst/>
+    <dgm:txEffectClrLst/>
+  </dgm:styleLbl>
+  <dgm:styleLbl name="lnNode1">
+    <dgm:fillClrLst meth="repeat">
+      <a:schemeClr val="accent1"/>
+    </dgm:fillClrLst>
+    <dgm:linClrLst meth="repeat">
+      <a:schemeClr val="lt1"/>
+    </dgm:linClrLst>
+    <dgm:effectClrLst/>
+    <dgm:txLinClrLst/>
+    <dgm:txFillClrLst/>
+    <dgm:txEffectClrLst/>
+  </dgm:styleLbl>
+  <dgm:styleLbl name="vennNode1">
+    <dgm:fillClrLst meth="repeat">
+      <a:schemeClr val="accent1">
+        <a:alpha val="50000"/>
+      </a:schemeClr>
+    </dgm:fillClrLst>
+    <dgm:linClrLst meth="repeat">
+      <a:schemeClr val="lt1"/>
+    </dgm:linClrLst>
+    <dgm:effectClrLst/>
+    <dgm:txLinClrLst/>
+    <dgm:txFillClrLst/>
+    <dgm:txEffectClrLst/>
+  </dgm:styleLbl>
+  <dgm:styleLbl name="node2">
+    <dgm:fillClrLst meth="repeat">
+      <a:schemeClr val="accent1"/>
+    </dgm:fillClrLst>
+    <dgm:linClrLst meth="repeat">
+      <a:schemeClr val="lt1"/>
+    </dgm:linClrLst>
+    <dgm:effectClrLst/>
+    <dgm:txLinClrLst/>
+    <dgm:txFillClrLst/>
+    <dgm:txEffectClrLst/>
+  </dgm:styleLbl>
+  <dgm:styleLbl name="node3">
+    <dgm:fillClrLst meth="repeat">
+      <a:schemeClr val="accent1"/>
+    </dgm:fillClrLst>
+    <dgm:linClrLst meth="repeat">
+      <a:schemeClr val="lt1"/>
+    </dgm:linClrLst>
+    <dgm:effectClrLst/>
+    <dgm:txLinClrLst/>
+    <dgm:txFillClrLst/>
+    <dgm:txEffectClrLst/>
+  </dgm:styleLbl>
+  <dgm:styleLbl name="node4">
+    <dgm:fillClrLst meth="repeat">
+      <a:schemeClr val="accent1"/>
+    </dgm:fillClrLst>
+    <dgm:linClrLst meth="repeat">
+      <a:schemeClr val="lt1"/>
+    </dgm:linClrLst>
+    <dgm:effectClrLst/>
+    <dgm:txLinClrLst/>
+    <dgm:txFillClrLst/>
+    <dgm:txEffectClrLst/>
+  </dgm:styleLbl>
+  <dgm:styleLbl name="fgImgPlace1">
+    <dgm:fillClrLst meth="repeat">
+      <a:schemeClr val="accent1">
+        <a:tint val="50000"/>
+      </a:schemeClr>
+    </dgm:fillClrLst>
+    <dgm:linClrLst meth="repeat">
+      <a:schemeClr val="lt1"/>
+    </dgm:linClrLst>
+    <dgm:effectClrLst/>
+    <dgm:txLinClrLst/>
+    <dgm:txFillClrLst meth="repeat">
+      <a:schemeClr val="lt1"/>
+    </dgm:txFillClrLst>
+    <dgm:txEffectClrLst/>
+  </dgm:styleLbl>
+  <dgm:styleLbl name="alignImgPlace1">
+    <dgm:fillClrLst meth="repeat">
+      <a:schemeClr val="accent1">
+        <a:tint val="50000"/>
+      </a:schemeClr>
+    </dgm:fillClrLst>
+    <dgm:linClrLst meth="repeat">
+      <a:schemeClr val="lt1"/>
+    </dgm:linClrLst>
+    <dgm:effectClrLst/>
+    <dgm:txLinClrLst/>
+    <dgm:txFillClrLst meth="repeat">
+      <a:schemeClr val="lt1"/>
+    </dgm:txFillClrLst>
+    <dgm:txEffectClrLst/>
+  </dgm:styleLbl>
+  <dgm:styleLbl name="bgImgPlace1">
+    <dgm:fillClrLst meth="repeat">
+      <a:schemeClr val="accent1">
+        <a:tint val="50000"/>
+      </a:schemeClr>
+    </dgm:fillClrLst>
+    <dgm:linClrLst meth="repeat">
+      <a:schemeClr val="lt1"/>
+    </dgm:linClrLst>
+    <dgm:effectClrLst/>
+    <dgm:txLinClrLst/>
+    <dgm:txFillClrLst meth="repeat">
+      <a:schemeClr val="lt1"/>
+    </dgm:txFillClrLst>
+    <dgm:txEffectClrLst/>
+  </dgm:styleLbl>
+  <dgm:styleLbl name="sibTrans2D1">
+    <dgm:fillClrLst meth="repeat">
+      <a:schemeClr val="accent1">
+        <a:tint val="60000"/>
+      </a:schemeClr>
+    </dgm:fillClrLst>
+    <dgm:linClrLst meth="repeat">
+      <a:schemeClr val="accent1">
+        <a:tint val="60000"/>
+      </a:schemeClr>
+    </dgm:linClrLst>
+    <dgm:effectClrLst/>
+    <dgm:txLinClrLst/>
+    <dgm:txFillClrLst/>
+    <dgm:txEffectClrLst/>
+  </dgm:styleLbl>
+  <dgm:styleLbl name="fgSibTrans2D1">
+    <dgm:fillClrLst meth="repeat">
+      <a:schemeClr val="accent1">
+        <a:tint val="60000"/>
+      </a:schemeClr>
+    </dgm:fillClrLst>
+    <dgm:linClrLst meth="repeat">
+      <a:schemeClr val="accent1">
+        <a:tint val="60000"/>
+      </a:schemeClr>
+    </dgm:linClrLst>
+    <dgm:effectClrLst/>
+    <dgm:txLinClrLst/>
+    <dgm:txFillClrLst/>
+    <dgm:txEffectClrLst/>
+  </dgm:styleLbl>
+  <dgm:styleLbl name="bgSibTrans2D1">
+    <dgm:fillClrLst meth="repeat">
+      <a:schemeClr val="accent1">
+        <a:tint val="60000"/>
+      </a:schemeClr>
+    </dgm:fillClrLst>
+    <dgm:linClrLst meth="repeat">
+      <a:schemeClr val="accent1">
+        <a:tint val="60000"/>
+      </a:schemeClr>
+    </dgm:linClrLst>
+    <dgm:effectClrLst/>
+    <dgm:txLinClrLst/>
+    <dgm:txFillClrLst/>
+    <dgm:txEffectClrLst/>
+  </dgm:styleLbl>
+  <dgm:styleLbl name="sibTrans1D1">
+    <dgm:fillClrLst meth="repeat">
+      <a:schemeClr val="accent1"/>
+    </dgm:fillClrLst>
+    <dgm:linClrLst meth="repeat">
+      <a:schemeClr val="accent1"/>
+    </dgm:linClrLst>
+    <dgm:effectClrLst/>
+    <dgm:txLinClrLst/>
+    <dgm:txFillClrLst meth="repeat">
+      <a:schemeClr val="tx1"/>
+    </dgm:txFillClrLst>
+    <dgm:txEffectClrLst/>
+  </dgm:styleLbl>
+  <dgm:styleLbl name="callout">
+    <dgm:fillClrLst meth="repeat">
+      <a:schemeClr val="accent1"/>
+    </dgm:fillClrLst>
+    <dgm:linClrLst meth="repeat">
+      <a:schemeClr val="accent1">
+        <a:tint val="50000"/>
+      </a:schemeClr>
+    </dgm:linClrLst>
+    <dgm:effectClrLst/>
+    <dgm:txLinClrLst/>
+    <dgm:txFillClrLst meth="repeat">
+      <a:schemeClr val="tx1"/>
+    </dgm:txFillClrLst>
+    <dgm:txEffectClrLst/>
+  </dgm:styleLbl>
+  <dgm:styleLbl name="asst0">
+    <dgm:fillClrLst meth="repeat">
+      <a:schemeClr val="accent1"/>
+    </dgm:fillClrLst>
+    <dgm:linClrLst meth="repeat">
+      <a:schemeClr val="lt1"/>
+    </dgm:linClrLst>
+    <dgm:effectClrLst/>
+    <dgm:txLinClrLst/>
+    <dgm:txFillClrLst/>
+    <dgm:txEffectClrLst/>
+  </dgm:styleLbl>
+  <dgm:styleLbl name="asst1">
+    <dgm:fillClrLst meth="repeat">
+      <a:schemeClr val="accent1"/>
+    </dgm:fillClrLst>
+    <dgm:linClrLst meth="repeat">
+      <a:schemeClr val="lt1"/>
+    </dgm:linClrLst>
+    <dgm:effectClrLst/>
+    <dgm:txLinClrLst/>
+    <dgm:txFillClrLst/>
+    <dgm:txEffectClrLst/>
+  </dgm:styleLbl>
+  <dgm:styleLbl name="asst2">
+    <dgm:fillClrLst meth="repeat">
+      <a:schemeClr val="accent1"/>
+    </dgm:fillClrLst>
+    <dgm:linClrLst meth="repeat">
+      <a:schemeClr val="lt1"/>
+    </dgm:linClrLst>
+    <dgm:effectClrLst/>
+    <dgm:txLinClrLst/>
+    <dgm:txFillClrLst/>
+    <dgm:txEffectClrLst/>
+  </dgm:styleLbl>
+  <dgm:styleLbl name="asst3">
+    <dgm:fillClrLst meth="repeat">
+      <a:schemeClr val="accent1"/>
+    </dgm:fillClrLst>
+    <dgm:linClrLst meth="repeat">
+      <a:schemeClr val="lt1"/>
+    </dgm:linClrLst>
+    <dgm:effectClrLst/>
+    <dgm:txLinClrLst/>
+    <dgm:txFillClrLst/>
+    <dgm:txEffectClrLst/>
+  </dgm:styleLbl>
+  <dgm:styleLbl name="asst4">
+    <dgm:fillClrLst meth="repeat">
+      <a:schemeClr val="accent1"/>
+    </dgm:fillClrLst>
+    <dgm:linClrLst meth="repeat">
+      <a:schemeClr val="lt1"/>
+    </dgm:linClrLst>
+    <dgm:effectClrLst/>
+    <dgm:txLinClrLst/>
+    <dgm:txFillClrLst/>
+    <dgm:txEffectClrLst/>
+  </dgm:styleLbl>
+  <dgm:styleLbl name="parChTrans2D1">
+    <dgm:fillClrLst meth="repeat">
+      <a:schemeClr val="accent1">
+        <a:tint val="60000"/>
+      </a:schemeClr>
+    </dgm:fillClrLst>
+    <dgm:linClrLst meth="repeat">
+      <a:schemeClr val="accent1">
+        <a:tint val="60000"/>
+      </a:schemeClr>
+    </dgm:linClrLst>
+    <dgm:effectClrLst/>
+    <dgm:txLinClrLst/>
+    <dgm:txFillClrLst meth="repeat">
+      <a:schemeClr val="lt1"/>
+    </dgm:txFillClrLst>
+    <dgm:txEffectClrLst/>
+  </dgm:styleLbl>
+  <dgm:styleLbl name="parChTrans2D2">
+    <dgm:fillClrLst meth="repeat">
+      <a:schemeClr val="accent1"/>
+    </dgm:fillClrLst>
+    <dgm:linClrLst meth="repeat">
+      <a:schemeClr val="accent1"/>
+    </dgm:linClrLst>
+    <dgm:effectClrLst/>
+    <dgm:txLinClrLst/>
+    <dgm:txFillClrLst meth="repeat">
+      <a:schemeClr val="lt1"/>
+    </dgm:txFillClrLst>
+    <dgm:txEffectClrLst/>
+  </dgm:styleLbl>
+  <dgm:styleLbl name="parChTrans2D3">
+    <dgm:fillClrLst meth="repeat">
+      <a:schemeClr val="accent1"/>
+    </dgm:fillClrLst>
+    <dgm:linClrLst meth="repeat">
+      <a:schemeClr val="accent1"/>
+    </dgm:linClrLst>
+    <dgm:effectClrLst/>
+    <dgm:txLinClrLst/>
+    <dgm:txFillClrLst meth="repeat">
+      <a:schemeClr val="lt1"/>
+    </dgm:txFillClrLst>
+    <dgm:txEffectClrLst/>
+  </dgm:styleLbl>
+  <dgm:styleLbl name="parChTrans2D4">
+    <dgm:fillClrLst meth="repeat">
+      <a:schemeClr val="accent1"/>
+    </dgm:fillClrLst>
+    <dgm:linClrLst meth="repeat">
+      <a:schemeClr val="accent1"/>
+    </dgm:linClrLst>
+    <dgm:effectClrLst/>
+    <dgm:txLinClrLst/>
+    <dgm:txFillClrLst meth="repeat">
+      <a:schemeClr val="lt1"/>
+    </dgm:txFillClrLst>
+    <dgm:txEffectClrLst/>
+  </dgm:styleLbl>
+  <dgm:styleLbl name="parChTrans1D1">
+    <dgm:fillClrLst meth="repeat">
+      <a:schemeClr val="accent1"/>
+    </dgm:fillClrLst>
+    <dgm:linClrLst meth="repeat">
+      <a:schemeClr val="accent1">
+        <a:shade val="60000"/>
+      </a:schemeClr>
+    </dgm:linClrLst>
+    <dgm:effectClrLst/>
+    <dgm:txLinClrLst/>
+    <dgm:txFillClrLst meth="repeat">
+      <a:schemeClr val="tx1"/>
+    </dgm:txFillClrLst>
+    <dgm:txEffectClrLst/>
+  </dgm:styleLbl>
+  <dgm:styleLbl name="parChTrans1D2">
+    <dgm:fillClrLst meth="repeat">
+      <a:schemeClr val="accent1"/>
+    </dgm:fillClrLst>
+    <dgm:linClrLst meth="repeat">
+      <a:schemeClr val="accent1">
+        <a:shade val="60000"/>
+      </a:schemeClr>
+    </dgm:linClrLst>
+    <dgm:effectClrLst/>
+    <dgm:txLinClrLst/>
+    <dgm:txFillClrLst meth="repeat">
+      <a:schemeClr val="tx1"/>
+    </dgm:txFillClrLst>
+    <dgm:txEffectClrLst/>
+  </dgm:styleLbl>
+  <dgm:styleLbl name="parChTrans1D3">
+    <dgm:fillClrLst meth="repeat">
+      <a:schemeClr val="accent1"/>
+    </dgm:fillClrLst>
+    <dgm:linClrLst meth="repeat">
+      <a:schemeClr val="accent1">
+        <a:shade val="80000"/>
+      </a:schemeClr>
+    </dgm:linClrLst>
+    <dgm:effectClrLst/>
+    <dgm:txLinClrLst/>
+    <dgm:txFillClrLst meth="repeat">
+      <a:schemeClr val="tx1"/>
+    </dgm:txFillClrLst>
+    <dgm:txEffectClrLst/>
+  </dgm:styleLbl>
+  <dgm:styleLbl name="parChTrans1D4">
+    <dgm:fillClrLst meth="repeat">
+      <a:schemeClr val="accent1"/>
+    </dgm:fillClrLst>
+    <dgm:linClrLst meth="repeat">
+      <a:schemeClr val="accent1">
+        <a:shade val="80000"/>
+      </a:schemeClr>
+    </dgm:linClrLst>
+    <dgm:effectClrLst/>
+    <dgm:txLinClrLst/>
+    <dgm:txFillClrLst meth="repeat">
+      <a:schemeClr val="tx1"/>
+    </dgm:txFillClrLst>
+    <dgm:txEffectClrLst/>
+  </dgm:styleLbl>
+  <dgm:styleLbl name="fgAcc1">
+    <dgm:fillClrLst meth="repeat">
+      <a:schemeClr val="lt1">
+        <a:alpha val="90000"/>
+      </a:schemeClr>
+    </dgm:fillClrLst>
+    <dgm:linClrLst meth="repeat">
+      <a:schemeClr val="accent1"/>
+    </dgm:linClrLst>
+    <dgm:effectClrLst/>
+    <dgm:txLinClrLst/>
+    <dgm:txFillClrLst meth="repeat">
+      <a:schemeClr val="dk1"/>
+    </dgm:txFillClrLst>
+    <dgm:txEffectClrLst/>
+  </dgm:styleLbl>
+  <dgm:styleLbl name="conFgAcc1">
+    <dgm:fillClrLst meth="repeat">
+      <a:schemeClr val="lt1">
+        <a:alpha val="90000"/>
+      </a:schemeClr>
+    </dgm:fillClrLst>
+    <dgm:linClrLst meth="repeat">
+      <a:schemeClr val="accent1"/>
+    </dgm:linClrLst>
+    <dgm:effectClrLst/>
+    <dgm:txLinClrLst/>
+    <dgm:txFillClrLst meth="repeat">
+      <a:schemeClr val="dk1"/>
+    </dgm:txFillClrLst>
+    <dgm:txEffectClrLst/>
+  </dgm:styleLbl>
+  <dgm:styleLbl name="alignAcc1">
+    <dgm:fillClrLst meth="repeat">
+      <a:schemeClr val="lt1">
+        <a:alpha val="90000"/>
+      </a:schemeClr>
+    </dgm:fillClrLst>
+    <dgm:linClrLst meth="repeat">
+      <a:schemeClr val="accent1"/>
+    </dgm:linClrLst>
+    <dgm:effectClrLst/>
+    <dgm:txLinClrLst/>
+    <dgm:txFillClrLst meth="repeat">
+      <a:schemeClr val="dk1"/>
+    </dgm:txFillClrLst>
+    <dgm:txEffectClrLst/>
+  </dgm:styleLbl>
+  <dgm:styleLbl name="trAlignAcc1">
+    <dgm:fillClrLst meth="repeat">
+      <a:schemeClr val="lt1">
+        <a:alpha val="40000"/>
+      </a:schemeClr>
+    </dgm:fillClrLst>
+    <dgm:linClrLst meth="repeat">
+      <a:schemeClr val="accent1"/>
+    </dgm:linClrLst>
+    <dgm:effectClrLst/>
+    <dgm:txLinClrLst/>
+    <dgm:txFillClrLst meth="repeat">
+      <a:schemeClr val="dk1"/>
+    </dgm:txFillClrLst>
+    <dgm:txEffectClrLst/>
+  </dgm:styleLbl>
+  <dgm:styleLbl name="bgAcc1">
+    <dgm:fillClrLst meth="repeat">
+      <a:schemeClr val="lt1">
+        <a:alpha val="90000"/>
+      </a:schemeClr>
+    </dgm:fillClrLst>
+    <dgm:linClrLst meth="repeat">
+      <a:schemeClr val="accent1"/>
+    </dgm:linClrLst>
+    <dgm:effectClrLst/>
+    <dgm:txLinClrLst/>
+    <dgm:txFillClrLst meth="repeat">
+      <a:schemeClr val="dk1"/>
+    </dgm:txFillClrLst>
+    <dgm:txEffectClrLst/>
+  </dgm:styleLbl>
+  <dgm:styleLbl name="solidFgAcc1">
+    <dgm:fillClrLst meth="repeat">
+      <a:schemeClr val="lt1"/>
+    </dgm:fillClrLst>
+    <dgm:linClrLst meth="repeat">
+      <a:schemeClr val="accent1"/>
+    </dgm:linClrLst>
+    <dgm:effectClrLst/>
+    <dgm:txLinClrLst/>
+    <dgm:txFillClrLst meth="repeat">
+      <a:schemeClr val="dk1"/>
+    </dgm:txFillClrLst>
+    <dgm:txEffectClrLst/>
+  </dgm:styleLbl>
+  <dgm:styleLbl name="solidAlignAcc1">
+    <dgm:fillClrLst meth="repeat">
+      <a:schemeClr val="lt1"/>
+    </dgm:fillClrLst>
+    <dgm:linClrLst meth="repeat">
+      <a:schemeClr val="accent1"/>
+    </dgm:linClrLst>
+    <dgm:effectClrLst/>
+    <dgm:txLinClrLst/>
+    <dgm:txFillClrLst meth="repeat">
+      <a:schemeClr val="dk1"/>
+    </dgm:txFillClrLst>
+    <dgm:txEffectClrLst/>
+  </dgm:styleLbl>
+  <dgm:styleLbl name="solidBgAcc1">
+    <dgm:fillClrLst meth="repeat">
+      <a:schemeClr val="lt1"/>
+    </dgm:fillClrLst>
+    <dgm:linClrLst meth="repeat">
+      <a:schemeClr val="accent1"/>
+    </dgm:linClrLst>
+    <dgm:effectClrLst/>
+    <dgm:txLinClrLst/>
+    <dgm:txFillClrLst meth="repeat">
+      <a:schemeClr val="dk1"/>
+    </dgm:txFillClrLst>
+    <dgm:txEffectClrLst/>
+  </dgm:styleLbl>
+  <dgm:styleLbl name="fgAccFollowNode1">
+    <dgm:fillClrLst meth="repeat">
+      <a:schemeClr val="accent1">
+        <a:alpha val="90000"/>
+        <a:tint val="40000"/>
+      </a:schemeClr>
+    </dgm:fillClrLst>
+    <dgm:linClrLst meth="repeat">
+      <a:schemeClr val="accent1">
+        <a:alpha val="90000"/>
+        <a:tint val="40000"/>
+      </a:schemeClr>
+    </dgm:linClrLst>
+    <dgm:effectClrLst/>
+    <dgm:txLinClrLst/>
+    <dgm:txFillClrLst meth="repeat">
+      <a:schemeClr val="dk1"/>
+    </dgm:txFillClrLst>
+    <dgm:txEffectClrLst/>
+  </dgm:styleLbl>
+  <dgm:styleLbl name="alignAccFollowNode1">
+    <dgm:fillClrLst meth="repeat">
+      <a:schemeClr val="accent1">
+        <a:alpha val="90000"/>
+        <a:tint val="40000"/>
+      </a:schemeClr>
+    </dgm:fillClrLst>
+    <dgm:linClrLst meth="repeat">
+      <a:schemeClr val="accent1">
+        <a:alpha val="90000"/>
+        <a:tint val="40000"/>
+      </a:schemeClr>
+    </dgm:linClrLst>
+    <dgm:effectClrLst/>
+    <dgm:txLinClrLst/>
+    <dgm:txFillClrLst meth="repeat">
+      <a:schemeClr val="dk1"/>
+    </dgm:txFillClrLst>
+    <dgm:txEffectClrLst/>
+  </dgm:styleLbl>
+  <dgm:styleLbl name="bgAccFollowNode1">
+    <dgm:fillClrLst meth="repeat">
+      <a:schemeClr val="accent1">
+        <a:alpha val="90000"/>
+        <a:tint val="40000"/>
+      </a:schemeClr>
+    </dgm:fillClrLst>
+    <dgm:linClrLst meth="repeat">
+      <a:schemeClr val="accent1">
+        <a:alpha val="90000"/>
+        <a:tint val="40000"/>
+      </a:schemeClr>
+    </dgm:linClrLst>
+    <dgm:effectClrLst/>
+    <dgm:txLinClrLst/>
+    <dgm:txFillClrLst meth="repeat">
+      <a:schemeClr val="dk1"/>
+    </dgm:txFillClrLst>
+    <dgm:txEffectClrLst/>
+  </dgm:styleLbl>
+  <dgm:styleLbl name="fgAcc0">
+    <dgm:fillClrLst meth="repeat">
+      <a:schemeClr val="lt1">
+        <a:alpha val="90000"/>
+      </a:schemeClr>
+    </dgm:fillClrLst>
+    <dgm:linClrLst meth="repeat">
+      <a:schemeClr val="accent1"/>
+    </dgm:linClrLst>
+    <dgm:effectClrLst/>
+    <dgm:txLinClrLst/>
+    <dgm:txFillClrLst meth="repeat">
+      <a:schemeClr val="dk1"/>
+    </dgm:txFillClrLst>
+    <dgm:txEffectClrLst/>
+  </dgm:styleLbl>
+  <dgm:styleLbl name="fgAcc2">
+    <dgm:fillClrLst meth="repeat">
+      <a:schemeClr val="lt1">
+        <a:alpha val="90000"/>
+      </a:schemeClr>
+    </dgm:fillClrLst>
+    <dgm:linClrLst meth="repeat">
+      <a:schemeClr val="accent1"/>
+    </dgm:linClrLst>
+    <dgm:effectClrLst/>
+    <dgm:txLinClrLst/>
+    <dgm:txFillClrLst meth="repeat">
+      <a:schemeClr val="dk1"/>
+    </dgm:txFillClrLst>
+    <dgm:txEffectClrLst/>
+  </dgm:styleLbl>
+  <dgm:styleLbl name="fgAcc3">
+    <dgm:fillClrLst meth="repeat">
+      <a:schemeClr val="lt1">
+        <a:alpha val="90000"/>
+      </a:schemeClr>
+    </dgm:fillClrLst>
+    <dgm:linClrLst meth="repeat">
+      <a:schemeClr val="accent1"/>
+    </dgm:linClrLst>
+    <dgm:effectClrLst/>
+    <dgm:txLinClrLst/>
+    <dgm:txFillClrLst meth="repeat">
+      <a:schemeClr val="dk1"/>
+    </dgm:txFillClrLst>
+    <dgm:txEffectClrLst/>
+  </dgm:styleLbl>
+  <dgm:styleLbl name="fgAcc4">
+    <dgm:fillClrLst meth="repeat">
+      <a:schemeClr val="lt1">
+        <a:alpha val="90000"/>
+      </a:schemeClr>
+    </dgm:fillClrLst>
+    <dgm:linClrLst meth="repeat">
+      <a:schemeClr val="accent1"/>
+    </dgm:linClrLst>
+    <dgm:effectClrLst/>
+    <dgm:txLinClrLst/>
+    <dgm:txFillClrLst meth="repeat">
+      <a:schemeClr val="dk1"/>
+    </dgm:txFillClrLst>
+    <dgm:txEffectClrLst/>
+  </dgm:styleLbl>
+  <dgm:styleLbl name="bgShp">
+    <dgm:fillClrLst meth="repeat">
+      <a:schemeClr val="accent1">
+        <a:tint val="40000"/>
+      </a:schemeClr>
+    </dgm:fillClrLst>
+    <dgm:linClrLst meth="repeat">
+      <a:schemeClr val="accent1"/>
+    </dgm:linClrLst>
+    <dgm:effectClrLst/>
+    <dgm:txLinClrLst/>
+    <dgm:txFillClrLst meth="repeat">
+      <a:schemeClr val="dk1"/>
+    </dgm:txFillClrLst>
+    <dgm:txEffectClrLst/>
+  </dgm:styleLbl>
+  <dgm:styleLbl name="dkBgShp">
+    <dgm:fillClrLst meth="repeat">
+      <a:schemeClr val="accent1">
+        <a:shade val="80000"/>
+      </a:schemeClr>
+    </dgm:fillClrLst>
+    <dgm:linClrLst meth="repeat">
+      <a:schemeClr val="accent1"/>
+    </dgm:linClrLst>
+    <dgm:effectClrLst/>
+    <dgm:txLinClrLst/>
+    <dgm:txFillClrLst meth="repeat">
+      <a:schemeClr val="lt1"/>
+    </dgm:txFillClrLst>
+    <dgm:txEffectClrLst/>
+  </dgm:styleLbl>
+  <dgm:styleLbl name="trBgShp">
+    <dgm:fillClrLst meth="repeat">
+      <a:schemeClr val="accent1">
+        <a:tint val="50000"/>
+        <a:alpha val="40000"/>
+      </a:schemeClr>
+    </dgm:fillClrLst>
+    <dgm:linClrLst meth="repeat">
+      <a:schemeClr val="accent1"/>
+    </dgm:linClrLst>
+    <dgm:effectClrLst/>
+    <dgm:txLinClrLst/>
+    <dgm:txFillClrLst meth="repeat">
+      <a:schemeClr val="lt1"/>
+    </dgm:txFillClrLst>
+    <dgm:txEffectClrLst/>
+  </dgm:styleLbl>
+  <dgm:styleLbl name="fgShp">
+    <dgm:fillClrLst meth="repeat">
+      <a:schemeClr val="accent1">
+        <a:tint val="60000"/>
+      </a:schemeClr>
+    </dgm:fillClrLst>
+    <dgm:linClrLst meth="repeat">
+      <a:schemeClr val="lt1"/>
+    </dgm:linClrLst>
+    <dgm:effectClrLst/>
+    <dgm:txLinClrLst/>
+    <dgm:txFillClrLst meth="repeat">
+      <a:schemeClr val="dk1"/>
+    </dgm:txFillClrLst>
+    <dgm:txEffectClrLst/>
+  </dgm:styleLbl>
+  <dgm:styleLbl name="revTx">
+    <dgm:fillClrLst meth="repeat">
+      <a:schemeClr val="lt1">
+        <a:alpha val="0"/>
+      </a:schemeClr>
+    </dgm:fillClrLst>
+    <dgm:linClrLst meth="repeat">
+      <a:schemeClr val="dk1">
+        <a:alpha val="0"/>
+      </a:schemeClr>
+    </dgm:linClrLst>
+    <dgm:effectClrLst/>
+    <dgm:txLinClrLst/>
+    <dgm:txFillClrLst meth="repeat">
+      <a:schemeClr val="tx1"/>
+    </dgm:txFillClrLst>
+    <dgm:txEffectClrLst/>
+  </dgm:styleLbl>
+</dgm:colorsDef>
+</file>
+
 <file path=ppt/diagrams/data1.xml><?xml version="1.0" encoding="utf-8"?>
 <dgm:dataModel xmlns:dgm="http://schemas.openxmlformats.org/drawingml/2006/diagram" xmlns:a="http://schemas.openxmlformats.org/drawingml/2006/main">
   <dgm:ptLst>
@@ -4658,10 +5407,18 @@
             </a:lnSpc>
           </a:pPr>
           <a:r>
-            <a:rPr lang="en-IN" b="1" dirty="0"/>
+            <a:rPr lang="en-IN" b="1" dirty="0">
+              <a:latin typeface="Open Sans" panose="020B0606030504020204" pitchFamily="34" charset="0"/>
+              <a:ea typeface="Open Sans" panose="020B0606030504020204" pitchFamily="34" charset="0"/>
+              <a:cs typeface="Open Sans" panose="020B0606030504020204" pitchFamily="34" charset="0"/>
+            </a:rPr>
             <a:t>INTRODUCTION</a:t>
           </a:r>
-          <a:endParaRPr lang="en-US" dirty="0"/>
+          <a:endParaRPr lang="en-US" dirty="0">
+            <a:latin typeface="Open Sans" panose="020B0606030504020204" pitchFamily="34" charset="0"/>
+            <a:ea typeface="Open Sans" panose="020B0606030504020204" pitchFamily="34" charset="0"/>
+            <a:cs typeface="Open Sans" panose="020B0606030504020204" pitchFamily="34" charset="0"/>
+          </a:endParaRPr>
         </a:p>
       </dgm:t>
     </dgm:pt>
@@ -4705,10 +5462,18 @@
             </a:lnSpc>
           </a:pPr>
           <a:r>
-            <a:rPr lang="en-IN" b="1"/>
+            <a:rPr lang="en-IN" b="1" dirty="0">
+              <a:latin typeface="Open Sans" panose="020B0606030504020204" pitchFamily="34" charset="0"/>
+              <a:ea typeface="Open Sans" panose="020B0606030504020204" pitchFamily="34" charset="0"/>
+              <a:cs typeface="Open Sans" panose="020B0606030504020204" pitchFamily="34" charset="0"/>
+            </a:rPr>
             <a:t>SUBJECT MAPPING</a:t>
           </a:r>
-          <a:endParaRPr lang="en-US"/>
+          <a:endParaRPr lang="en-US" dirty="0">
+            <a:latin typeface="Open Sans" panose="020B0606030504020204" pitchFamily="34" charset="0"/>
+            <a:ea typeface="Open Sans" panose="020B0606030504020204" pitchFamily="34" charset="0"/>
+            <a:cs typeface="Open Sans" panose="020B0606030504020204" pitchFamily="34" charset="0"/>
+          </a:endParaRPr>
         </a:p>
       </dgm:t>
     </dgm:pt>
@@ -4752,10 +5517,18 @@
             </a:lnSpc>
           </a:pPr>
           <a:r>
-            <a:rPr lang="en-IN" b="1"/>
+            <a:rPr lang="en-IN" b="1" dirty="0">
+              <a:latin typeface="Open Sans" panose="020B0606030504020204" pitchFamily="34" charset="0"/>
+              <a:ea typeface="Open Sans" panose="020B0606030504020204" pitchFamily="34" charset="0"/>
+              <a:cs typeface="Open Sans" panose="020B0606030504020204" pitchFamily="34" charset="0"/>
+            </a:rPr>
             <a:t>APPLICATIONS</a:t>
           </a:r>
-          <a:endParaRPr lang="en-US"/>
+          <a:endParaRPr lang="en-US" dirty="0">
+            <a:latin typeface="Open Sans" panose="020B0606030504020204" pitchFamily="34" charset="0"/>
+            <a:ea typeface="Open Sans" panose="020B0606030504020204" pitchFamily="34" charset="0"/>
+            <a:cs typeface="Open Sans" panose="020B0606030504020204" pitchFamily="34" charset="0"/>
+          </a:endParaRPr>
         </a:p>
       </dgm:t>
     </dgm:pt>
@@ -4799,10 +5572,18 @@
             </a:lnSpc>
           </a:pPr>
           <a:r>
-            <a:rPr lang="en-IN" b="1"/>
+            <a:rPr lang="en-IN" b="1" dirty="0">
+              <a:latin typeface="Open Sans" panose="020B0606030504020204" pitchFamily="34" charset="0"/>
+              <a:ea typeface="Open Sans" panose="020B0606030504020204" pitchFamily="34" charset="0"/>
+              <a:cs typeface="Open Sans" panose="020B0606030504020204" pitchFamily="34" charset="0"/>
+            </a:rPr>
             <a:t>REFERENCES</a:t>
           </a:r>
-          <a:endParaRPr lang="en-US"/>
+          <a:endParaRPr lang="en-US" dirty="0">
+            <a:latin typeface="Open Sans" panose="020B0606030504020204" pitchFamily="34" charset="0"/>
+            <a:ea typeface="Open Sans" panose="020B0606030504020204" pitchFamily="34" charset="0"/>
+            <a:cs typeface="Open Sans" panose="020B0606030504020204" pitchFamily="34" charset="0"/>
+          </a:endParaRPr>
         </a:p>
       </dgm:t>
     </dgm:pt>
@@ -4846,10 +5627,18 @@
             </a:lnSpc>
           </a:pPr>
           <a:r>
-            <a:rPr lang="en-IN" b="1"/>
+            <a:rPr lang="en-IN" b="1" dirty="0">
+              <a:latin typeface="Open Sans" panose="020B0606030504020204" pitchFamily="34" charset="0"/>
+              <a:ea typeface="Open Sans" panose="020B0606030504020204" pitchFamily="34" charset="0"/>
+              <a:cs typeface="Open Sans" panose="020B0606030504020204" pitchFamily="34" charset="0"/>
+            </a:rPr>
             <a:t>CONCLUSION</a:t>
           </a:r>
-          <a:endParaRPr lang="en-US"/>
+          <a:endParaRPr lang="en-US" dirty="0">
+            <a:latin typeface="Open Sans" panose="020B0606030504020204" pitchFamily="34" charset="0"/>
+            <a:ea typeface="Open Sans" panose="020B0606030504020204" pitchFamily="34" charset="0"/>
+            <a:cs typeface="Open Sans" panose="020B0606030504020204" pitchFamily="34" charset="0"/>
+          </a:endParaRPr>
         </a:p>
       </dgm:t>
     </dgm:pt>
@@ -4981,7 +5770,7 @@
       <dgm:spPr/>
     </dgm:pt>
     <dgm:pt modelId="{D09AA77C-32D4-43EC-ABCC-BE6C7ED3B13C}" type="pres">
-      <dgm:prSet presAssocID="{F3B94624-B0CA-4FAF-B0E3-7448DD4D8265}" presName="textRect" presStyleLbl="revTx" presStyleIdx="1" presStyleCnt="5">
+      <dgm:prSet presAssocID="{F3B94624-B0CA-4FAF-B0E3-7448DD4D8265}" presName="textRect" presStyleLbl="revTx" presStyleIdx="1" presStyleCnt="5" custScaleX="120741" custLinFactNeighborX="9661">
         <dgm:presLayoutVars>
           <dgm:chMax val="1"/>
           <dgm:chPref val="1"/>
@@ -5682,10 +6471,18 @@
         <a:lstStyle/>
         <a:p>
           <a:r>
-            <a:rPr lang="en-IN" b="1"/>
-            <a:t>File Structures (18IS61) :</a:t>
+            <a:rPr lang="en-IN" b="1" dirty="0">
+              <a:latin typeface="Open Sans" panose="020B0606030504020204" pitchFamily="34" charset="0"/>
+              <a:ea typeface="Open Sans" panose="020B0606030504020204" pitchFamily="34" charset="0"/>
+              <a:cs typeface="Open Sans" panose="020B0606030504020204" pitchFamily="34" charset="0"/>
+            </a:rPr>
+            <a:t>File Structures (18IS61) </a:t>
           </a:r>
-          <a:endParaRPr lang="en-US"/>
+          <a:r>
+            <a:rPr lang="en-IN" b="1" dirty="0"/>
+            <a:t>:</a:t>
+          </a:r>
+          <a:endParaRPr lang="en-US" dirty="0"/>
         </a:p>
       </dgm:t>
     </dgm:pt>
@@ -5719,10 +6516,18 @@
         <a:lstStyle/>
         <a:p>
           <a:r>
-            <a:rPr lang="en-IN"/>
-            <a:t>The codes written are saved in files and organised in  hierarchy consisting of Manifest folder, Resource folder and Java folder.</a:t>
+            <a:rPr lang="en-IN" dirty="0">
+              <a:latin typeface="Open Sans" panose="020B0606030504020204" pitchFamily="34" charset="0"/>
+              <a:ea typeface="Open Sans" panose="020B0606030504020204" pitchFamily="34" charset="0"/>
+              <a:cs typeface="Open Sans" panose="020B0606030504020204" pitchFamily="34" charset="0"/>
+            </a:rPr>
+            <a:t>The codes written are saved in files and organised in  hierarchy consisting of Manifest folder, Resource folder and Java folder</a:t>
           </a:r>
-          <a:endParaRPr lang="en-US"/>
+          <a:r>
+            <a:rPr lang="en-IN" dirty="0"/>
+            <a:t>.</a:t>
+          </a:r>
+          <a:endParaRPr lang="en-US" dirty="0"/>
         </a:p>
       </dgm:t>
     </dgm:pt>
@@ -5756,10 +6561,18 @@
         <a:lstStyle/>
         <a:p>
           <a:r>
-            <a:rPr lang="en-IN" b="1" dirty="0"/>
+            <a:rPr lang="en-IN" b="1" dirty="0">
+              <a:latin typeface="Open Sans" panose="020B0606030504020204" pitchFamily="34" charset="0"/>
+              <a:ea typeface="Open Sans" panose="020B0606030504020204" pitchFamily="34" charset="0"/>
+              <a:cs typeface="Open Sans" panose="020B0606030504020204" pitchFamily="34" charset="0"/>
+            </a:rPr>
             <a:t>Software Testing (18IS62) :</a:t>
           </a:r>
-          <a:endParaRPr lang="en-US" dirty="0"/>
+          <a:endParaRPr lang="en-US" dirty="0">
+            <a:latin typeface="Open Sans" panose="020B0606030504020204" pitchFamily="34" charset="0"/>
+            <a:ea typeface="Open Sans" panose="020B0606030504020204" pitchFamily="34" charset="0"/>
+            <a:cs typeface="Open Sans" panose="020B0606030504020204" pitchFamily="34" charset="0"/>
+          </a:endParaRPr>
         </a:p>
       </dgm:t>
     </dgm:pt>
@@ -5793,8 +6606,16 @@
         <a:lstStyle/>
         <a:p>
           <a:r>
+            <a:rPr lang="en-IN" dirty="0">
+              <a:latin typeface="Open Sans" panose="020B0606030504020204" pitchFamily="34" charset="0"/>
+              <a:ea typeface="Open Sans" panose="020B0606030504020204" pitchFamily="34" charset="0"/>
+              <a:cs typeface="Open Sans" panose="020B0606030504020204" pitchFamily="34" charset="0"/>
+            </a:rPr>
+            <a:t>The codes are tested for all possible bugs and logical failures with the help of black box and white box testing methodologies</a:t>
+          </a:r>
+          <a:r>
             <a:rPr lang="en-IN" dirty="0"/>
-            <a:t>The codes are tested for all possible bugs and logical failures with the help of black box and white box testing methodologies.</a:t>
+            <a:t>.</a:t>
           </a:r>
           <a:endParaRPr lang="en-US" dirty="0"/>
         </a:p>
@@ -5830,10 +6651,18 @@
         <a:lstStyle/>
         <a:p>
           <a:r>
-            <a:rPr lang="en-IN" b="1"/>
+            <a:rPr lang="en-IN" b="1" dirty="0">
+              <a:latin typeface="Open Sans" panose="020B0606030504020204" pitchFamily="34" charset="0"/>
+              <a:ea typeface="Open Sans" panose="020B0606030504020204" pitchFamily="34" charset="0"/>
+              <a:cs typeface="Open Sans" panose="020B0606030504020204" pitchFamily="34" charset="0"/>
+            </a:rPr>
             <a:t>Web Technologies (18CS63) :</a:t>
           </a:r>
-          <a:endParaRPr lang="en-US"/>
+          <a:endParaRPr lang="en-US" dirty="0">
+            <a:latin typeface="Open Sans" panose="020B0606030504020204" pitchFamily="34" charset="0"/>
+            <a:ea typeface="Open Sans" panose="020B0606030504020204" pitchFamily="34" charset="0"/>
+            <a:cs typeface="Open Sans" panose="020B0606030504020204" pitchFamily="34" charset="0"/>
+          </a:endParaRPr>
         </a:p>
       </dgm:t>
     </dgm:pt>
@@ -5867,10 +6696,18 @@
         <a:lstStyle/>
         <a:p>
           <a:r>
-            <a:rPr lang="en-IN"/>
-            <a:t>XML is extensible mark up language, is used for designing the layout of the application.</a:t>
+            <a:rPr lang="en-IN" dirty="0">
+              <a:latin typeface="Open Sans" panose="020B0606030504020204" pitchFamily="34" charset="0"/>
+              <a:ea typeface="Open Sans" panose="020B0606030504020204" pitchFamily="34" charset="0"/>
+              <a:cs typeface="Open Sans" panose="020B0606030504020204" pitchFamily="34" charset="0"/>
+            </a:rPr>
+            <a:t>XML is extensible mark up language, is used for designing the layout of the application</a:t>
           </a:r>
-          <a:endParaRPr lang="en-US"/>
+          <a:r>
+            <a:rPr lang="en-IN" dirty="0"/>
+            <a:t>.</a:t>
+          </a:r>
+          <a:endParaRPr lang="en-US" dirty="0"/>
         </a:p>
       </dgm:t>
     </dgm:pt>
@@ -6050,6 +6887,307 @@
 <file path=ppt/diagrams/data4.xml><?xml version="1.0" encoding="utf-8"?>
 <dgm:dataModel xmlns:dgm="http://schemas.openxmlformats.org/drawingml/2006/diagram" xmlns:a="http://schemas.openxmlformats.org/drawingml/2006/main">
   <dgm:ptLst>
+    <dgm:pt modelId="{653145A0-8EDC-4811-8203-2C4F92A40777}" type="doc">
+      <dgm:prSet loTypeId="urn:microsoft.com/office/officeart/2005/8/layout/list1" loCatId="list" qsTypeId="urn:microsoft.com/office/officeart/2005/8/quickstyle/simple1" qsCatId="simple" csTypeId="urn:microsoft.com/office/officeart/2005/8/colors/accent1_2" csCatId="accent1" phldr="1"/>
+      <dgm:spPr/>
+      <dgm:t>
+        <a:bodyPr/>
+        <a:lstStyle/>
+        <a:p>
+          <a:endParaRPr lang="en-US"/>
+        </a:p>
+      </dgm:t>
+    </dgm:pt>
+    <dgm:pt modelId="{5B289970-C630-4206-9C5C-A0DAAE4D5239}">
+      <dgm:prSet/>
+      <dgm:spPr/>
+      <dgm:t>
+        <a:bodyPr/>
+        <a:lstStyle/>
+        <a:p>
+          <a:r>
+            <a:rPr lang="en-IN" b="1" dirty="0">
+              <a:latin typeface="Open Sans" panose="020B0606030504020204" pitchFamily="34" charset="0"/>
+              <a:ea typeface="Open Sans" panose="020B0606030504020204" pitchFamily="34" charset="0"/>
+              <a:cs typeface="Open Sans" panose="020B0606030504020204" pitchFamily="34" charset="0"/>
+            </a:rPr>
+            <a:t>Cloud Computing and its Application(18CS643</a:t>
+          </a:r>
+          <a:r>
+            <a:rPr lang="en-IN" b="1" dirty="0"/>
+            <a:t>) :</a:t>
+          </a:r>
+          <a:endParaRPr lang="en-US" dirty="0"/>
+        </a:p>
+      </dgm:t>
+    </dgm:pt>
+    <dgm:pt modelId="{0316BFDE-3019-44D1-B548-1016ACB64B50}" type="parTrans" cxnId="{D070BF5C-01D6-4ED8-9A9F-F0610F5B958B}">
+      <dgm:prSet/>
+      <dgm:spPr/>
+      <dgm:t>
+        <a:bodyPr/>
+        <a:lstStyle/>
+        <a:p>
+          <a:endParaRPr lang="en-US"/>
+        </a:p>
+      </dgm:t>
+    </dgm:pt>
+    <dgm:pt modelId="{B96DC9D7-F2DA-415D-9244-22C99A18F4C4}" type="sibTrans" cxnId="{D070BF5C-01D6-4ED8-9A9F-F0610F5B958B}">
+      <dgm:prSet/>
+      <dgm:spPr/>
+      <dgm:t>
+        <a:bodyPr/>
+        <a:lstStyle/>
+        <a:p>
+          <a:endParaRPr lang="en-US"/>
+        </a:p>
+      </dgm:t>
+    </dgm:pt>
+    <dgm:pt modelId="{52E75EF9-48DB-4455-8BB5-69B3AE085BB8}">
+      <dgm:prSet/>
+      <dgm:spPr/>
+      <dgm:t>
+        <a:bodyPr/>
+        <a:lstStyle/>
+        <a:p>
+          <a:r>
+            <a:rPr lang="en-IN" dirty="0">
+              <a:latin typeface="Open Sans" panose="020B0606030504020204" pitchFamily="34" charset="0"/>
+              <a:ea typeface="Open Sans" panose="020B0606030504020204" pitchFamily="34" charset="0"/>
+              <a:cs typeface="Open Sans" panose="020B0606030504020204" pitchFamily="34" charset="0"/>
+            </a:rPr>
+            <a:t>Firebase is a cloud platform used for Authentication and Storage of user data</a:t>
+          </a:r>
+          <a:r>
+            <a:rPr lang="en-IN" dirty="0"/>
+            <a:t> .</a:t>
+          </a:r>
+          <a:endParaRPr lang="en-US" dirty="0"/>
+        </a:p>
+      </dgm:t>
+    </dgm:pt>
+    <dgm:pt modelId="{6DB506C8-A955-419E-9740-DF522A4F3B4C}" type="parTrans" cxnId="{7DA978EE-3583-45CB-A39F-4D8E6819AC6C}">
+      <dgm:prSet/>
+      <dgm:spPr/>
+      <dgm:t>
+        <a:bodyPr/>
+        <a:lstStyle/>
+        <a:p>
+          <a:endParaRPr lang="en-US"/>
+        </a:p>
+      </dgm:t>
+    </dgm:pt>
+    <dgm:pt modelId="{0D3C85C1-7947-4FAA-B41C-E7B2F62D76B2}" type="sibTrans" cxnId="{7DA978EE-3583-45CB-A39F-4D8E6819AC6C}">
+      <dgm:prSet/>
+      <dgm:spPr/>
+      <dgm:t>
+        <a:bodyPr/>
+        <a:lstStyle/>
+        <a:p>
+          <a:endParaRPr lang="en-US"/>
+        </a:p>
+      </dgm:t>
+    </dgm:pt>
+    <dgm:pt modelId="{5ABB316A-63A3-4284-AB60-BBA2D1563614}">
+      <dgm:prSet/>
+      <dgm:spPr/>
+      <dgm:t>
+        <a:bodyPr/>
+        <a:lstStyle/>
+        <a:p>
+          <a:r>
+            <a:rPr lang="en-IN" b="1" dirty="0">
+              <a:latin typeface="Open Sans" panose="020B0606030504020204" pitchFamily="34" charset="0"/>
+              <a:ea typeface="Open Sans" panose="020B0606030504020204" pitchFamily="34" charset="0"/>
+              <a:cs typeface="Open Sans" panose="020B0606030504020204" pitchFamily="34" charset="0"/>
+            </a:rPr>
+            <a:t>Mobile Application Development(18CSMP68) :</a:t>
+          </a:r>
+          <a:endParaRPr lang="en-US" dirty="0">
+            <a:latin typeface="Open Sans" panose="020B0606030504020204" pitchFamily="34" charset="0"/>
+            <a:ea typeface="Open Sans" panose="020B0606030504020204" pitchFamily="34" charset="0"/>
+            <a:cs typeface="Open Sans" panose="020B0606030504020204" pitchFamily="34" charset="0"/>
+          </a:endParaRPr>
+        </a:p>
+      </dgm:t>
+    </dgm:pt>
+    <dgm:pt modelId="{194129E3-345E-40C2-8103-FE5FA54BF0BB}" type="parTrans" cxnId="{33974B9A-2754-4E91-AB5F-F9CA7009463C}">
+      <dgm:prSet/>
+      <dgm:spPr/>
+      <dgm:t>
+        <a:bodyPr/>
+        <a:lstStyle/>
+        <a:p>
+          <a:endParaRPr lang="en-US"/>
+        </a:p>
+      </dgm:t>
+    </dgm:pt>
+    <dgm:pt modelId="{44F15253-23D0-4214-B22E-8E56EA9A7862}" type="sibTrans" cxnId="{33974B9A-2754-4E91-AB5F-F9CA7009463C}">
+      <dgm:prSet/>
+      <dgm:spPr/>
+      <dgm:t>
+        <a:bodyPr/>
+        <a:lstStyle/>
+        <a:p>
+          <a:endParaRPr lang="en-US"/>
+        </a:p>
+      </dgm:t>
+    </dgm:pt>
+    <dgm:pt modelId="{3FFCDC04-E40A-49F5-A4AC-93220AA77467}">
+      <dgm:prSet/>
+      <dgm:spPr/>
+      <dgm:t>
+        <a:bodyPr/>
+        <a:lstStyle/>
+        <a:p>
+          <a:r>
+            <a:rPr lang="en-IN" dirty="0">
+              <a:latin typeface="Open Sans" panose="020B0606030504020204" pitchFamily="34" charset="0"/>
+              <a:ea typeface="Open Sans" panose="020B0606030504020204" pitchFamily="34" charset="0"/>
+              <a:cs typeface="Open Sans" panose="020B0606030504020204" pitchFamily="34" charset="0"/>
+            </a:rPr>
+            <a:t>The app is built for android devices using android programming and implementing android user interface controls</a:t>
+          </a:r>
+          <a:r>
+            <a:rPr lang="en-IN" dirty="0"/>
+            <a:t>.</a:t>
+          </a:r>
+          <a:endParaRPr lang="en-US" dirty="0"/>
+        </a:p>
+      </dgm:t>
+    </dgm:pt>
+    <dgm:pt modelId="{D3E36095-2A65-4F1A-B5DB-5E2AC051E253}" type="parTrans" cxnId="{C4E69699-2926-431D-9CDF-53F4DF5E8715}">
+      <dgm:prSet/>
+      <dgm:spPr/>
+      <dgm:t>
+        <a:bodyPr/>
+        <a:lstStyle/>
+        <a:p>
+          <a:endParaRPr lang="en-US"/>
+        </a:p>
+      </dgm:t>
+    </dgm:pt>
+    <dgm:pt modelId="{72370C55-D408-4CBD-B15E-C2B718712E95}" type="sibTrans" cxnId="{C4E69699-2926-431D-9CDF-53F4DF5E8715}">
+      <dgm:prSet/>
+      <dgm:spPr/>
+      <dgm:t>
+        <a:bodyPr/>
+        <a:lstStyle/>
+        <a:p>
+          <a:endParaRPr lang="en-US"/>
+        </a:p>
+      </dgm:t>
+    </dgm:pt>
+    <dgm:pt modelId="{3D487C47-2819-43A5-B95A-14F2DD7213E0}" type="pres">
+      <dgm:prSet presAssocID="{653145A0-8EDC-4811-8203-2C4F92A40777}" presName="linear" presStyleCnt="0">
+        <dgm:presLayoutVars>
+          <dgm:dir/>
+          <dgm:animLvl val="lvl"/>
+          <dgm:resizeHandles val="exact"/>
+        </dgm:presLayoutVars>
+      </dgm:prSet>
+      <dgm:spPr/>
+    </dgm:pt>
+    <dgm:pt modelId="{23464443-CEB1-4E2C-8C0E-D550E044D3C6}" type="pres">
+      <dgm:prSet presAssocID="{5B289970-C630-4206-9C5C-A0DAAE4D5239}" presName="parentLin" presStyleCnt="0"/>
+      <dgm:spPr/>
+    </dgm:pt>
+    <dgm:pt modelId="{F230A8B9-7C86-4561-A0E9-A5C0277493FC}" type="pres">
+      <dgm:prSet presAssocID="{5B289970-C630-4206-9C5C-A0DAAE4D5239}" presName="parentLeftMargin" presStyleLbl="node1" presStyleIdx="0" presStyleCnt="2"/>
+      <dgm:spPr/>
+    </dgm:pt>
+    <dgm:pt modelId="{5AAA19A4-98CF-4F1F-AA3D-84598A4BBF71}" type="pres">
+      <dgm:prSet presAssocID="{5B289970-C630-4206-9C5C-A0DAAE4D5239}" presName="parentText" presStyleLbl="node1" presStyleIdx="0" presStyleCnt="2" custLinFactNeighborX="-21739" custLinFactNeighborY="-4095">
+        <dgm:presLayoutVars>
+          <dgm:chMax val="0"/>
+          <dgm:bulletEnabled val="1"/>
+        </dgm:presLayoutVars>
+      </dgm:prSet>
+      <dgm:spPr/>
+    </dgm:pt>
+    <dgm:pt modelId="{14116702-4568-4F43-9DBD-F8044C8D8160}" type="pres">
+      <dgm:prSet presAssocID="{5B289970-C630-4206-9C5C-A0DAAE4D5239}" presName="negativeSpace" presStyleCnt="0"/>
+      <dgm:spPr/>
+    </dgm:pt>
+    <dgm:pt modelId="{598E399F-23B8-42AB-9A23-B2CFBC560882}" type="pres">
+      <dgm:prSet presAssocID="{5B289970-C630-4206-9C5C-A0DAAE4D5239}" presName="childText" presStyleLbl="conFgAcc1" presStyleIdx="0" presStyleCnt="2">
+        <dgm:presLayoutVars>
+          <dgm:bulletEnabled val="1"/>
+        </dgm:presLayoutVars>
+      </dgm:prSet>
+      <dgm:spPr/>
+    </dgm:pt>
+    <dgm:pt modelId="{82C7C95D-25AA-4711-9BED-590DD60B3710}" type="pres">
+      <dgm:prSet presAssocID="{B96DC9D7-F2DA-415D-9244-22C99A18F4C4}" presName="spaceBetweenRectangles" presStyleCnt="0"/>
+      <dgm:spPr/>
+    </dgm:pt>
+    <dgm:pt modelId="{313D9E57-BF63-4D75-BBD0-E24087E709CB}" type="pres">
+      <dgm:prSet presAssocID="{5ABB316A-63A3-4284-AB60-BBA2D1563614}" presName="parentLin" presStyleCnt="0"/>
+      <dgm:spPr/>
+    </dgm:pt>
+    <dgm:pt modelId="{FA76397F-01E9-45BE-A7F5-5D342D204BDB}" type="pres">
+      <dgm:prSet presAssocID="{5ABB316A-63A3-4284-AB60-BBA2D1563614}" presName="parentLeftMargin" presStyleLbl="node1" presStyleIdx="0" presStyleCnt="2"/>
+      <dgm:spPr/>
+    </dgm:pt>
+    <dgm:pt modelId="{7D5B4AF8-E91D-4E16-9A67-2F6D9DC990C7}" type="pres">
+      <dgm:prSet presAssocID="{5ABB316A-63A3-4284-AB60-BBA2D1563614}" presName="parentText" presStyleLbl="node1" presStyleIdx="1" presStyleCnt="2" custLinFactNeighborX="-21739" custLinFactNeighborY="45811">
+        <dgm:presLayoutVars>
+          <dgm:chMax val="0"/>
+          <dgm:bulletEnabled val="1"/>
+        </dgm:presLayoutVars>
+      </dgm:prSet>
+      <dgm:spPr/>
+    </dgm:pt>
+    <dgm:pt modelId="{50E768EF-92E5-4544-B81C-95172771D78A}" type="pres">
+      <dgm:prSet presAssocID="{5ABB316A-63A3-4284-AB60-BBA2D1563614}" presName="negativeSpace" presStyleCnt="0"/>
+      <dgm:spPr/>
+    </dgm:pt>
+    <dgm:pt modelId="{AD0E395C-D3BB-4FA8-A9BE-58323968D24E}" type="pres">
+      <dgm:prSet presAssocID="{5ABB316A-63A3-4284-AB60-BBA2D1563614}" presName="childText" presStyleLbl="conFgAcc1" presStyleIdx="1" presStyleCnt="2" custLinFactY="3853" custLinFactNeighborX="0" custLinFactNeighborY="100000">
+        <dgm:presLayoutVars>
+          <dgm:bulletEnabled val="1"/>
+        </dgm:presLayoutVars>
+      </dgm:prSet>
+      <dgm:spPr/>
+    </dgm:pt>
+  </dgm:ptLst>
+  <dgm:cxnLst>
+    <dgm:cxn modelId="{D070BF5C-01D6-4ED8-9A9F-F0610F5B958B}" srcId="{653145A0-8EDC-4811-8203-2C4F92A40777}" destId="{5B289970-C630-4206-9C5C-A0DAAE4D5239}" srcOrd="0" destOrd="0" parTransId="{0316BFDE-3019-44D1-B548-1016ACB64B50}" sibTransId="{B96DC9D7-F2DA-415D-9244-22C99A18F4C4}"/>
+    <dgm:cxn modelId="{02590766-ACDC-4785-AA78-0F9C38C32A83}" type="presOf" srcId="{653145A0-8EDC-4811-8203-2C4F92A40777}" destId="{3D487C47-2819-43A5-B95A-14F2DD7213E0}" srcOrd="0" destOrd="0" presId="urn:microsoft.com/office/officeart/2005/8/layout/list1"/>
+    <dgm:cxn modelId="{8050AC4B-0F30-416B-9435-56A8B48CA988}" type="presOf" srcId="{5ABB316A-63A3-4284-AB60-BBA2D1563614}" destId="{FA76397F-01E9-45BE-A7F5-5D342D204BDB}" srcOrd="0" destOrd="0" presId="urn:microsoft.com/office/officeart/2005/8/layout/list1"/>
+    <dgm:cxn modelId="{143AD778-BF1F-4D00-AC26-7F925486E6CE}" type="presOf" srcId="{3FFCDC04-E40A-49F5-A4AC-93220AA77467}" destId="{AD0E395C-D3BB-4FA8-A9BE-58323968D24E}" srcOrd="0" destOrd="0" presId="urn:microsoft.com/office/officeart/2005/8/layout/list1"/>
+    <dgm:cxn modelId="{85F8077B-B9EF-4293-A8F5-96B8BDF06B11}" type="presOf" srcId="{5B289970-C630-4206-9C5C-A0DAAE4D5239}" destId="{5AAA19A4-98CF-4F1F-AA3D-84598A4BBF71}" srcOrd="1" destOrd="0" presId="urn:microsoft.com/office/officeart/2005/8/layout/list1"/>
+    <dgm:cxn modelId="{C4E69699-2926-431D-9CDF-53F4DF5E8715}" srcId="{5ABB316A-63A3-4284-AB60-BBA2D1563614}" destId="{3FFCDC04-E40A-49F5-A4AC-93220AA77467}" srcOrd="0" destOrd="0" parTransId="{D3E36095-2A65-4F1A-B5DB-5E2AC051E253}" sibTransId="{72370C55-D408-4CBD-B15E-C2B718712E95}"/>
+    <dgm:cxn modelId="{33974B9A-2754-4E91-AB5F-F9CA7009463C}" srcId="{653145A0-8EDC-4811-8203-2C4F92A40777}" destId="{5ABB316A-63A3-4284-AB60-BBA2D1563614}" srcOrd="1" destOrd="0" parTransId="{194129E3-345E-40C2-8103-FE5FA54BF0BB}" sibTransId="{44F15253-23D0-4214-B22E-8E56EA9A7862}"/>
+    <dgm:cxn modelId="{DB8A14A8-312D-46FA-89DD-456AEFBCCF05}" type="presOf" srcId="{52E75EF9-48DB-4455-8BB5-69B3AE085BB8}" destId="{598E399F-23B8-42AB-9A23-B2CFBC560882}" srcOrd="0" destOrd="0" presId="urn:microsoft.com/office/officeart/2005/8/layout/list1"/>
+    <dgm:cxn modelId="{94CA2BDD-E842-40E6-ABF3-1B3720DF79FC}" type="presOf" srcId="{5ABB316A-63A3-4284-AB60-BBA2D1563614}" destId="{7D5B4AF8-E91D-4E16-9A67-2F6D9DC990C7}" srcOrd="1" destOrd="0" presId="urn:microsoft.com/office/officeart/2005/8/layout/list1"/>
+    <dgm:cxn modelId="{28A8DAE3-604F-43EE-8DB2-4B1C628F7201}" type="presOf" srcId="{5B289970-C630-4206-9C5C-A0DAAE4D5239}" destId="{F230A8B9-7C86-4561-A0E9-A5C0277493FC}" srcOrd="0" destOrd="0" presId="urn:microsoft.com/office/officeart/2005/8/layout/list1"/>
+    <dgm:cxn modelId="{7DA978EE-3583-45CB-A39F-4D8E6819AC6C}" srcId="{5B289970-C630-4206-9C5C-A0DAAE4D5239}" destId="{52E75EF9-48DB-4455-8BB5-69B3AE085BB8}" srcOrd="0" destOrd="0" parTransId="{6DB506C8-A955-419E-9740-DF522A4F3B4C}" sibTransId="{0D3C85C1-7947-4FAA-B41C-E7B2F62D76B2}"/>
+    <dgm:cxn modelId="{37F0DC0A-8B0A-4CF6-8F2E-FA1B3149E7DA}" type="presParOf" srcId="{3D487C47-2819-43A5-B95A-14F2DD7213E0}" destId="{23464443-CEB1-4E2C-8C0E-D550E044D3C6}" srcOrd="0" destOrd="0" presId="urn:microsoft.com/office/officeart/2005/8/layout/list1"/>
+    <dgm:cxn modelId="{358EF1E1-80E4-4BDE-948D-7ECF58C14394}" type="presParOf" srcId="{23464443-CEB1-4E2C-8C0E-D550E044D3C6}" destId="{F230A8B9-7C86-4561-A0E9-A5C0277493FC}" srcOrd="0" destOrd="0" presId="urn:microsoft.com/office/officeart/2005/8/layout/list1"/>
+    <dgm:cxn modelId="{4CAFE17F-9CA6-45A6-B6FF-ED15BD251AA4}" type="presParOf" srcId="{23464443-CEB1-4E2C-8C0E-D550E044D3C6}" destId="{5AAA19A4-98CF-4F1F-AA3D-84598A4BBF71}" srcOrd="1" destOrd="0" presId="urn:microsoft.com/office/officeart/2005/8/layout/list1"/>
+    <dgm:cxn modelId="{1F576884-BC50-41BA-B1A1-7CC43C995107}" type="presParOf" srcId="{3D487C47-2819-43A5-B95A-14F2DD7213E0}" destId="{14116702-4568-4F43-9DBD-F8044C8D8160}" srcOrd="1" destOrd="0" presId="urn:microsoft.com/office/officeart/2005/8/layout/list1"/>
+    <dgm:cxn modelId="{09307EE2-B396-429B-A6AF-4461136F7B36}" type="presParOf" srcId="{3D487C47-2819-43A5-B95A-14F2DD7213E0}" destId="{598E399F-23B8-42AB-9A23-B2CFBC560882}" srcOrd="2" destOrd="0" presId="urn:microsoft.com/office/officeart/2005/8/layout/list1"/>
+    <dgm:cxn modelId="{588394DF-7848-411B-A7F5-51C1ED94BDBB}" type="presParOf" srcId="{3D487C47-2819-43A5-B95A-14F2DD7213E0}" destId="{82C7C95D-25AA-4711-9BED-590DD60B3710}" srcOrd="3" destOrd="0" presId="urn:microsoft.com/office/officeart/2005/8/layout/list1"/>
+    <dgm:cxn modelId="{1D2671E3-34C2-4E9D-A5AC-094F016F5D3A}" type="presParOf" srcId="{3D487C47-2819-43A5-B95A-14F2DD7213E0}" destId="{313D9E57-BF63-4D75-BBD0-E24087E709CB}" srcOrd="4" destOrd="0" presId="urn:microsoft.com/office/officeart/2005/8/layout/list1"/>
+    <dgm:cxn modelId="{3D8CA079-9A57-49EB-867A-CE394BD8E87B}" type="presParOf" srcId="{313D9E57-BF63-4D75-BBD0-E24087E709CB}" destId="{FA76397F-01E9-45BE-A7F5-5D342D204BDB}" srcOrd="0" destOrd="0" presId="urn:microsoft.com/office/officeart/2005/8/layout/list1"/>
+    <dgm:cxn modelId="{03B8509E-3B3E-4A7F-9588-AFAA170CF211}" type="presParOf" srcId="{313D9E57-BF63-4D75-BBD0-E24087E709CB}" destId="{7D5B4AF8-E91D-4E16-9A67-2F6D9DC990C7}" srcOrd="1" destOrd="0" presId="urn:microsoft.com/office/officeart/2005/8/layout/list1"/>
+    <dgm:cxn modelId="{3E94D797-76D8-4259-9FF4-86F68C371E26}" type="presParOf" srcId="{3D487C47-2819-43A5-B95A-14F2DD7213E0}" destId="{50E768EF-92E5-4544-B81C-95172771D78A}" srcOrd="5" destOrd="0" presId="urn:microsoft.com/office/officeart/2005/8/layout/list1"/>
+    <dgm:cxn modelId="{8AB13B73-DE51-4EEE-9AC8-89A0E524D2B2}" type="presParOf" srcId="{3D487C47-2819-43A5-B95A-14F2DD7213E0}" destId="{AD0E395C-D3BB-4FA8-A9BE-58323968D24E}" srcOrd="6" destOrd="0" presId="urn:microsoft.com/office/officeart/2005/8/layout/list1"/>
+  </dgm:cxnLst>
+  <dgm:bg/>
+  <dgm:whole/>
+  <dgm:extLst>
+    <a:ext uri="http://schemas.microsoft.com/office/drawing/2008/diagram">
+      <dsp:dataModelExt xmlns:dsp="http://schemas.microsoft.com/office/drawing/2008/diagram" relId="rId6" minVer="http://schemas.openxmlformats.org/drawingml/2006/diagram"/>
+    </a:ext>
+  </dgm:extLst>
+</dgm:dataModel>
+</file>
+
+<file path=ppt/diagrams/data5.xml><?xml version="1.0" encoding="utf-8"?>
+<dgm:dataModel xmlns:dgm="http://schemas.openxmlformats.org/drawingml/2006/diagram" xmlns:a="http://schemas.openxmlformats.org/drawingml/2006/main">
+  <dgm:ptLst>
     <dgm:pt modelId="{101796C4-0754-464D-B6EB-7F94F17A2327}" type="doc">
       <dgm:prSet loTypeId="urn:microsoft.com/office/officeart/2018/2/layout/IconCircleList" loCatId="icon" qsTypeId="urn:microsoft.com/office/officeart/2005/8/quickstyle/simple1" qsCatId="simple" csTypeId="urn:microsoft.com/office/officeart/2005/8/colors/accent1_2" csCatId="accent1" phldr="1"/>
       <dgm:spPr/>
@@ -6074,8 +7212,16 @@
             </a:lnSpc>
           </a:pPr>
           <a:r>
+            <a:rPr lang="en-IN" dirty="0">
+              <a:latin typeface="Open Sans" panose="020B0606030504020204" pitchFamily="34" charset="0"/>
+              <a:ea typeface="Open Sans" panose="020B0606030504020204" pitchFamily="34" charset="0"/>
+              <a:cs typeface="Open Sans" panose="020B0606030504020204" pitchFamily="34" charset="0"/>
+            </a:rPr>
+            <a:t>View available parking space</a:t>
+          </a:r>
+          <a:r>
             <a:rPr lang="en-IN" dirty="0"/>
-            <a:t>View available parking space.</a:t>
+            <a:t>.</a:t>
           </a:r>
           <a:endParaRPr lang="en-US" dirty="0"/>
         </a:p>
@@ -6121,10 +7267,18 @@
             </a:lnSpc>
           </a:pPr>
           <a:r>
-            <a:rPr lang="en-IN"/>
-            <a:t>Bill generation. </a:t>
+            <a:rPr lang="en-IN" dirty="0">
+              <a:latin typeface="Open Sans" panose="020B0606030504020204" pitchFamily="34" charset="0"/>
+              <a:ea typeface="Open Sans" panose="020B0606030504020204" pitchFamily="34" charset="0"/>
+              <a:cs typeface="Open Sans" panose="020B0606030504020204" pitchFamily="34" charset="0"/>
+            </a:rPr>
+            <a:t>Bill generation</a:t>
           </a:r>
-          <a:endParaRPr lang="en-US"/>
+          <a:r>
+            <a:rPr lang="en-IN" dirty="0"/>
+            <a:t>. </a:t>
+          </a:r>
+          <a:endParaRPr lang="en-US" dirty="0"/>
         </a:p>
       </dgm:t>
     </dgm:pt>
@@ -6168,10 +7322,18 @@
             </a:lnSpc>
           </a:pPr>
           <a:r>
-            <a:rPr lang="en-IN"/>
+            <a:rPr lang="en-IN" dirty="0">
+              <a:latin typeface="Open Sans" panose="020B0606030504020204" pitchFamily="34" charset="0"/>
+              <a:ea typeface="Open Sans" panose="020B0606030504020204" pitchFamily="34" charset="0"/>
+              <a:cs typeface="Open Sans" panose="020B0606030504020204" pitchFamily="34" charset="0"/>
+            </a:rPr>
             <a:t>Can be implemented in all public parking areas.</a:t>
           </a:r>
-          <a:endParaRPr lang="en-US"/>
+          <a:endParaRPr lang="en-US" dirty="0">
+            <a:latin typeface="Open Sans" panose="020B0606030504020204" pitchFamily="34" charset="0"/>
+            <a:ea typeface="Open Sans" panose="020B0606030504020204" pitchFamily="34" charset="0"/>
+            <a:cs typeface="Open Sans" panose="020B0606030504020204" pitchFamily="34" charset="0"/>
+          </a:endParaRPr>
         </a:p>
       </dgm:t>
     </dgm:pt>
@@ -6215,8 +7377,16 @@
             </a:lnSpc>
           </a:pPr>
           <a:r>
-            <a:rPr lang="en-US"/>
-            <a:t>Efficient Parking system.</a:t>
+            <a:rPr lang="en-US" dirty="0">
+              <a:latin typeface="Open Sans" panose="020B0606030504020204" pitchFamily="34" charset="0"/>
+              <a:ea typeface="Open Sans" panose="020B0606030504020204" pitchFamily="34" charset="0"/>
+              <a:cs typeface="Open Sans" panose="020B0606030504020204" pitchFamily="34" charset="0"/>
+            </a:rPr>
+            <a:t>Efficient Parking system</a:t>
+          </a:r>
+          <a:r>
+            <a:rPr lang="en-US" dirty="0"/>
+            <a:t>.</a:t>
           </a:r>
         </a:p>
       </dgm:t>
@@ -6506,7 +7676,7 @@
 </dgm:dataModel>
 </file>
 
-<file path=ppt/diagrams/data5.xml><?xml version="1.0" encoding="utf-8"?>
+<file path=ppt/diagrams/data6.xml><?xml version="1.0" encoding="utf-8"?>
 <dgm:dataModel xmlns:dgm="http://schemas.openxmlformats.org/drawingml/2006/diagram" xmlns:a="http://schemas.openxmlformats.org/drawingml/2006/main">
   <dgm:ptLst>
     <dgm:pt modelId="{1BC0DA22-A3A2-4496-8A7C-E4C4C72E1C1C}" type="doc">
@@ -6528,34 +7698,66 @@
         <a:lstStyle/>
         <a:p>
           <a:r>
-            <a:rPr lang="en-IN" dirty="0"/>
+            <a:rPr lang="en-IN" dirty="0">
+              <a:latin typeface="Open Sans" panose="020B0606030504020204" pitchFamily="34" charset="0"/>
+              <a:ea typeface="Open Sans" panose="020B0606030504020204" pitchFamily="34" charset="0"/>
+              <a:cs typeface="Open Sans" panose="020B0606030504020204" pitchFamily="34" charset="0"/>
+            </a:rPr>
             <a:t>C. Ng, S. Cheong, E. Haji </a:t>
           </a:r>
           <a:r>
-            <a:rPr lang="en-IN" dirty="0" err="1"/>
+            <a:rPr lang="en-IN" dirty="0" err="1">
+              <a:latin typeface="Open Sans" panose="020B0606030504020204" pitchFamily="34" charset="0"/>
+              <a:ea typeface="Open Sans" panose="020B0606030504020204" pitchFamily="34" charset="0"/>
+              <a:cs typeface="Open Sans" panose="020B0606030504020204" pitchFamily="34" charset="0"/>
+            </a:rPr>
             <a:t>mohammad</a:t>
           </a:r>
           <a:r>
-            <a:rPr lang="en-IN" dirty="0"/>
+            <a:rPr lang="en-IN" dirty="0">
+              <a:latin typeface="Open Sans" panose="020B0606030504020204" pitchFamily="34" charset="0"/>
+              <a:ea typeface="Open Sans" panose="020B0606030504020204" pitchFamily="34" charset="0"/>
+              <a:cs typeface="Open Sans" panose="020B0606030504020204" pitchFamily="34" charset="0"/>
+            </a:rPr>
             <a:t> </a:t>
           </a:r>
           <a:r>
-            <a:rPr lang="en-IN" dirty="0" err="1"/>
+            <a:rPr lang="en-IN" dirty="0" err="1">
+              <a:latin typeface="Open Sans" panose="020B0606030504020204" pitchFamily="34" charset="0"/>
+              <a:ea typeface="Open Sans" panose="020B0606030504020204" pitchFamily="34" charset="0"/>
+              <a:cs typeface="Open Sans" panose="020B0606030504020204" pitchFamily="34" charset="0"/>
+            </a:rPr>
             <a:t>hosseinmemar</a:t>
           </a:r>
           <a:r>
-            <a:rPr lang="en-IN" dirty="0"/>
+            <a:rPr lang="en-IN" dirty="0">
+              <a:latin typeface="Open Sans" panose="020B0606030504020204" pitchFamily="34" charset="0"/>
+              <a:ea typeface="Open Sans" panose="020B0606030504020204" pitchFamily="34" charset="0"/>
+              <a:cs typeface="Open Sans" panose="020B0606030504020204" pitchFamily="34" charset="0"/>
+            </a:rPr>
             <a:t> and W. Yap, "Mobile outdoor parking space detection application," 2017 IEEE 8th Control and System Graduate Research Colloquium (ICSGRC), 2017, pp. 81-86, </a:t>
           </a:r>
           <a:r>
-            <a:rPr lang="en-IN" dirty="0" err="1"/>
+            <a:rPr lang="en-IN" dirty="0" err="1">
+              <a:latin typeface="Open Sans" panose="020B0606030504020204" pitchFamily="34" charset="0"/>
+              <a:ea typeface="Open Sans" panose="020B0606030504020204" pitchFamily="34" charset="0"/>
+              <a:cs typeface="Open Sans" panose="020B0606030504020204" pitchFamily="34" charset="0"/>
+            </a:rPr>
             <a:t>doi</a:t>
           </a:r>
           <a:r>
-            <a:rPr lang="en-IN" dirty="0"/>
+            <a:rPr lang="en-IN" dirty="0">
+              <a:latin typeface="Open Sans" panose="020B0606030504020204" pitchFamily="34" charset="0"/>
+              <a:ea typeface="Open Sans" panose="020B0606030504020204" pitchFamily="34" charset="0"/>
+              <a:cs typeface="Open Sans" panose="020B0606030504020204" pitchFamily="34" charset="0"/>
+            </a:rPr>
             <a:t>: 10.1109/ICSGRC.2017.8070573.</a:t>
           </a:r>
-          <a:endParaRPr lang="en-US" dirty="0"/>
+          <a:endParaRPr lang="en-US" dirty="0">
+            <a:latin typeface="Open Sans" panose="020B0606030504020204" pitchFamily="34" charset="0"/>
+            <a:ea typeface="Open Sans" panose="020B0606030504020204" pitchFamily="34" charset="0"/>
+            <a:cs typeface="Open Sans" panose="020B0606030504020204" pitchFamily="34" charset="0"/>
+          </a:endParaRPr>
         </a:p>
       </dgm:t>
     </dgm:pt>
@@ -6589,32 +7791,64 @@
         <a:lstStyle/>
         <a:p>
           <a:r>
-            <a:rPr lang="en-IN" dirty="0"/>
+            <a:rPr lang="en-IN" dirty="0">
+              <a:latin typeface="Open Sans" panose="020B0606030504020204" pitchFamily="34" charset="0"/>
+              <a:ea typeface="Open Sans" panose="020B0606030504020204" pitchFamily="34" charset="0"/>
+              <a:cs typeface="Open Sans" panose="020B0606030504020204" pitchFamily="34" charset="0"/>
+            </a:rPr>
             <a:t>B. K. Patil, A. Deshpande, S. </a:t>
           </a:r>
           <a:r>
-            <a:rPr lang="en-IN" dirty="0" err="1"/>
+            <a:rPr lang="en-IN" dirty="0" err="1">
+              <a:latin typeface="Open Sans" panose="020B0606030504020204" pitchFamily="34" charset="0"/>
+              <a:ea typeface="Open Sans" panose="020B0606030504020204" pitchFamily="34" charset="0"/>
+              <a:cs typeface="Open Sans" panose="020B0606030504020204" pitchFamily="34" charset="0"/>
+            </a:rPr>
             <a:t>Suryavanshi</a:t>
           </a:r>
           <a:r>
-            <a:rPr lang="en-IN" dirty="0"/>
+            <a:rPr lang="en-IN" dirty="0">
+              <a:latin typeface="Open Sans" panose="020B0606030504020204" pitchFamily="34" charset="0"/>
+              <a:ea typeface="Open Sans" panose="020B0606030504020204" pitchFamily="34" charset="0"/>
+              <a:cs typeface="Open Sans" panose="020B0606030504020204" pitchFamily="34" charset="0"/>
+            </a:rPr>
             <a:t>, R. </a:t>
           </a:r>
           <a:r>
-            <a:rPr lang="en-IN" dirty="0" err="1"/>
+            <a:rPr lang="en-IN" dirty="0" err="1">
+              <a:latin typeface="Open Sans" panose="020B0606030504020204" pitchFamily="34" charset="0"/>
+              <a:ea typeface="Open Sans" panose="020B0606030504020204" pitchFamily="34" charset="0"/>
+              <a:cs typeface="Open Sans" panose="020B0606030504020204" pitchFamily="34" charset="0"/>
+            </a:rPr>
             <a:t>Magdum</a:t>
           </a:r>
           <a:r>
-            <a:rPr lang="en-IN" dirty="0"/>
+            <a:rPr lang="en-IN" dirty="0">
+              <a:latin typeface="Open Sans" panose="020B0606030504020204" pitchFamily="34" charset="0"/>
+              <a:ea typeface="Open Sans" panose="020B0606030504020204" pitchFamily="34" charset="0"/>
+              <a:cs typeface="Open Sans" panose="020B0606030504020204" pitchFamily="34" charset="0"/>
+            </a:rPr>
             <a:t> and B. Manjunath, "Smart Parking System for Cars," 2018 International Conference on Recent Innovations in Electrical, Electronics &amp; Communication Engineering (ICRIEECE), 2018, pp. 1118-1121, </a:t>
           </a:r>
           <a:r>
-            <a:rPr lang="en-IN" dirty="0" err="1"/>
+            <a:rPr lang="en-IN" dirty="0" err="1">
+              <a:latin typeface="Open Sans" panose="020B0606030504020204" pitchFamily="34" charset="0"/>
+              <a:ea typeface="Open Sans" panose="020B0606030504020204" pitchFamily="34" charset="0"/>
+              <a:cs typeface="Open Sans" panose="020B0606030504020204" pitchFamily="34" charset="0"/>
+            </a:rPr>
             <a:t>doi</a:t>
           </a:r>
           <a:r>
+            <a:rPr lang="en-IN" dirty="0">
+              <a:latin typeface="Open Sans" panose="020B0606030504020204" pitchFamily="34" charset="0"/>
+              <a:ea typeface="Open Sans" panose="020B0606030504020204" pitchFamily="34" charset="0"/>
+              <a:cs typeface="Open Sans" panose="020B0606030504020204" pitchFamily="34" charset="0"/>
+            </a:rPr>
+            <a:t>: 10.1109/ICRIEECE44171.2018.9008662</a:t>
+          </a:r>
+          <a:r>
             <a:rPr lang="en-IN" dirty="0"/>
-            <a:t>: 10.1109/ICRIEECE44171.2018.9008662. </a:t>
+            <a:t>. </a:t>
           </a:r>
           <a:endParaRPr lang="en-US" dirty="0"/>
         </a:p>
@@ -6665,7 +7899,7 @@
       <dgm:spPr/>
     </dgm:pt>
     <dgm:pt modelId="{EF702722-2301-48D6-A86E-C557ACBCF9B6}" type="pres">
-      <dgm:prSet presAssocID="{6E6B9E50-0743-40DF-9A4D-D5A73CCDAEE3}" presName="parentText" presStyleLbl="node1" presStyleIdx="1" presStyleCnt="2">
+      <dgm:prSet presAssocID="{6E6B9E50-0743-40DF-9A4D-D5A73CCDAEE3}" presName="parentText" presStyleLbl="node1" presStyleIdx="1" presStyleCnt="2" custLinFactNeighborY="-16217">
         <dgm:presLayoutVars>
           <dgm:chMax val="0"/>
           <dgm:bulletEnabled val="1"/>
@@ -6694,7 +7928,7 @@
 </dgm:dataModel>
 </file>
 
-<file path=ppt/diagrams/data6.xml><?xml version="1.0" encoding="utf-8"?>
+<file path=ppt/diagrams/data7.xml><?xml version="1.0" encoding="utf-8"?>
 <dgm:dataModel xmlns:dgm="http://schemas.openxmlformats.org/drawingml/2006/diagram" xmlns:a="http://schemas.openxmlformats.org/drawingml/2006/main">
   <dgm:ptLst>
     <dgm:pt modelId="{1F8D8324-AC09-45F7-B30C-B8F291A2565A}" type="doc">
@@ -6716,10 +7950,18 @@
         <a:lstStyle/>
         <a:p>
           <a:r>
-            <a:rPr lang="en-IN"/>
+            <a:rPr lang="en-IN" dirty="0">
+              <a:latin typeface="Open Sans" panose="020B0606030504020204" pitchFamily="34" charset="0"/>
+              <a:ea typeface="Open Sans" panose="020B0606030504020204" pitchFamily="34" charset="0"/>
+              <a:cs typeface="Open Sans" panose="020B0606030504020204" pitchFamily="34" charset="0"/>
+            </a:rPr>
             <a:t>The proposed app will allow normal user to know about the parking space availability.</a:t>
           </a:r>
-          <a:endParaRPr lang="en-US"/>
+          <a:endParaRPr lang="en-US" dirty="0">
+            <a:latin typeface="Open Sans" panose="020B0606030504020204" pitchFamily="34" charset="0"/>
+            <a:ea typeface="Open Sans" panose="020B0606030504020204" pitchFamily="34" charset="0"/>
+            <a:cs typeface="Open Sans" panose="020B0606030504020204" pitchFamily="34" charset="0"/>
+          </a:endParaRPr>
         </a:p>
       </dgm:t>
     </dgm:pt>
@@ -6753,10 +7995,18 @@
         <a:lstStyle/>
         <a:p>
           <a:r>
-            <a:rPr lang="en-IN"/>
-            <a:t>The app also helps in bill generation there by reducing tedious work.</a:t>
+            <a:rPr lang="en-IN" dirty="0">
+              <a:latin typeface="Open Sans" panose="020B0606030504020204" pitchFamily="34" charset="0"/>
+              <a:ea typeface="Open Sans" panose="020B0606030504020204" pitchFamily="34" charset="0"/>
+              <a:cs typeface="Open Sans" panose="020B0606030504020204" pitchFamily="34" charset="0"/>
+            </a:rPr>
+            <a:t>The app also helps in bill generation there by reducing tedious work</a:t>
           </a:r>
-          <a:endParaRPr lang="en-US"/>
+          <a:r>
+            <a:rPr lang="en-IN" dirty="0"/>
+            <a:t>.</a:t>
+          </a:r>
+          <a:endParaRPr lang="en-US" dirty="0"/>
         </a:p>
       </dgm:t>
     </dgm:pt>
@@ -6790,10 +8040,18 @@
         <a:lstStyle/>
         <a:p>
           <a:r>
-            <a:rPr lang="en-IN"/>
-            <a:t>It will reduce the time and will provide people with parking space detail and potentially customer will get attracted there by increase in business.</a:t>
+            <a:rPr lang="en-IN" dirty="0">
+              <a:latin typeface="Open Sans" panose="020B0606030504020204" pitchFamily="34" charset="0"/>
+              <a:ea typeface="Open Sans" panose="020B0606030504020204" pitchFamily="34" charset="0"/>
+              <a:cs typeface="Open Sans" panose="020B0606030504020204" pitchFamily="34" charset="0"/>
+            </a:rPr>
+            <a:t>It will reduce the time and will provide people with parking space detail and potentially customer will get attracted there by increase in business</a:t>
           </a:r>
-          <a:endParaRPr lang="en-US"/>
+          <a:r>
+            <a:rPr lang="en-IN" dirty="0"/>
+            <a:t>.</a:t>
+          </a:r>
+          <a:endParaRPr lang="en-US" dirty="0"/>
         </a:p>
       </dgm:t>
     </dgm:pt>
@@ -6903,7 +8161,7 @@
       </dsp:nvSpPr>
       <dsp:spPr>
         <a:xfrm>
-          <a:off x="334403" y="3113"/>
+          <a:off x="217611" y="3113"/>
           <a:ext cx="955560" cy="955560"/>
         </a:xfrm>
         <a:prstGeom prst="ellipse">
@@ -6943,7 +8201,7 @@
       </dsp:nvSpPr>
       <dsp:spPr>
         <a:xfrm>
-          <a:off x="535070" y="203780"/>
+          <a:off x="418278" y="203780"/>
           <a:ext cx="554225" cy="554225"/>
         </a:xfrm>
         <a:prstGeom prst="rect">
@@ -7000,7 +8258,7 @@
       </dsp:nvSpPr>
       <dsp:spPr>
         <a:xfrm>
-          <a:off x="1494726" y="3113"/>
+          <a:off x="1377934" y="3113"/>
           <a:ext cx="2252392" cy="955560"/>
         </a:xfrm>
         <a:prstGeom prst="rect">
@@ -7030,7 +8288,7 @@
         </a:bodyPr>
         <a:lstStyle/>
         <a:p>
-          <a:pPr marL="0" lvl="0" indent="0" algn="l" defTabSz="1066800">
+          <a:pPr marL="0" lvl="0" indent="0" algn="l" defTabSz="977900">
             <a:lnSpc>
               <a:spcPct val="100000"/>
             </a:lnSpc>
@@ -7043,14 +8301,22 @@
             <a:buNone/>
           </a:pPr>
           <a:r>
-            <a:rPr lang="en-IN" sz="2400" b="1" kern="1200" dirty="0"/>
+            <a:rPr lang="en-IN" sz="2200" b="1" kern="1200" dirty="0">
+              <a:latin typeface="Open Sans" panose="020B0606030504020204" pitchFamily="34" charset="0"/>
+              <a:ea typeface="Open Sans" panose="020B0606030504020204" pitchFamily="34" charset="0"/>
+              <a:cs typeface="Open Sans" panose="020B0606030504020204" pitchFamily="34" charset="0"/>
+            </a:rPr>
             <a:t>INTRODUCTION</a:t>
           </a:r>
-          <a:endParaRPr lang="en-US" sz="2400" kern="1200" dirty="0"/>
+          <a:endParaRPr lang="en-US" sz="2200" kern="1200" dirty="0">
+            <a:latin typeface="Open Sans" panose="020B0606030504020204" pitchFamily="34" charset="0"/>
+            <a:ea typeface="Open Sans" panose="020B0606030504020204" pitchFamily="34" charset="0"/>
+            <a:cs typeface="Open Sans" panose="020B0606030504020204" pitchFamily="34" charset="0"/>
+          </a:endParaRPr>
         </a:p>
       </dsp:txBody>
       <dsp:txXfrm>
-        <a:off x="1494726" y="3113"/>
+        <a:off x="1377934" y="3113"/>
         <a:ext cx="2252392" cy="955560"/>
       </dsp:txXfrm>
     </dsp:sp>
@@ -7061,7 +8327,7 @@
       </dsp:nvSpPr>
       <dsp:spPr>
         <a:xfrm>
-          <a:off x="4139581" y="3113"/>
+          <a:off x="4022788" y="3113"/>
           <a:ext cx="955560" cy="955560"/>
         </a:xfrm>
         <a:prstGeom prst="ellipse">
@@ -7101,7 +8367,7 @@
       </dsp:nvSpPr>
       <dsp:spPr>
         <a:xfrm>
-          <a:off x="4340248" y="203780"/>
+          <a:off x="4223456" y="203780"/>
           <a:ext cx="554225" cy="554225"/>
         </a:xfrm>
         <a:prstGeom prst="rect">
@@ -7158,8 +8424,8 @@
       </dsp:nvSpPr>
       <dsp:spPr>
         <a:xfrm>
-          <a:off x="5299904" y="3113"/>
-          <a:ext cx="2252392" cy="955560"/>
+          <a:off x="5167131" y="3113"/>
+          <a:ext cx="2719561" cy="955560"/>
         </a:xfrm>
         <a:prstGeom prst="rect">
           <a:avLst/>
@@ -7188,7 +8454,7 @@
         </a:bodyPr>
         <a:lstStyle/>
         <a:p>
-          <a:pPr marL="0" lvl="0" indent="0" algn="l" defTabSz="1066800">
+          <a:pPr marL="0" lvl="0" indent="0" algn="l" defTabSz="977900">
             <a:lnSpc>
               <a:spcPct val="100000"/>
             </a:lnSpc>
@@ -7201,15 +8467,23 @@
             <a:buNone/>
           </a:pPr>
           <a:r>
-            <a:rPr lang="en-IN" sz="2400" b="1" kern="1200"/>
+            <a:rPr lang="en-IN" sz="2200" b="1" kern="1200" dirty="0">
+              <a:latin typeface="Open Sans" panose="020B0606030504020204" pitchFamily="34" charset="0"/>
+              <a:ea typeface="Open Sans" panose="020B0606030504020204" pitchFamily="34" charset="0"/>
+              <a:cs typeface="Open Sans" panose="020B0606030504020204" pitchFamily="34" charset="0"/>
+            </a:rPr>
             <a:t>SUBJECT MAPPING</a:t>
           </a:r>
-          <a:endParaRPr lang="en-US" sz="2400" kern="1200"/>
+          <a:endParaRPr lang="en-US" sz="2200" kern="1200" dirty="0">
+            <a:latin typeface="Open Sans" panose="020B0606030504020204" pitchFamily="34" charset="0"/>
+            <a:ea typeface="Open Sans" panose="020B0606030504020204" pitchFamily="34" charset="0"/>
+            <a:cs typeface="Open Sans" panose="020B0606030504020204" pitchFamily="34" charset="0"/>
+          </a:endParaRPr>
         </a:p>
       </dsp:txBody>
       <dsp:txXfrm>
-        <a:off x="5299904" y="3113"/>
-        <a:ext cx="2252392" cy="955560"/>
+        <a:off x="5167131" y="3113"/>
+        <a:ext cx="2719561" cy="955560"/>
       </dsp:txXfrm>
     </dsp:sp>
     <dsp:sp modelId="{E4288DF4-C9D7-4D9C-81B1-4444D0F1AA4E}">
@@ -7219,7 +8493,7 @@
       </dsp:nvSpPr>
       <dsp:spPr>
         <a:xfrm>
-          <a:off x="334403" y="1698664"/>
+          <a:off x="217611" y="1698664"/>
           <a:ext cx="955560" cy="955560"/>
         </a:xfrm>
         <a:prstGeom prst="ellipse">
@@ -7259,7 +8533,7 @@
       </dsp:nvSpPr>
       <dsp:spPr>
         <a:xfrm>
-          <a:off x="535070" y="1899332"/>
+          <a:off x="418278" y="1899332"/>
           <a:ext cx="554225" cy="554225"/>
         </a:xfrm>
         <a:prstGeom prst="rect">
@@ -7316,7 +8590,7 @@
       </dsp:nvSpPr>
       <dsp:spPr>
         <a:xfrm>
-          <a:off x="1494726" y="1698664"/>
+          <a:off x="1377934" y="1698664"/>
           <a:ext cx="2252392" cy="955560"/>
         </a:xfrm>
         <a:prstGeom prst="rect">
@@ -7346,7 +8620,7 @@
         </a:bodyPr>
         <a:lstStyle/>
         <a:p>
-          <a:pPr marL="0" lvl="0" indent="0" algn="l" defTabSz="1066800">
+          <a:pPr marL="0" lvl="0" indent="0" algn="l" defTabSz="977900">
             <a:lnSpc>
               <a:spcPct val="100000"/>
             </a:lnSpc>
@@ -7359,14 +8633,22 @@
             <a:buNone/>
           </a:pPr>
           <a:r>
-            <a:rPr lang="en-IN" sz="2400" b="1" kern="1200"/>
+            <a:rPr lang="en-IN" sz="2200" b="1" kern="1200" dirty="0">
+              <a:latin typeface="Open Sans" panose="020B0606030504020204" pitchFamily="34" charset="0"/>
+              <a:ea typeface="Open Sans" panose="020B0606030504020204" pitchFamily="34" charset="0"/>
+              <a:cs typeface="Open Sans" panose="020B0606030504020204" pitchFamily="34" charset="0"/>
+            </a:rPr>
             <a:t>APPLICATIONS</a:t>
           </a:r>
-          <a:endParaRPr lang="en-US" sz="2400" kern="1200"/>
+          <a:endParaRPr lang="en-US" sz="2200" kern="1200" dirty="0">
+            <a:latin typeface="Open Sans" panose="020B0606030504020204" pitchFamily="34" charset="0"/>
+            <a:ea typeface="Open Sans" panose="020B0606030504020204" pitchFamily="34" charset="0"/>
+            <a:cs typeface="Open Sans" panose="020B0606030504020204" pitchFamily="34" charset="0"/>
+          </a:endParaRPr>
         </a:p>
       </dsp:txBody>
       <dsp:txXfrm>
-        <a:off x="1494726" y="1698664"/>
+        <a:off x="1377934" y="1698664"/>
         <a:ext cx="2252392" cy="955560"/>
       </dsp:txXfrm>
     </dsp:sp>
@@ -7377,7 +8659,7 @@
       </dsp:nvSpPr>
       <dsp:spPr>
         <a:xfrm>
-          <a:off x="4139581" y="1698664"/>
+          <a:off x="4022788" y="1698664"/>
           <a:ext cx="955560" cy="955560"/>
         </a:xfrm>
         <a:prstGeom prst="ellipse">
@@ -7417,7 +8699,7 @@
       </dsp:nvSpPr>
       <dsp:spPr>
         <a:xfrm>
-          <a:off x="4340248" y="1899332"/>
+          <a:off x="4223456" y="1899332"/>
           <a:ext cx="554225" cy="554225"/>
         </a:xfrm>
         <a:prstGeom prst="rect">
@@ -7474,7 +8756,7 @@
       </dsp:nvSpPr>
       <dsp:spPr>
         <a:xfrm>
-          <a:off x="5299904" y="1698664"/>
+          <a:off x="5183112" y="1698664"/>
           <a:ext cx="2252392" cy="955560"/>
         </a:xfrm>
         <a:prstGeom prst="rect">
@@ -7504,7 +8786,7 @@
         </a:bodyPr>
         <a:lstStyle/>
         <a:p>
-          <a:pPr marL="0" lvl="0" indent="0" algn="l" defTabSz="1066800">
+          <a:pPr marL="0" lvl="0" indent="0" algn="l" defTabSz="977900">
             <a:lnSpc>
               <a:spcPct val="100000"/>
             </a:lnSpc>
@@ -7517,14 +8799,22 @@
             <a:buNone/>
           </a:pPr>
           <a:r>
-            <a:rPr lang="en-IN" sz="2400" b="1" kern="1200"/>
+            <a:rPr lang="en-IN" sz="2200" b="1" kern="1200" dirty="0">
+              <a:latin typeface="Open Sans" panose="020B0606030504020204" pitchFamily="34" charset="0"/>
+              <a:ea typeface="Open Sans" panose="020B0606030504020204" pitchFamily="34" charset="0"/>
+              <a:cs typeface="Open Sans" panose="020B0606030504020204" pitchFamily="34" charset="0"/>
+            </a:rPr>
             <a:t>REFERENCES</a:t>
           </a:r>
-          <a:endParaRPr lang="en-US" sz="2400" kern="1200"/>
+          <a:endParaRPr lang="en-US" sz="2200" kern="1200" dirty="0">
+            <a:latin typeface="Open Sans" panose="020B0606030504020204" pitchFamily="34" charset="0"/>
+            <a:ea typeface="Open Sans" panose="020B0606030504020204" pitchFamily="34" charset="0"/>
+            <a:cs typeface="Open Sans" panose="020B0606030504020204" pitchFamily="34" charset="0"/>
+          </a:endParaRPr>
         </a:p>
       </dsp:txBody>
       <dsp:txXfrm>
-        <a:off x="5299904" y="1698664"/>
+        <a:off x="5183112" y="1698664"/>
         <a:ext cx="2252392" cy="955560"/>
       </dsp:txXfrm>
     </dsp:sp>
@@ -7535,7 +8825,7 @@
       </dsp:nvSpPr>
       <dsp:spPr>
         <a:xfrm>
-          <a:off x="334403" y="3394216"/>
+          <a:off x="217611" y="3394216"/>
           <a:ext cx="955560" cy="955560"/>
         </a:xfrm>
         <a:prstGeom prst="ellipse">
@@ -7575,7 +8865,7 @@
       </dsp:nvSpPr>
       <dsp:spPr>
         <a:xfrm>
-          <a:off x="535070" y="3594884"/>
+          <a:off x="418278" y="3594884"/>
           <a:ext cx="554225" cy="554225"/>
         </a:xfrm>
         <a:prstGeom prst="rect">
@@ -7632,7 +8922,7 @@
       </dsp:nvSpPr>
       <dsp:spPr>
         <a:xfrm>
-          <a:off x="1494726" y="3394216"/>
+          <a:off x="1377934" y="3394216"/>
           <a:ext cx="2252392" cy="955560"/>
         </a:xfrm>
         <a:prstGeom prst="rect">
@@ -7662,7 +8952,7 @@
         </a:bodyPr>
         <a:lstStyle/>
         <a:p>
-          <a:pPr marL="0" lvl="0" indent="0" algn="l" defTabSz="1066800">
+          <a:pPr marL="0" lvl="0" indent="0" algn="l" defTabSz="977900">
             <a:lnSpc>
               <a:spcPct val="100000"/>
             </a:lnSpc>
@@ -7675,14 +8965,22 @@
             <a:buNone/>
           </a:pPr>
           <a:r>
-            <a:rPr lang="en-IN" sz="2400" b="1" kern="1200"/>
+            <a:rPr lang="en-IN" sz="2200" b="1" kern="1200" dirty="0">
+              <a:latin typeface="Open Sans" panose="020B0606030504020204" pitchFamily="34" charset="0"/>
+              <a:ea typeface="Open Sans" panose="020B0606030504020204" pitchFamily="34" charset="0"/>
+              <a:cs typeface="Open Sans" panose="020B0606030504020204" pitchFamily="34" charset="0"/>
+            </a:rPr>
             <a:t>CONCLUSION</a:t>
           </a:r>
-          <a:endParaRPr lang="en-US" sz="2400" kern="1200"/>
+          <a:endParaRPr lang="en-US" sz="2200" kern="1200" dirty="0">
+            <a:latin typeface="Open Sans" panose="020B0606030504020204" pitchFamily="34" charset="0"/>
+            <a:ea typeface="Open Sans" panose="020B0606030504020204" pitchFamily="34" charset="0"/>
+            <a:cs typeface="Open Sans" panose="020B0606030504020204" pitchFamily="34" charset="0"/>
+          </a:endParaRPr>
         </a:p>
       </dsp:txBody>
       <dsp:txXfrm>
-        <a:off x="1494726" y="3394216"/>
+        <a:off x="1377934" y="3394216"/>
         <a:ext cx="2252392" cy="955560"/>
       </dsp:txXfrm>
     </dsp:sp>
@@ -7834,7 +9132,7 @@
         </a:bodyPr>
         <a:lstStyle/>
         <a:p>
-          <a:pPr marL="0" lvl="0" indent="0" algn="l" defTabSz="889000">
+          <a:pPr marL="0" lvl="0" indent="0" algn="l" defTabSz="844550">
             <a:lnSpc>
               <a:spcPct val="100000"/>
             </a:lnSpc>
@@ -7847,7 +9145,7 @@
             <a:buNone/>
           </a:pPr>
           <a:r>
-            <a:rPr lang="en-US" sz="2000" kern="1200" dirty="0">
+            <a:rPr lang="en-US" sz="1900" kern="1200" dirty="0">
               <a:latin typeface="Open Sans" panose="020B0606030504020204" pitchFamily="34" charset="0"/>
               <a:ea typeface="Open Sans" panose="020B0606030504020204" pitchFamily="34" charset="0"/>
               <a:cs typeface="Open Sans" panose="020B0606030504020204" pitchFamily="34" charset="0"/>
@@ -7855,7 +9153,7 @@
             <a:t>Parking is one of the major challenge faced by urban areas</a:t>
           </a:r>
           <a:r>
-            <a:rPr lang="en-US" sz="2000" kern="1200" dirty="0"/>
+            <a:rPr lang="en-US" sz="1900" kern="1200" dirty="0"/>
             <a:t>.</a:t>
           </a:r>
         </a:p>
@@ -8001,7 +9299,7 @@
         </a:bodyPr>
         <a:lstStyle/>
         <a:p>
-          <a:pPr marL="0" lvl="0" indent="0" algn="l" defTabSz="889000">
+          <a:pPr marL="0" lvl="0" indent="0" algn="l" defTabSz="844550">
             <a:lnSpc>
               <a:spcPct val="100000"/>
             </a:lnSpc>
@@ -8014,14 +9312,14 @@
             <a:buNone/>
           </a:pPr>
           <a:r>
-            <a:rPr lang="en-IN" sz="2000" b="0" kern="1200" dirty="0">
+            <a:rPr lang="en-IN" sz="1900" b="0" kern="1200" dirty="0">
               <a:latin typeface="Open Sans" panose="020B0606030504020204" pitchFamily="34" charset="0"/>
               <a:ea typeface="Open Sans" panose="020B0606030504020204" pitchFamily="34" charset="0"/>
               <a:cs typeface="Open Sans" panose="020B0606030504020204" pitchFamily="34" charset="0"/>
             </a:rPr>
             <a:t>Reduce wastage of fuel and time.</a:t>
           </a:r>
-          <a:endParaRPr lang="en-US" sz="2000" kern="1200" dirty="0">
+          <a:endParaRPr lang="en-US" sz="1900" kern="1200" dirty="0">
             <a:latin typeface="Open Sans" panose="020B0606030504020204" pitchFamily="34" charset="0"/>
             <a:ea typeface="Open Sans" panose="020B0606030504020204" pitchFamily="34" charset="0"/>
             <a:cs typeface="Open Sans" panose="020B0606030504020204" pitchFamily="34" charset="0"/>
@@ -8169,7 +9467,7 @@
         </a:bodyPr>
         <a:lstStyle/>
         <a:p>
-          <a:pPr marL="0" lvl="0" indent="0" algn="l" defTabSz="889000">
+          <a:pPr marL="0" lvl="0" indent="0" algn="l" defTabSz="844550">
             <a:lnSpc>
               <a:spcPct val="100000"/>
             </a:lnSpc>
@@ -8182,7 +9480,7 @@
             <a:buNone/>
           </a:pPr>
           <a:r>
-            <a:rPr lang="en-IN" sz="2000" kern="1200" dirty="0">
+            <a:rPr lang="en-IN" sz="1900" kern="1200" dirty="0">
               <a:latin typeface="Open Sans" panose="020B0606030504020204" pitchFamily="34" charset="0"/>
               <a:ea typeface="Open Sans" panose="020B0606030504020204" pitchFamily="34" charset="0"/>
               <a:cs typeface="Open Sans" panose="020B0606030504020204" pitchFamily="34" charset="0"/>
@@ -8190,10 +9488,10 @@
             <a:t>Display Available Parking Space</a:t>
           </a:r>
           <a:r>
-            <a:rPr lang="en-IN" sz="2000" kern="1200" dirty="0"/>
+            <a:rPr lang="en-IN" sz="1900" kern="1200" dirty="0"/>
             <a:t>.</a:t>
           </a:r>
-          <a:endParaRPr lang="en-US" sz="2000" kern="1200" dirty="0"/>
+          <a:endParaRPr lang="en-US" sz="1900" kern="1200" dirty="0"/>
         </a:p>
       </dsp:txBody>
       <dsp:txXfrm>
@@ -8337,7 +9635,7 @@
         </a:bodyPr>
         <a:lstStyle/>
         <a:p>
-          <a:pPr marL="0" lvl="0" indent="0" algn="l" defTabSz="889000">
+          <a:pPr marL="0" lvl="0" indent="0" algn="l" defTabSz="844550">
             <a:lnSpc>
               <a:spcPct val="100000"/>
             </a:lnSpc>
@@ -8350,14 +9648,14 @@
             <a:buNone/>
           </a:pPr>
           <a:r>
-            <a:rPr lang="en-IN" sz="2000" b="0" kern="1200" dirty="0">
+            <a:rPr lang="en-IN" sz="1900" b="0" kern="1200" dirty="0">
               <a:latin typeface="Open Sans" panose="020B0606030504020204" pitchFamily="34" charset="0"/>
               <a:ea typeface="Open Sans" panose="020B0606030504020204" pitchFamily="34" charset="0"/>
               <a:cs typeface="Open Sans" panose="020B0606030504020204" pitchFamily="34" charset="0"/>
             </a:rPr>
             <a:t>Bill Generation for the parking time.</a:t>
           </a:r>
-          <a:endParaRPr lang="en-US" sz="2000" kern="1200" dirty="0">
+          <a:endParaRPr lang="en-US" sz="1900" kern="1200" dirty="0">
             <a:latin typeface="Open Sans" panose="020B0606030504020204" pitchFamily="34" charset="0"/>
             <a:ea typeface="Open Sans" panose="020B0606030504020204" pitchFamily="34" charset="0"/>
             <a:cs typeface="Open Sans" panose="020B0606030504020204" pitchFamily="34" charset="0"/>
@@ -8388,8 +9686,8 @@
       </dsp:nvSpPr>
       <dsp:spPr>
         <a:xfrm>
-          <a:off x="0" y="352826"/>
-          <a:ext cx="7886699" cy="963900"/>
+          <a:off x="0" y="272501"/>
+          <a:ext cx="7886699" cy="1017450"/>
         </a:xfrm>
         <a:prstGeom prst="rect">
           <a:avLst/>
@@ -8448,15 +9746,23 @@
             <a:buChar char="•"/>
           </a:pPr>
           <a:r>
-            <a:rPr lang="en-IN" sz="1700" kern="1200"/>
-            <a:t>The codes written are saved in files and organised in  hierarchy consisting of Manifest folder, Resource folder and Java folder.</a:t>
+            <a:rPr lang="en-IN" sz="1700" kern="1200" dirty="0">
+              <a:latin typeface="Open Sans" panose="020B0606030504020204" pitchFamily="34" charset="0"/>
+              <a:ea typeface="Open Sans" panose="020B0606030504020204" pitchFamily="34" charset="0"/>
+              <a:cs typeface="Open Sans" panose="020B0606030504020204" pitchFamily="34" charset="0"/>
+            </a:rPr>
+            <a:t>The codes written are saved in files and organised in  hierarchy consisting of Manifest folder, Resource folder and Java folder</a:t>
           </a:r>
-          <a:endParaRPr lang="en-US" sz="1700" kern="1200"/>
+          <a:r>
+            <a:rPr lang="en-IN" sz="1700" kern="1200" dirty="0"/>
+            <a:t>.</a:t>
+          </a:r>
+          <a:endParaRPr lang="en-US" sz="1700" kern="1200" dirty="0"/>
         </a:p>
       </dsp:txBody>
       <dsp:txXfrm>
-        <a:off x="0" y="352826"/>
-        <a:ext cx="7886699" cy="963900"/>
+        <a:off x="0" y="272501"/>
+        <a:ext cx="7886699" cy="1017450"/>
       </dsp:txXfrm>
     </dsp:sp>
     <dsp:sp modelId="{5AAA19A4-98CF-4F1F-AA3D-84598A4BBF71}">
@@ -8466,7 +9772,7 @@
       </dsp:nvSpPr>
       <dsp:spPr>
         <a:xfrm>
-          <a:off x="308610" y="81356"/>
+          <a:off x="308610" y="1031"/>
           <a:ext cx="5520689" cy="501840"/>
         </a:xfrm>
         <a:prstGeom prst="roundRect">
@@ -8527,14 +9833,22 @@
             <a:buNone/>
           </a:pPr>
           <a:r>
-            <a:rPr lang="en-IN" sz="1700" b="1" kern="1200"/>
-            <a:t>File Structures (18IS61) :</a:t>
+            <a:rPr lang="en-IN" sz="1700" b="1" kern="1200" dirty="0">
+              <a:latin typeface="Open Sans" panose="020B0606030504020204" pitchFamily="34" charset="0"/>
+              <a:ea typeface="Open Sans" panose="020B0606030504020204" pitchFamily="34" charset="0"/>
+              <a:cs typeface="Open Sans" panose="020B0606030504020204" pitchFamily="34" charset="0"/>
+            </a:rPr>
+            <a:t>File Structures (18IS61) </a:t>
           </a:r>
-          <a:endParaRPr lang="en-US" sz="1700" kern="1200"/>
+          <a:r>
+            <a:rPr lang="en-IN" sz="1700" b="1" kern="1200" dirty="0"/>
+            <a:t>:</a:t>
+          </a:r>
+          <a:endParaRPr lang="en-US" sz="1700" kern="1200" dirty="0"/>
         </a:p>
       </dsp:txBody>
       <dsp:txXfrm>
-        <a:off x="333108" y="105854"/>
+        <a:off x="333108" y="25529"/>
         <a:ext cx="5471693" cy="452844"/>
       </dsp:txXfrm>
     </dsp:sp>
@@ -8545,8 +9859,8 @@
       </dsp:nvSpPr>
       <dsp:spPr>
         <a:xfrm>
-          <a:off x="0" y="1645307"/>
-          <a:ext cx="7886699" cy="963900"/>
+          <a:off x="0" y="1618532"/>
+          <a:ext cx="7886699" cy="1017450"/>
         </a:xfrm>
         <a:prstGeom prst="rect">
           <a:avLst/>
@@ -8605,15 +9919,23 @@
             <a:buChar char="•"/>
           </a:pPr>
           <a:r>
+            <a:rPr lang="en-IN" sz="1700" kern="1200" dirty="0">
+              <a:latin typeface="Open Sans" panose="020B0606030504020204" pitchFamily="34" charset="0"/>
+              <a:ea typeface="Open Sans" panose="020B0606030504020204" pitchFamily="34" charset="0"/>
+              <a:cs typeface="Open Sans" panose="020B0606030504020204" pitchFamily="34" charset="0"/>
+            </a:rPr>
+            <a:t>The codes are tested for all possible bugs and logical failures with the help of black box and white box testing methodologies</a:t>
+          </a:r>
+          <a:r>
             <a:rPr lang="en-IN" sz="1700" kern="1200" dirty="0"/>
-            <a:t>The codes are tested for all possible bugs and logical failures with the help of black box and white box testing methodologies.</a:t>
+            <a:t>.</a:t>
           </a:r>
           <a:endParaRPr lang="en-US" sz="1700" kern="1200" dirty="0"/>
         </a:p>
       </dsp:txBody>
       <dsp:txXfrm>
-        <a:off x="0" y="1645307"/>
-        <a:ext cx="7886699" cy="963900"/>
+        <a:off x="0" y="1618532"/>
+        <a:ext cx="7886699" cy="1017450"/>
       </dsp:txXfrm>
     </dsp:sp>
     <dsp:sp modelId="{7D5B4AF8-E91D-4E16-9A67-2F6D9DC990C7}">
@@ -8623,7 +9945,7 @@
       </dsp:nvSpPr>
       <dsp:spPr>
         <a:xfrm>
-          <a:off x="308610" y="1422668"/>
+          <a:off x="308610" y="1395893"/>
           <a:ext cx="5520689" cy="501840"/>
         </a:xfrm>
         <a:prstGeom prst="roundRect">
@@ -8684,14 +10006,22 @@
             <a:buNone/>
           </a:pPr>
           <a:r>
-            <a:rPr lang="en-IN" sz="1700" b="1" kern="1200" dirty="0"/>
+            <a:rPr lang="en-IN" sz="1700" b="1" kern="1200" dirty="0">
+              <a:latin typeface="Open Sans" panose="020B0606030504020204" pitchFamily="34" charset="0"/>
+              <a:ea typeface="Open Sans" panose="020B0606030504020204" pitchFamily="34" charset="0"/>
+              <a:cs typeface="Open Sans" panose="020B0606030504020204" pitchFamily="34" charset="0"/>
+            </a:rPr>
             <a:t>Software Testing (18IS62) :</a:t>
           </a:r>
-          <a:endParaRPr lang="en-US" sz="1700" kern="1200" dirty="0"/>
+          <a:endParaRPr lang="en-US" sz="1700" kern="1200" dirty="0">
+            <a:latin typeface="Open Sans" panose="020B0606030504020204" pitchFamily="34" charset="0"/>
+            <a:ea typeface="Open Sans" panose="020B0606030504020204" pitchFamily="34" charset="0"/>
+            <a:cs typeface="Open Sans" panose="020B0606030504020204" pitchFamily="34" charset="0"/>
+          </a:endParaRPr>
         </a:p>
       </dsp:txBody>
       <dsp:txXfrm>
-        <a:off x="333108" y="1447166"/>
+        <a:off x="333108" y="1420391"/>
         <a:ext cx="5471693" cy="452844"/>
       </dsp:txXfrm>
     </dsp:sp>
@@ -8702,8 +10032,8 @@
       </dsp:nvSpPr>
       <dsp:spPr>
         <a:xfrm>
-          <a:off x="0" y="3039691"/>
-          <a:ext cx="7886699" cy="963900"/>
+          <a:off x="0" y="3014423"/>
+          <a:ext cx="7886699" cy="1017450"/>
         </a:xfrm>
         <a:prstGeom prst="rect">
           <a:avLst/>
@@ -8762,15 +10092,23 @@
             <a:buChar char="•"/>
           </a:pPr>
           <a:r>
-            <a:rPr lang="en-IN" sz="1700" kern="1200"/>
-            <a:t>XML is extensible mark up language, is used for designing the layout of the application.</a:t>
+            <a:rPr lang="en-IN" sz="1700" kern="1200" dirty="0">
+              <a:latin typeface="Open Sans" panose="020B0606030504020204" pitchFamily="34" charset="0"/>
+              <a:ea typeface="Open Sans" panose="020B0606030504020204" pitchFamily="34" charset="0"/>
+              <a:cs typeface="Open Sans" panose="020B0606030504020204" pitchFamily="34" charset="0"/>
+            </a:rPr>
+            <a:t>XML is extensible mark up language, is used for designing the layout of the application</a:t>
           </a:r>
-          <a:endParaRPr lang="en-US" sz="1700" kern="1200"/>
+          <a:r>
+            <a:rPr lang="en-IN" sz="1700" kern="1200" dirty="0"/>
+            <a:t>.</a:t>
+          </a:r>
+          <a:endParaRPr lang="en-US" sz="1700" kern="1200" dirty="0"/>
         </a:p>
       </dsp:txBody>
       <dsp:txXfrm>
-        <a:off x="0" y="3039691"/>
-        <a:ext cx="7886699" cy="963900"/>
+        <a:off x="0" y="3014423"/>
+        <a:ext cx="7886699" cy="1017450"/>
       </dsp:txXfrm>
     </dsp:sp>
     <dsp:sp modelId="{C48E5740-ACF4-4809-BA49-88B32C9F1A3C}">
@@ -8780,7 +10118,7 @@
       </dsp:nvSpPr>
       <dsp:spPr>
         <a:xfrm>
-          <a:off x="234077" y="2764647"/>
+          <a:off x="234077" y="2791422"/>
           <a:ext cx="5520689" cy="501840"/>
         </a:xfrm>
         <a:prstGeom prst="roundRect">
@@ -8841,14 +10179,22 @@
             <a:buNone/>
           </a:pPr>
           <a:r>
-            <a:rPr lang="en-IN" sz="1700" b="1" kern="1200"/>
+            <a:rPr lang="en-IN" sz="1700" b="1" kern="1200" dirty="0">
+              <a:latin typeface="Open Sans" panose="020B0606030504020204" pitchFamily="34" charset="0"/>
+              <a:ea typeface="Open Sans" panose="020B0606030504020204" pitchFamily="34" charset="0"/>
+              <a:cs typeface="Open Sans" panose="020B0606030504020204" pitchFamily="34" charset="0"/>
+            </a:rPr>
             <a:t>Web Technologies (18CS63) :</a:t>
           </a:r>
-          <a:endParaRPr lang="en-US" sz="1700" kern="1200"/>
+          <a:endParaRPr lang="en-US" sz="1700" kern="1200" dirty="0">
+            <a:latin typeface="Open Sans" panose="020B0606030504020204" pitchFamily="34" charset="0"/>
+            <a:ea typeface="Open Sans" panose="020B0606030504020204" pitchFamily="34" charset="0"/>
+            <a:cs typeface="Open Sans" panose="020B0606030504020204" pitchFamily="34" charset="0"/>
+          </a:endParaRPr>
         </a:p>
       </dsp:txBody>
       <dsp:txXfrm>
-        <a:off x="258575" y="2789145"/>
+        <a:off x="258575" y="2815920"/>
         <a:ext cx="5471693" cy="452844"/>
       </dsp:txXfrm>
     </dsp:sp>
@@ -8857,6 +10203,364 @@
 </file>
 
 <file path=ppt/diagrams/drawing4.xml><?xml version="1.0" encoding="utf-8"?>
+<dsp:drawing xmlns:dgm="http://schemas.openxmlformats.org/drawingml/2006/diagram" xmlns:dsp="http://schemas.microsoft.com/office/drawing/2008/diagram" xmlns:a="http://schemas.openxmlformats.org/drawingml/2006/main">
+  <dsp:spTree>
+    <dsp:nvGrpSpPr>
+      <dsp:cNvPr id="0" name=""/>
+      <dsp:cNvGrpSpPr/>
+    </dsp:nvGrpSpPr>
+    <dsp:grpSpPr/>
+    <dsp:sp modelId="{598E399F-23B8-42AB-9A23-B2CFBC560882}">
+      <dsp:nvSpPr>
+        <dsp:cNvPr id="0" name=""/>
+        <dsp:cNvSpPr/>
+      </dsp:nvSpPr>
+      <dsp:spPr>
+        <a:xfrm>
+          <a:off x="0" y="952586"/>
+          <a:ext cx="7886699" cy="1017450"/>
+        </a:xfrm>
+        <a:prstGeom prst="rect">
+          <a:avLst/>
+        </a:prstGeom>
+        <a:solidFill>
+          <a:schemeClr val="lt1">
+            <a:alpha val="90000"/>
+            <a:hueOff val="0"/>
+            <a:satOff val="0"/>
+            <a:lumOff val="0"/>
+            <a:alphaOff val="0"/>
+          </a:schemeClr>
+        </a:solidFill>
+        <a:ln w="12700" cap="flat" cmpd="sng" algn="ctr">
+          <a:solidFill>
+            <a:schemeClr val="accent1">
+              <a:hueOff val="0"/>
+              <a:satOff val="0"/>
+              <a:lumOff val="0"/>
+              <a:alphaOff val="0"/>
+            </a:schemeClr>
+          </a:solidFill>
+          <a:prstDash val="solid"/>
+          <a:miter lim="800000"/>
+        </a:ln>
+        <a:effectLst/>
+      </dsp:spPr>
+      <dsp:style>
+        <a:lnRef idx="2">
+          <a:scrgbClr r="0" g="0" b="0"/>
+        </a:lnRef>
+        <a:fillRef idx="1">
+          <a:scrgbClr r="0" g="0" b="0"/>
+        </a:fillRef>
+        <a:effectRef idx="0">
+          <a:scrgbClr r="0" g="0" b="0"/>
+        </a:effectRef>
+        <a:fontRef idx="minor"/>
+      </dsp:style>
+      <dsp:txBody>
+        <a:bodyPr spcFirstLastPara="0" vert="horz" wrap="square" lIns="612095" tIns="354076" rIns="612095" bIns="120904" numCol="1" spcCol="1270" anchor="t" anchorCtr="0">
+          <a:noAutofit/>
+        </a:bodyPr>
+        <a:lstStyle/>
+        <a:p>
+          <a:pPr marL="171450" lvl="1" indent="-171450" algn="l" defTabSz="755650">
+            <a:lnSpc>
+              <a:spcPct val="90000"/>
+            </a:lnSpc>
+            <a:spcBef>
+              <a:spcPct val="0"/>
+            </a:spcBef>
+            <a:spcAft>
+              <a:spcPct val="15000"/>
+            </a:spcAft>
+            <a:buChar char="•"/>
+          </a:pPr>
+          <a:r>
+            <a:rPr lang="en-IN" sz="1700" kern="1200" dirty="0">
+              <a:latin typeface="Open Sans" panose="020B0606030504020204" pitchFamily="34" charset="0"/>
+              <a:ea typeface="Open Sans" panose="020B0606030504020204" pitchFamily="34" charset="0"/>
+              <a:cs typeface="Open Sans" panose="020B0606030504020204" pitchFamily="34" charset="0"/>
+            </a:rPr>
+            <a:t>Firebase is a cloud platform used for Authentication and Storage of user data</a:t>
+          </a:r>
+          <a:r>
+            <a:rPr lang="en-IN" sz="1700" kern="1200" dirty="0"/>
+            <a:t> .</a:t>
+          </a:r>
+          <a:endParaRPr lang="en-US" sz="1700" kern="1200" dirty="0"/>
+        </a:p>
+      </dsp:txBody>
+      <dsp:txXfrm>
+        <a:off x="0" y="952586"/>
+        <a:ext cx="7886699" cy="1017450"/>
+      </dsp:txXfrm>
+    </dsp:sp>
+    <dsp:sp modelId="{5AAA19A4-98CF-4F1F-AA3D-84598A4BBF71}">
+      <dsp:nvSpPr>
+        <dsp:cNvPr id="0" name=""/>
+        <dsp:cNvSpPr/>
+      </dsp:nvSpPr>
+      <dsp:spPr>
+        <a:xfrm>
+          <a:off x="308610" y="681116"/>
+          <a:ext cx="5520689" cy="501840"/>
+        </a:xfrm>
+        <a:prstGeom prst="roundRect">
+          <a:avLst/>
+        </a:prstGeom>
+        <a:solidFill>
+          <a:schemeClr val="accent1">
+            <a:hueOff val="0"/>
+            <a:satOff val="0"/>
+            <a:lumOff val="0"/>
+            <a:alphaOff val="0"/>
+          </a:schemeClr>
+        </a:solidFill>
+        <a:ln w="12700" cap="flat" cmpd="sng" algn="ctr">
+          <a:solidFill>
+            <a:schemeClr val="lt1">
+              <a:hueOff val="0"/>
+              <a:satOff val="0"/>
+              <a:lumOff val="0"/>
+              <a:alphaOff val="0"/>
+            </a:schemeClr>
+          </a:solidFill>
+          <a:prstDash val="solid"/>
+          <a:miter lim="800000"/>
+        </a:ln>
+        <a:effectLst/>
+      </dsp:spPr>
+      <dsp:style>
+        <a:lnRef idx="2">
+          <a:scrgbClr r="0" g="0" b="0"/>
+        </a:lnRef>
+        <a:fillRef idx="1">
+          <a:scrgbClr r="0" g="0" b="0"/>
+        </a:fillRef>
+        <a:effectRef idx="0">
+          <a:scrgbClr r="0" g="0" b="0"/>
+        </a:effectRef>
+        <a:fontRef idx="minor">
+          <a:schemeClr val="lt1"/>
+        </a:fontRef>
+      </dsp:style>
+      <dsp:txBody>
+        <a:bodyPr spcFirstLastPara="0" vert="horz" wrap="square" lIns="208669" tIns="0" rIns="208669" bIns="0" numCol="1" spcCol="1270" anchor="ctr" anchorCtr="0">
+          <a:noAutofit/>
+        </a:bodyPr>
+        <a:lstStyle/>
+        <a:p>
+          <a:pPr marL="0" lvl="0" indent="0" algn="l" defTabSz="755650">
+            <a:lnSpc>
+              <a:spcPct val="90000"/>
+            </a:lnSpc>
+            <a:spcBef>
+              <a:spcPct val="0"/>
+            </a:spcBef>
+            <a:spcAft>
+              <a:spcPct val="35000"/>
+            </a:spcAft>
+            <a:buNone/>
+          </a:pPr>
+          <a:r>
+            <a:rPr lang="en-IN" sz="1700" b="1" kern="1200" dirty="0">
+              <a:latin typeface="Open Sans" panose="020B0606030504020204" pitchFamily="34" charset="0"/>
+              <a:ea typeface="Open Sans" panose="020B0606030504020204" pitchFamily="34" charset="0"/>
+              <a:cs typeface="Open Sans" panose="020B0606030504020204" pitchFamily="34" charset="0"/>
+            </a:rPr>
+            <a:t>Cloud Computing and its Application(18CS643</a:t>
+          </a:r>
+          <a:r>
+            <a:rPr lang="en-IN" sz="1700" b="1" kern="1200" dirty="0"/>
+            <a:t>) :</a:t>
+          </a:r>
+          <a:endParaRPr lang="en-US" sz="1700" kern="1200" dirty="0"/>
+        </a:p>
+      </dsp:txBody>
+      <dsp:txXfrm>
+        <a:off x="333108" y="705614"/>
+        <a:ext cx="5471693" cy="452844"/>
+      </dsp:txXfrm>
+    </dsp:sp>
+    <dsp:sp modelId="{AD0E395C-D3BB-4FA8-A9BE-58323968D24E}">
+      <dsp:nvSpPr>
+        <dsp:cNvPr id="0" name=""/>
+        <dsp:cNvSpPr/>
+      </dsp:nvSpPr>
+      <dsp:spPr>
+        <a:xfrm>
+          <a:off x="0" y="2602878"/>
+          <a:ext cx="7886699" cy="1017450"/>
+        </a:xfrm>
+        <a:prstGeom prst="rect">
+          <a:avLst/>
+        </a:prstGeom>
+        <a:solidFill>
+          <a:schemeClr val="lt1">
+            <a:alpha val="90000"/>
+            <a:hueOff val="0"/>
+            <a:satOff val="0"/>
+            <a:lumOff val="0"/>
+            <a:alphaOff val="0"/>
+          </a:schemeClr>
+        </a:solidFill>
+        <a:ln w="12700" cap="flat" cmpd="sng" algn="ctr">
+          <a:solidFill>
+            <a:schemeClr val="accent1">
+              <a:hueOff val="0"/>
+              <a:satOff val="0"/>
+              <a:lumOff val="0"/>
+              <a:alphaOff val="0"/>
+            </a:schemeClr>
+          </a:solidFill>
+          <a:prstDash val="solid"/>
+          <a:miter lim="800000"/>
+        </a:ln>
+        <a:effectLst/>
+      </dsp:spPr>
+      <dsp:style>
+        <a:lnRef idx="2">
+          <a:scrgbClr r="0" g="0" b="0"/>
+        </a:lnRef>
+        <a:fillRef idx="1">
+          <a:scrgbClr r="0" g="0" b="0"/>
+        </a:fillRef>
+        <a:effectRef idx="0">
+          <a:scrgbClr r="0" g="0" b="0"/>
+        </a:effectRef>
+        <a:fontRef idx="minor"/>
+      </dsp:style>
+      <dsp:txBody>
+        <a:bodyPr spcFirstLastPara="0" vert="horz" wrap="square" lIns="612095" tIns="354076" rIns="612095" bIns="120904" numCol="1" spcCol="1270" anchor="t" anchorCtr="0">
+          <a:noAutofit/>
+        </a:bodyPr>
+        <a:lstStyle/>
+        <a:p>
+          <a:pPr marL="171450" lvl="1" indent="-171450" algn="l" defTabSz="755650">
+            <a:lnSpc>
+              <a:spcPct val="90000"/>
+            </a:lnSpc>
+            <a:spcBef>
+              <a:spcPct val="0"/>
+            </a:spcBef>
+            <a:spcAft>
+              <a:spcPct val="15000"/>
+            </a:spcAft>
+            <a:buChar char="•"/>
+          </a:pPr>
+          <a:r>
+            <a:rPr lang="en-IN" sz="1700" kern="1200" dirty="0">
+              <a:latin typeface="Open Sans" panose="020B0606030504020204" pitchFamily="34" charset="0"/>
+              <a:ea typeface="Open Sans" panose="020B0606030504020204" pitchFamily="34" charset="0"/>
+              <a:cs typeface="Open Sans" panose="020B0606030504020204" pitchFamily="34" charset="0"/>
+            </a:rPr>
+            <a:t>The app is built for android devices using android programming and implementing android user interface controls</a:t>
+          </a:r>
+          <a:r>
+            <a:rPr lang="en-IN" sz="1700" kern="1200" dirty="0"/>
+            <a:t>.</a:t>
+          </a:r>
+          <a:endParaRPr lang="en-US" sz="1700" kern="1200" dirty="0"/>
+        </a:p>
+      </dsp:txBody>
+      <dsp:txXfrm>
+        <a:off x="0" y="2602878"/>
+        <a:ext cx="7886699" cy="1017450"/>
+      </dsp:txXfrm>
+    </dsp:sp>
+    <dsp:sp modelId="{7D5B4AF8-E91D-4E16-9A67-2F6D9DC990C7}">
+      <dsp:nvSpPr>
+        <dsp:cNvPr id="0" name=""/>
+        <dsp:cNvSpPr/>
+      </dsp:nvSpPr>
+      <dsp:spPr>
+        <a:xfrm>
+          <a:off x="308610" y="2291734"/>
+          <a:ext cx="5520689" cy="501840"/>
+        </a:xfrm>
+        <a:prstGeom prst="roundRect">
+          <a:avLst/>
+        </a:prstGeom>
+        <a:solidFill>
+          <a:schemeClr val="accent1">
+            <a:hueOff val="0"/>
+            <a:satOff val="0"/>
+            <a:lumOff val="0"/>
+            <a:alphaOff val="0"/>
+          </a:schemeClr>
+        </a:solidFill>
+        <a:ln w="12700" cap="flat" cmpd="sng" algn="ctr">
+          <a:solidFill>
+            <a:schemeClr val="lt1">
+              <a:hueOff val="0"/>
+              <a:satOff val="0"/>
+              <a:lumOff val="0"/>
+              <a:alphaOff val="0"/>
+            </a:schemeClr>
+          </a:solidFill>
+          <a:prstDash val="solid"/>
+          <a:miter lim="800000"/>
+        </a:ln>
+        <a:effectLst/>
+      </dsp:spPr>
+      <dsp:style>
+        <a:lnRef idx="2">
+          <a:scrgbClr r="0" g="0" b="0"/>
+        </a:lnRef>
+        <a:fillRef idx="1">
+          <a:scrgbClr r="0" g="0" b="0"/>
+        </a:fillRef>
+        <a:effectRef idx="0">
+          <a:scrgbClr r="0" g="0" b="0"/>
+        </a:effectRef>
+        <a:fontRef idx="minor">
+          <a:schemeClr val="lt1"/>
+        </a:fontRef>
+      </dsp:style>
+      <dsp:txBody>
+        <a:bodyPr spcFirstLastPara="0" vert="horz" wrap="square" lIns="208669" tIns="0" rIns="208669" bIns="0" numCol="1" spcCol="1270" anchor="ctr" anchorCtr="0">
+          <a:noAutofit/>
+        </a:bodyPr>
+        <a:lstStyle/>
+        <a:p>
+          <a:pPr marL="0" lvl="0" indent="0" algn="l" defTabSz="755650">
+            <a:lnSpc>
+              <a:spcPct val="90000"/>
+            </a:lnSpc>
+            <a:spcBef>
+              <a:spcPct val="0"/>
+            </a:spcBef>
+            <a:spcAft>
+              <a:spcPct val="35000"/>
+            </a:spcAft>
+            <a:buNone/>
+          </a:pPr>
+          <a:r>
+            <a:rPr lang="en-IN" sz="1700" b="1" kern="1200" dirty="0">
+              <a:latin typeface="Open Sans" panose="020B0606030504020204" pitchFamily="34" charset="0"/>
+              <a:ea typeface="Open Sans" panose="020B0606030504020204" pitchFamily="34" charset="0"/>
+              <a:cs typeface="Open Sans" panose="020B0606030504020204" pitchFamily="34" charset="0"/>
+            </a:rPr>
+            <a:t>Mobile Application Development(18CSMP68) :</a:t>
+          </a:r>
+          <a:endParaRPr lang="en-US" sz="1700" kern="1200" dirty="0">
+            <a:latin typeface="Open Sans" panose="020B0606030504020204" pitchFamily="34" charset="0"/>
+            <a:ea typeface="Open Sans" panose="020B0606030504020204" pitchFamily="34" charset="0"/>
+            <a:cs typeface="Open Sans" panose="020B0606030504020204" pitchFamily="34" charset="0"/>
+          </a:endParaRPr>
+        </a:p>
+      </dsp:txBody>
+      <dsp:txXfrm>
+        <a:off x="333108" y="2316232"/>
+        <a:ext cx="5471693" cy="452844"/>
+      </dsp:txXfrm>
+    </dsp:sp>
+  </dsp:spTree>
+</dsp:drawing>
+</file>
+
+<file path=ppt/diagrams/drawing5.xml><?xml version="1.0" encoding="utf-8"?>
 <dsp:drawing xmlns:dgm="http://schemas.openxmlformats.org/drawingml/2006/diagram" xmlns:dsp="http://schemas.microsoft.com/office/drawing/2008/diagram" xmlns:a="http://schemas.openxmlformats.org/drawingml/2006/main">
   <dsp:spTree>
     <dsp:nvGrpSpPr>
@@ -8998,7 +10702,7 @@
         </a:bodyPr>
         <a:lstStyle/>
         <a:p>
-          <a:pPr marL="0" lvl="0" indent="0" algn="l" defTabSz="933450">
+          <a:pPr marL="0" lvl="0" indent="0" algn="l" defTabSz="844550">
             <a:lnSpc>
               <a:spcPct val="100000"/>
             </a:lnSpc>
@@ -9011,10 +10715,18 @@
             <a:buNone/>
           </a:pPr>
           <a:r>
-            <a:rPr lang="en-IN" sz="2100" kern="1200" dirty="0"/>
-            <a:t>View available parking space.</a:t>
+            <a:rPr lang="en-IN" sz="1900" kern="1200" dirty="0">
+              <a:latin typeface="Open Sans" panose="020B0606030504020204" pitchFamily="34" charset="0"/>
+              <a:ea typeface="Open Sans" panose="020B0606030504020204" pitchFamily="34" charset="0"/>
+              <a:cs typeface="Open Sans" panose="020B0606030504020204" pitchFamily="34" charset="0"/>
+            </a:rPr>
+            <a:t>View available parking space</a:t>
           </a:r>
-          <a:endParaRPr lang="en-US" sz="2100" kern="1200" dirty="0"/>
+          <a:r>
+            <a:rPr lang="en-IN" sz="1900" kern="1200" dirty="0"/>
+            <a:t>.</a:t>
+          </a:r>
+          <a:endParaRPr lang="en-US" sz="1900" kern="1200" dirty="0"/>
         </a:p>
       </dsp:txBody>
       <dsp:txXfrm>
@@ -9156,7 +10868,7 @@
         </a:bodyPr>
         <a:lstStyle/>
         <a:p>
-          <a:pPr marL="0" lvl="0" indent="0" algn="l" defTabSz="933450">
+          <a:pPr marL="0" lvl="0" indent="0" algn="l" defTabSz="844550">
             <a:lnSpc>
               <a:spcPct val="100000"/>
             </a:lnSpc>
@@ -9169,10 +10881,18 @@
             <a:buNone/>
           </a:pPr>
           <a:r>
-            <a:rPr lang="en-IN" sz="2100" kern="1200"/>
-            <a:t>Bill generation. </a:t>
+            <a:rPr lang="en-IN" sz="1900" kern="1200" dirty="0">
+              <a:latin typeface="Open Sans" panose="020B0606030504020204" pitchFamily="34" charset="0"/>
+              <a:ea typeface="Open Sans" panose="020B0606030504020204" pitchFamily="34" charset="0"/>
+              <a:cs typeface="Open Sans" panose="020B0606030504020204" pitchFamily="34" charset="0"/>
+            </a:rPr>
+            <a:t>Bill generation</a:t>
           </a:r>
-          <a:endParaRPr lang="en-US" sz="2100" kern="1200"/>
+          <a:r>
+            <a:rPr lang="en-IN" sz="1900" kern="1200" dirty="0"/>
+            <a:t>. </a:t>
+          </a:r>
+          <a:endParaRPr lang="en-US" sz="1900" kern="1200" dirty="0"/>
         </a:p>
       </dsp:txBody>
       <dsp:txXfrm>
@@ -9314,7 +11034,7 @@
         </a:bodyPr>
         <a:lstStyle/>
         <a:p>
-          <a:pPr marL="0" lvl="0" indent="0" algn="l" defTabSz="933450">
+          <a:pPr marL="0" lvl="0" indent="0" algn="l" defTabSz="844550">
             <a:lnSpc>
               <a:spcPct val="100000"/>
             </a:lnSpc>
@@ -9327,10 +11047,18 @@
             <a:buNone/>
           </a:pPr>
           <a:r>
-            <a:rPr lang="en-IN" sz="2100" kern="1200"/>
+            <a:rPr lang="en-IN" sz="1900" kern="1200" dirty="0">
+              <a:latin typeface="Open Sans" panose="020B0606030504020204" pitchFamily="34" charset="0"/>
+              <a:ea typeface="Open Sans" panose="020B0606030504020204" pitchFamily="34" charset="0"/>
+              <a:cs typeface="Open Sans" panose="020B0606030504020204" pitchFamily="34" charset="0"/>
+            </a:rPr>
             <a:t>Can be implemented in all public parking areas.</a:t>
           </a:r>
-          <a:endParaRPr lang="en-US" sz="2100" kern="1200"/>
+          <a:endParaRPr lang="en-US" sz="1900" kern="1200" dirty="0">
+            <a:latin typeface="Open Sans" panose="020B0606030504020204" pitchFamily="34" charset="0"/>
+            <a:ea typeface="Open Sans" panose="020B0606030504020204" pitchFamily="34" charset="0"/>
+            <a:cs typeface="Open Sans" panose="020B0606030504020204" pitchFamily="34" charset="0"/>
+          </a:endParaRPr>
         </a:p>
       </dsp:txBody>
       <dsp:txXfrm>
@@ -9472,7 +11200,7 @@
         </a:bodyPr>
         <a:lstStyle/>
         <a:p>
-          <a:pPr marL="0" lvl="0" indent="0" algn="l" defTabSz="933450">
+          <a:pPr marL="0" lvl="0" indent="0" algn="l" defTabSz="844550">
             <a:lnSpc>
               <a:spcPct val="100000"/>
             </a:lnSpc>
@@ -9485,8 +11213,16 @@
             <a:buNone/>
           </a:pPr>
           <a:r>
-            <a:rPr lang="en-US" sz="2100" kern="1200"/>
-            <a:t>Efficient Parking system.</a:t>
+            <a:rPr lang="en-US" sz="1900" kern="1200" dirty="0">
+              <a:latin typeface="Open Sans" panose="020B0606030504020204" pitchFamily="34" charset="0"/>
+              <a:ea typeface="Open Sans" panose="020B0606030504020204" pitchFamily="34" charset="0"/>
+              <a:cs typeface="Open Sans" panose="020B0606030504020204" pitchFamily="34" charset="0"/>
+            </a:rPr>
+            <a:t>Efficient Parking system</a:t>
+          </a:r>
+          <a:r>
+            <a:rPr lang="en-US" sz="1900" kern="1200" dirty="0"/>
+            <a:t>.</a:t>
           </a:r>
         </a:p>
       </dsp:txBody>
@@ -9499,7 +11235,7 @@
 </dsp:drawing>
 </file>
 
-<file path=ppt/diagrams/drawing5.xml><?xml version="1.0" encoding="utf-8"?>
+<file path=ppt/diagrams/drawing6.xml><?xml version="1.0" encoding="utf-8"?>
 <dsp:drawing xmlns:dgm="http://schemas.openxmlformats.org/drawingml/2006/diagram" xmlns:dsp="http://schemas.microsoft.com/office/drawing/2008/diagram" xmlns:a="http://schemas.openxmlformats.org/drawingml/2006/main">
   <dsp:spTree>
     <dsp:nvGrpSpPr>
@@ -9514,226 +11250,8 @@
       </dsp:nvSpPr>
       <dsp:spPr>
         <a:xfrm>
-          <a:off x="0" y="110340"/>
-          <a:ext cx="7886700" cy="2077919"/>
-        </a:xfrm>
-        <a:prstGeom prst="roundRect">
-          <a:avLst/>
-        </a:prstGeom>
-        <a:solidFill>
-          <a:schemeClr val="accent1">
-            <a:hueOff val="0"/>
-            <a:satOff val="0"/>
-            <a:lumOff val="0"/>
-            <a:alphaOff val="0"/>
-          </a:schemeClr>
-        </a:solidFill>
-        <a:ln w="12700" cap="flat" cmpd="sng" algn="ctr">
-          <a:solidFill>
-            <a:schemeClr val="lt1">
-              <a:hueOff val="0"/>
-              <a:satOff val="0"/>
-              <a:lumOff val="0"/>
-              <a:alphaOff val="0"/>
-            </a:schemeClr>
-          </a:solidFill>
-          <a:prstDash val="solid"/>
-          <a:miter lim="800000"/>
-        </a:ln>
-        <a:effectLst/>
-      </dsp:spPr>
-      <dsp:style>
-        <a:lnRef idx="2">
-          <a:scrgbClr r="0" g="0" b="0"/>
-        </a:lnRef>
-        <a:fillRef idx="1">
-          <a:scrgbClr r="0" g="0" b="0"/>
-        </a:fillRef>
-        <a:effectRef idx="0">
-          <a:scrgbClr r="0" g="0" b="0"/>
-        </a:effectRef>
-        <a:fontRef idx="minor">
-          <a:schemeClr val="lt1"/>
-        </a:fontRef>
-      </dsp:style>
-      <dsp:txBody>
-        <a:bodyPr spcFirstLastPara="0" vert="horz" wrap="square" lIns="91440" tIns="91440" rIns="91440" bIns="91440" numCol="1" spcCol="1270" anchor="ctr" anchorCtr="0">
-          <a:noAutofit/>
-        </a:bodyPr>
-        <a:lstStyle/>
-        <a:p>
-          <a:pPr marL="0" lvl="0" indent="0" algn="l" defTabSz="1066800">
-            <a:lnSpc>
-              <a:spcPct val="90000"/>
-            </a:lnSpc>
-            <a:spcBef>
-              <a:spcPct val="0"/>
-            </a:spcBef>
-            <a:spcAft>
-              <a:spcPct val="35000"/>
-            </a:spcAft>
-            <a:buNone/>
-          </a:pPr>
-          <a:r>
-            <a:rPr lang="en-IN" sz="2400" kern="1200" dirty="0"/>
-            <a:t>C. Ng, S. Cheong, E. Haji </a:t>
-          </a:r>
-          <a:r>
-            <a:rPr lang="en-IN" sz="2400" kern="1200" dirty="0" err="1"/>
-            <a:t>mohammad</a:t>
-          </a:r>
-          <a:r>
-            <a:rPr lang="en-IN" sz="2400" kern="1200" dirty="0"/>
-            <a:t> </a:t>
-          </a:r>
-          <a:r>
-            <a:rPr lang="en-IN" sz="2400" kern="1200" dirty="0" err="1"/>
-            <a:t>hosseinmemar</a:t>
-          </a:r>
-          <a:r>
-            <a:rPr lang="en-IN" sz="2400" kern="1200" dirty="0"/>
-            <a:t> and W. Yap, "Mobile outdoor parking space detection application," 2017 IEEE 8th Control and System Graduate Research Colloquium (ICSGRC), 2017, pp. 81-86, </a:t>
-          </a:r>
-          <a:r>
-            <a:rPr lang="en-IN" sz="2400" kern="1200" dirty="0" err="1"/>
-            <a:t>doi</a:t>
-          </a:r>
-          <a:r>
-            <a:rPr lang="en-IN" sz="2400" kern="1200" dirty="0"/>
-            <a:t>: 10.1109/ICSGRC.2017.8070573.</a:t>
-          </a:r>
-          <a:endParaRPr lang="en-US" sz="2400" kern="1200" dirty="0"/>
-        </a:p>
-      </dsp:txBody>
-      <dsp:txXfrm>
-        <a:off x="101436" y="211776"/>
-        <a:ext cx="7683828" cy="1875047"/>
-      </dsp:txXfrm>
-    </dsp:sp>
-    <dsp:sp modelId="{EF702722-2301-48D6-A86E-C557ACBCF9B6}">
-      <dsp:nvSpPr>
-        <dsp:cNvPr id="0" name=""/>
-        <dsp:cNvSpPr/>
-      </dsp:nvSpPr>
-      <dsp:spPr>
-        <a:xfrm>
-          <a:off x="0" y="2257380"/>
-          <a:ext cx="7886700" cy="2077919"/>
-        </a:xfrm>
-        <a:prstGeom prst="roundRect">
-          <a:avLst/>
-        </a:prstGeom>
-        <a:solidFill>
-          <a:schemeClr val="accent1">
-            <a:hueOff val="0"/>
-            <a:satOff val="0"/>
-            <a:lumOff val="0"/>
-            <a:alphaOff val="0"/>
-          </a:schemeClr>
-        </a:solidFill>
-        <a:ln w="12700" cap="flat" cmpd="sng" algn="ctr">
-          <a:solidFill>
-            <a:schemeClr val="lt1">
-              <a:hueOff val="0"/>
-              <a:satOff val="0"/>
-              <a:lumOff val="0"/>
-              <a:alphaOff val="0"/>
-            </a:schemeClr>
-          </a:solidFill>
-          <a:prstDash val="solid"/>
-          <a:miter lim="800000"/>
-        </a:ln>
-        <a:effectLst/>
-      </dsp:spPr>
-      <dsp:style>
-        <a:lnRef idx="2">
-          <a:scrgbClr r="0" g="0" b="0"/>
-        </a:lnRef>
-        <a:fillRef idx="1">
-          <a:scrgbClr r="0" g="0" b="0"/>
-        </a:fillRef>
-        <a:effectRef idx="0">
-          <a:scrgbClr r="0" g="0" b="0"/>
-        </a:effectRef>
-        <a:fontRef idx="minor">
-          <a:schemeClr val="lt1"/>
-        </a:fontRef>
-      </dsp:style>
-      <dsp:txBody>
-        <a:bodyPr spcFirstLastPara="0" vert="horz" wrap="square" lIns="91440" tIns="91440" rIns="91440" bIns="91440" numCol="1" spcCol="1270" anchor="ctr" anchorCtr="0">
-          <a:noAutofit/>
-        </a:bodyPr>
-        <a:lstStyle/>
-        <a:p>
-          <a:pPr marL="0" lvl="0" indent="0" algn="l" defTabSz="1066800">
-            <a:lnSpc>
-              <a:spcPct val="90000"/>
-            </a:lnSpc>
-            <a:spcBef>
-              <a:spcPct val="0"/>
-            </a:spcBef>
-            <a:spcAft>
-              <a:spcPct val="35000"/>
-            </a:spcAft>
-            <a:buNone/>
-          </a:pPr>
-          <a:r>
-            <a:rPr lang="en-IN" sz="2400" kern="1200" dirty="0"/>
-            <a:t>B. K. Patil, A. Deshpande, S. </a:t>
-          </a:r>
-          <a:r>
-            <a:rPr lang="en-IN" sz="2400" kern="1200" dirty="0" err="1"/>
-            <a:t>Suryavanshi</a:t>
-          </a:r>
-          <a:r>
-            <a:rPr lang="en-IN" sz="2400" kern="1200" dirty="0"/>
-            <a:t>, R. </a:t>
-          </a:r>
-          <a:r>
-            <a:rPr lang="en-IN" sz="2400" kern="1200" dirty="0" err="1"/>
-            <a:t>Magdum</a:t>
-          </a:r>
-          <a:r>
-            <a:rPr lang="en-IN" sz="2400" kern="1200" dirty="0"/>
-            <a:t> and B. Manjunath, "Smart Parking System for Cars," 2018 International Conference on Recent Innovations in Electrical, Electronics &amp; Communication Engineering (ICRIEECE), 2018, pp. 1118-1121, </a:t>
-          </a:r>
-          <a:r>
-            <a:rPr lang="en-IN" sz="2400" kern="1200" dirty="0" err="1"/>
-            <a:t>doi</a:t>
-          </a:r>
-          <a:r>
-            <a:rPr lang="en-IN" sz="2400" kern="1200" dirty="0"/>
-            <a:t>: 10.1109/ICRIEECE44171.2018.9008662. </a:t>
-          </a:r>
-          <a:endParaRPr lang="en-US" sz="2400" kern="1200" dirty="0"/>
-        </a:p>
-      </dsp:txBody>
-      <dsp:txXfrm>
-        <a:off x="101436" y="2358816"/>
-        <a:ext cx="7683828" cy="1875047"/>
-      </dsp:txXfrm>
-    </dsp:sp>
-  </dsp:spTree>
-</dsp:drawing>
-</file>
-
-<file path=ppt/diagrams/drawing6.xml><?xml version="1.0" encoding="utf-8"?>
-<dsp:drawing xmlns:dgm="http://schemas.openxmlformats.org/drawingml/2006/diagram" xmlns:dsp="http://schemas.microsoft.com/office/drawing/2008/diagram" xmlns:a="http://schemas.openxmlformats.org/drawingml/2006/main">
-  <dsp:spTree>
-    <dsp:nvGrpSpPr>
-      <dsp:cNvPr id="0" name=""/>
-      <dsp:cNvGrpSpPr/>
-    </dsp:nvGrpSpPr>
-    <dsp:grpSpPr/>
-    <dsp:sp modelId="{F7E921D4-E6F6-42C1-84F3-1FE00B645180}">
-      <dsp:nvSpPr>
-        <dsp:cNvPr id="0" name=""/>
-        <dsp:cNvSpPr/>
-      </dsp:nvSpPr>
-      <dsp:spPr>
-        <a:xfrm>
-          <a:off x="0" y="61656"/>
-          <a:ext cx="7886699" cy="1174753"/>
+          <a:off x="0" y="177840"/>
+          <a:ext cx="7886700" cy="2014740"/>
         </a:xfrm>
         <a:prstGeom prst="roundRect">
           <a:avLst/>
@@ -9793,26 +11311,82 @@
             <a:buNone/>
           </a:pPr>
           <a:r>
-            <a:rPr lang="en-IN" sz="2100" kern="1200"/>
-            <a:t>The proposed app will allow normal user to know about the parking space availability.</a:t>
+            <a:rPr lang="en-IN" sz="2100" kern="1200" dirty="0">
+              <a:latin typeface="Open Sans" panose="020B0606030504020204" pitchFamily="34" charset="0"/>
+              <a:ea typeface="Open Sans" panose="020B0606030504020204" pitchFamily="34" charset="0"/>
+              <a:cs typeface="Open Sans" panose="020B0606030504020204" pitchFamily="34" charset="0"/>
+            </a:rPr>
+            <a:t>C. Ng, S. Cheong, E. Haji </a:t>
           </a:r>
-          <a:endParaRPr lang="en-US" sz="2100" kern="1200"/>
+          <a:r>
+            <a:rPr lang="en-IN" sz="2100" kern="1200" dirty="0" err="1">
+              <a:latin typeface="Open Sans" panose="020B0606030504020204" pitchFamily="34" charset="0"/>
+              <a:ea typeface="Open Sans" panose="020B0606030504020204" pitchFamily="34" charset="0"/>
+              <a:cs typeface="Open Sans" panose="020B0606030504020204" pitchFamily="34" charset="0"/>
+            </a:rPr>
+            <a:t>mohammad</a:t>
+          </a:r>
+          <a:r>
+            <a:rPr lang="en-IN" sz="2100" kern="1200" dirty="0">
+              <a:latin typeface="Open Sans" panose="020B0606030504020204" pitchFamily="34" charset="0"/>
+              <a:ea typeface="Open Sans" panose="020B0606030504020204" pitchFamily="34" charset="0"/>
+              <a:cs typeface="Open Sans" panose="020B0606030504020204" pitchFamily="34" charset="0"/>
+            </a:rPr>
+            <a:t> </a:t>
+          </a:r>
+          <a:r>
+            <a:rPr lang="en-IN" sz="2100" kern="1200" dirty="0" err="1">
+              <a:latin typeface="Open Sans" panose="020B0606030504020204" pitchFamily="34" charset="0"/>
+              <a:ea typeface="Open Sans" panose="020B0606030504020204" pitchFamily="34" charset="0"/>
+              <a:cs typeface="Open Sans" panose="020B0606030504020204" pitchFamily="34" charset="0"/>
+            </a:rPr>
+            <a:t>hosseinmemar</a:t>
+          </a:r>
+          <a:r>
+            <a:rPr lang="en-IN" sz="2100" kern="1200" dirty="0">
+              <a:latin typeface="Open Sans" panose="020B0606030504020204" pitchFamily="34" charset="0"/>
+              <a:ea typeface="Open Sans" panose="020B0606030504020204" pitchFamily="34" charset="0"/>
+              <a:cs typeface="Open Sans" panose="020B0606030504020204" pitchFamily="34" charset="0"/>
+            </a:rPr>
+            <a:t> and W. Yap, "Mobile outdoor parking space detection application," 2017 IEEE 8th Control and System Graduate Research Colloquium (ICSGRC), 2017, pp. 81-86, </a:t>
+          </a:r>
+          <a:r>
+            <a:rPr lang="en-IN" sz="2100" kern="1200" dirty="0" err="1">
+              <a:latin typeface="Open Sans" panose="020B0606030504020204" pitchFamily="34" charset="0"/>
+              <a:ea typeface="Open Sans" panose="020B0606030504020204" pitchFamily="34" charset="0"/>
+              <a:cs typeface="Open Sans" panose="020B0606030504020204" pitchFamily="34" charset="0"/>
+            </a:rPr>
+            <a:t>doi</a:t>
+          </a:r>
+          <a:r>
+            <a:rPr lang="en-IN" sz="2100" kern="1200" dirty="0">
+              <a:latin typeface="Open Sans" panose="020B0606030504020204" pitchFamily="34" charset="0"/>
+              <a:ea typeface="Open Sans" panose="020B0606030504020204" pitchFamily="34" charset="0"/>
+              <a:cs typeface="Open Sans" panose="020B0606030504020204" pitchFamily="34" charset="0"/>
+            </a:rPr>
+            <a:t>: 10.1109/ICSGRC.2017.8070573.</a:t>
+          </a:r>
+          <a:endParaRPr lang="en-US" sz="2100" kern="1200" dirty="0">
+            <a:latin typeface="Open Sans" panose="020B0606030504020204" pitchFamily="34" charset="0"/>
+            <a:ea typeface="Open Sans" panose="020B0606030504020204" pitchFamily="34" charset="0"/>
+            <a:cs typeface="Open Sans" panose="020B0606030504020204" pitchFamily="34" charset="0"/>
+          </a:endParaRPr>
         </a:p>
       </dsp:txBody>
       <dsp:txXfrm>
-        <a:off x="57347" y="119003"/>
-        <a:ext cx="7772005" cy="1060059"/>
+        <a:off x="98352" y="276192"/>
+        <a:ext cx="7689996" cy="1818036"/>
       </dsp:txXfrm>
     </dsp:sp>
-    <dsp:sp modelId="{B1393EA1-EF51-4AF2-A850-FF42C48F3B19}">
+    <dsp:sp modelId="{EF702722-2301-48D6-A86E-C557ACBCF9B6}">
       <dsp:nvSpPr>
         <dsp:cNvPr id="0" name=""/>
         <dsp:cNvSpPr/>
       </dsp:nvSpPr>
       <dsp:spPr>
         <a:xfrm>
-          <a:off x="0" y="1296889"/>
-          <a:ext cx="7886699" cy="1174753"/>
+          <a:off x="0" y="2243252"/>
+          <a:ext cx="7886700" cy="2014740"/>
         </a:xfrm>
         <a:prstGeom prst="roundRect">
           <a:avLst/>
@@ -9872,26 +11446,94 @@
             <a:buNone/>
           </a:pPr>
           <a:r>
-            <a:rPr lang="en-IN" sz="2100" kern="1200"/>
-            <a:t>The app also helps in bill generation there by reducing tedious work.</a:t>
+            <a:rPr lang="en-IN" sz="2100" kern="1200" dirty="0">
+              <a:latin typeface="Open Sans" panose="020B0606030504020204" pitchFamily="34" charset="0"/>
+              <a:ea typeface="Open Sans" panose="020B0606030504020204" pitchFamily="34" charset="0"/>
+              <a:cs typeface="Open Sans" panose="020B0606030504020204" pitchFamily="34" charset="0"/>
+            </a:rPr>
+            <a:t>B. K. Patil, A. Deshpande, S. </a:t>
           </a:r>
-          <a:endParaRPr lang="en-US" sz="2100" kern="1200"/>
+          <a:r>
+            <a:rPr lang="en-IN" sz="2100" kern="1200" dirty="0" err="1">
+              <a:latin typeface="Open Sans" panose="020B0606030504020204" pitchFamily="34" charset="0"/>
+              <a:ea typeface="Open Sans" panose="020B0606030504020204" pitchFamily="34" charset="0"/>
+              <a:cs typeface="Open Sans" panose="020B0606030504020204" pitchFamily="34" charset="0"/>
+            </a:rPr>
+            <a:t>Suryavanshi</a:t>
+          </a:r>
+          <a:r>
+            <a:rPr lang="en-IN" sz="2100" kern="1200" dirty="0">
+              <a:latin typeface="Open Sans" panose="020B0606030504020204" pitchFamily="34" charset="0"/>
+              <a:ea typeface="Open Sans" panose="020B0606030504020204" pitchFamily="34" charset="0"/>
+              <a:cs typeface="Open Sans" panose="020B0606030504020204" pitchFamily="34" charset="0"/>
+            </a:rPr>
+            <a:t>, R. </a:t>
+          </a:r>
+          <a:r>
+            <a:rPr lang="en-IN" sz="2100" kern="1200" dirty="0" err="1">
+              <a:latin typeface="Open Sans" panose="020B0606030504020204" pitchFamily="34" charset="0"/>
+              <a:ea typeface="Open Sans" panose="020B0606030504020204" pitchFamily="34" charset="0"/>
+              <a:cs typeface="Open Sans" panose="020B0606030504020204" pitchFamily="34" charset="0"/>
+            </a:rPr>
+            <a:t>Magdum</a:t>
+          </a:r>
+          <a:r>
+            <a:rPr lang="en-IN" sz="2100" kern="1200" dirty="0">
+              <a:latin typeface="Open Sans" panose="020B0606030504020204" pitchFamily="34" charset="0"/>
+              <a:ea typeface="Open Sans" panose="020B0606030504020204" pitchFamily="34" charset="0"/>
+              <a:cs typeface="Open Sans" panose="020B0606030504020204" pitchFamily="34" charset="0"/>
+            </a:rPr>
+            <a:t> and B. Manjunath, "Smart Parking System for Cars," 2018 International Conference on Recent Innovations in Electrical, Electronics &amp; Communication Engineering (ICRIEECE), 2018, pp. 1118-1121, </a:t>
+          </a:r>
+          <a:r>
+            <a:rPr lang="en-IN" sz="2100" kern="1200" dirty="0" err="1">
+              <a:latin typeface="Open Sans" panose="020B0606030504020204" pitchFamily="34" charset="0"/>
+              <a:ea typeface="Open Sans" panose="020B0606030504020204" pitchFamily="34" charset="0"/>
+              <a:cs typeface="Open Sans" panose="020B0606030504020204" pitchFamily="34" charset="0"/>
+            </a:rPr>
+            <a:t>doi</a:t>
+          </a:r>
+          <a:r>
+            <a:rPr lang="en-IN" sz="2100" kern="1200" dirty="0">
+              <a:latin typeface="Open Sans" panose="020B0606030504020204" pitchFamily="34" charset="0"/>
+              <a:ea typeface="Open Sans" panose="020B0606030504020204" pitchFamily="34" charset="0"/>
+              <a:cs typeface="Open Sans" panose="020B0606030504020204" pitchFamily="34" charset="0"/>
+            </a:rPr>
+            <a:t>: 10.1109/ICRIEECE44171.2018.9008662</a:t>
+          </a:r>
+          <a:r>
+            <a:rPr lang="en-IN" sz="2100" kern="1200" dirty="0"/>
+            <a:t>. </a:t>
+          </a:r>
+          <a:endParaRPr lang="en-US" sz="2100" kern="1200" dirty="0"/>
         </a:p>
       </dsp:txBody>
       <dsp:txXfrm>
-        <a:off x="57347" y="1354236"/>
-        <a:ext cx="7772005" cy="1060059"/>
+        <a:off x="98352" y="2341604"/>
+        <a:ext cx="7689996" cy="1818036"/>
       </dsp:txXfrm>
     </dsp:sp>
-    <dsp:sp modelId="{3146CC1F-25BE-4B8D-A8EF-33D88B9EA98A}">
+  </dsp:spTree>
+</dsp:drawing>
+</file>
+
+<file path=ppt/diagrams/drawing7.xml><?xml version="1.0" encoding="utf-8"?>
+<dsp:drawing xmlns:dgm="http://schemas.openxmlformats.org/drawingml/2006/diagram" xmlns:dsp="http://schemas.microsoft.com/office/drawing/2008/diagram" xmlns:a="http://schemas.openxmlformats.org/drawingml/2006/main">
+  <dsp:spTree>
+    <dsp:nvGrpSpPr>
+      <dsp:cNvPr id="0" name=""/>
+      <dsp:cNvGrpSpPr/>
+    </dsp:nvGrpSpPr>
+    <dsp:grpSpPr/>
+    <dsp:sp modelId="{F7E921D4-E6F6-42C1-84F3-1FE00B645180}">
       <dsp:nvSpPr>
         <dsp:cNvPr id="0" name=""/>
         <dsp:cNvSpPr/>
       </dsp:nvSpPr>
       <dsp:spPr>
         <a:xfrm>
-          <a:off x="0" y="2532122"/>
-          <a:ext cx="7886699" cy="1174753"/>
+          <a:off x="0" y="369"/>
+          <a:ext cx="7886699" cy="1217531"/>
         </a:xfrm>
         <a:prstGeom prst="roundRect">
           <a:avLst/>
@@ -9933,12 +11575,12 @@
         </a:fontRef>
       </dsp:style>
       <dsp:txBody>
-        <a:bodyPr spcFirstLastPara="0" vert="horz" wrap="square" lIns="80010" tIns="80010" rIns="80010" bIns="80010" numCol="1" spcCol="1270" anchor="ctr" anchorCtr="0">
+        <a:bodyPr spcFirstLastPara="0" vert="horz" wrap="square" lIns="76200" tIns="76200" rIns="76200" bIns="76200" numCol="1" spcCol="1270" anchor="ctr" anchorCtr="0">
           <a:noAutofit/>
         </a:bodyPr>
         <a:lstStyle/>
         <a:p>
-          <a:pPr marL="0" lvl="0" indent="0" algn="l" defTabSz="933450">
+          <a:pPr marL="0" lvl="0" indent="0" algn="l" defTabSz="889000">
             <a:lnSpc>
               <a:spcPct val="90000"/>
             </a:lnSpc>
@@ -9951,15 +11593,197 @@
             <a:buNone/>
           </a:pPr>
           <a:r>
-            <a:rPr lang="en-IN" sz="2100" kern="1200"/>
-            <a:t>It will reduce the time and will provide people with parking space detail and potentially customer will get attracted there by increase in business.</a:t>
+            <a:rPr lang="en-IN" sz="2000" kern="1200" dirty="0">
+              <a:latin typeface="Open Sans" panose="020B0606030504020204" pitchFamily="34" charset="0"/>
+              <a:ea typeface="Open Sans" panose="020B0606030504020204" pitchFamily="34" charset="0"/>
+              <a:cs typeface="Open Sans" panose="020B0606030504020204" pitchFamily="34" charset="0"/>
+            </a:rPr>
+            <a:t>The proposed app will allow normal user to know about the parking space availability.</a:t>
           </a:r>
-          <a:endParaRPr lang="en-US" sz="2100" kern="1200"/>
+          <a:endParaRPr lang="en-US" sz="2000" kern="1200" dirty="0">
+            <a:latin typeface="Open Sans" panose="020B0606030504020204" pitchFamily="34" charset="0"/>
+            <a:ea typeface="Open Sans" panose="020B0606030504020204" pitchFamily="34" charset="0"/>
+            <a:cs typeface="Open Sans" panose="020B0606030504020204" pitchFamily="34" charset="0"/>
+          </a:endParaRPr>
         </a:p>
       </dsp:txBody>
       <dsp:txXfrm>
-        <a:off x="57347" y="2589469"/>
-        <a:ext cx="7772005" cy="1060059"/>
+        <a:off x="59435" y="59804"/>
+        <a:ext cx="7767829" cy="1098661"/>
+      </dsp:txXfrm>
+    </dsp:sp>
+    <dsp:sp modelId="{B1393EA1-EF51-4AF2-A850-FF42C48F3B19}">
+      <dsp:nvSpPr>
+        <dsp:cNvPr id="0" name=""/>
+        <dsp:cNvSpPr/>
+      </dsp:nvSpPr>
+      <dsp:spPr>
+        <a:xfrm>
+          <a:off x="0" y="1275500"/>
+          <a:ext cx="7886699" cy="1217531"/>
+        </a:xfrm>
+        <a:prstGeom prst="roundRect">
+          <a:avLst/>
+        </a:prstGeom>
+        <a:solidFill>
+          <a:schemeClr val="accent1">
+            <a:hueOff val="0"/>
+            <a:satOff val="0"/>
+            <a:lumOff val="0"/>
+            <a:alphaOff val="0"/>
+          </a:schemeClr>
+        </a:solidFill>
+        <a:ln w="12700" cap="flat" cmpd="sng" algn="ctr">
+          <a:solidFill>
+            <a:schemeClr val="lt1">
+              <a:hueOff val="0"/>
+              <a:satOff val="0"/>
+              <a:lumOff val="0"/>
+              <a:alphaOff val="0"/>
+            </a:schemeClr>
+          </a:solidFill>
+          <a:prstDash val="solid"/>
+          <a:miter lim="800000"/>
+        </a:ln>
+        <a:effectLst/>
+      </dsp:spPr>
+      <dsp:style>
+        <a:lnRef idx="2">
+          <a:scrgbClr r="0" g="0" b="0"/>
+        </a:lnRef>
+        <a:fillRef idx="1">
+          <a:scrgbClr r="0" g="0" b="0"/>
+        </a:fillRef>
+        <a:effectRef idx="0">
+          <a:scrgbClr r="0" g="0" b="0"/>
+        </a:effectRef>
+        <a:fontRef idx="minor">
+          <a:schemeClr val="lt1"/>
+        </a:fontRef>
+      </dsp:style>
+      <dsp:txBody>
+        <a:bodyPr spcFirstLastPara="0" vert="horz" wrap="square" lIns="76200" tIns="76200" rIns="76200" bIns="76200" numCol="1" spcCol="1270" anchor="ctr" anchorCtr="0">
+          <a:noAutofit/>
+        </a:bodyPr>
+        <a:lstStyle/>
+        <a:p>
+          <a:pPr marL="0" lvl="0" indent="0" algn="l" defTabSz="889000">
+            <a:lnSpc>
+              <a:spcPct val="90000"/>
+            </a:lnSpc>
+            <a:spcBef>
+              <a:spcPct val="0"/>
+            </a:spcBef>
+            <a:spcAft>
+              <a:spcPct val="35000"/>
+            </a:spcAft>
+            <a:buNone/>
+          </a:pPr>
+          <a:r>
+            <a:rPr lang="en-IN" sz="2000" kern="1200" dirty="0">
+              <a:latin typeface="Open Sans" panose="020B0606030504020204" pitchFamily="34" charset="0"/>
+              <a:ea typeface="Open Sans" panose="020B0606030504020204" pitchFamily="34" charset="0"/>
+              <a:cs typeface="Open Sans" panose="020B0606030504020204" pitchFamily="34" charset="0"/>
+            </a:rPr>
+            <a:t>The app also helps in bill generation there by reducing tedious work</a:t>
+          </a:r>
+          <a:r>
+            <a:rPr lang="en-IN" sz="2000" kern="1200" dirty="0"/>
+            <a:t>.</a:t>
+          </a:r>
+          <a:endParaRPr lang="en-US" sz="2000" kern="1200" dirty="0"/>
+        </a:p>
+      </dsp:txBody>
+      <dsp:txXfrm>
+        <a:off x="59435" y="1334935"/>
+        <a:ext cx="7767829" cy="1098661"/>
+      </dsp:txXfrm>
+    </dsp:sp>
+    <dsp:sp modelId="{3146CC1F-25BE-4B8D-A8EF-33D88B9EA98A}">
+      <dsp:nvSpPr>
+        <dsp:cNvPr id="0" name=""/>
+        <dsp:cNvSpPr/>
+      </dsp:nvSpPr>
+      <dsp:spPr>
+        <a:xfrm>
+          <a:off x="0" y="2550631"/>
+          <a:ext cx="7886699" cy="1217531"/>
+        </a:xfrm>
+        <a:prstGeom prst="roundRect">
+          <a:avLst/>
+        </a:prstGeom>
+        <a:solidFill>
+          <a:schemeClr val="accent1">
+            <a:hueOff val="0"/>
+            <a:satOff val="0"/>
+            <a:lumOff val="0"/>
+            <a:alphaOff val="0"/>
+          </a:schemeClr>
+        </a:solidFill>
+        <a:ln w="12700" cap="flat" cmpd="sng" algn="ctr">
+          <a:solidFill>
+            <a:schemeClr val="lt1">
+              <a:hueOff val="0"/>
+              <a:satOff val="0"/>
+              <a:lumOff val="0"/>
+              <a:alphaOff val="0"/>
+            </a:schemeClr>
+          </a:solidFill>
+          <a:prstDash val="solid"/>
+          <a:miter lim="800000"/>
+        </a:ln>
+        <a:effectLst/>
+      </dsp:spPr>
+      <dsp:style>
+        <a:lnRef idx="2">
+          <a:scrgbClr r="0" g="0" b="0"/>
+        </a:lnRef>
+        <a:fillRef idx="1">
+          <a:scrgbClr r="0" g="0" b="0"/>
+        </a:fillRef>
+        <a:effectRef idx="0">
+          <a:scrgbClr r="0" g="0" b="0"/>
+        </a:effectRef>
+        <a:fontRef idx="minor">
+          <a:schemeClr val="lt1"/>
+        </a:fontRef>
+      </dsp:style>
+      <dsp:txBody>
+        <a:bodyPr spcFirstLastPara="0" vert="horz" wrap="square" lIns="76200" tIns="76200" rIns="76200" bIns="76200" numCol="1" spcCol="1270" anchor="ctr" anchorCtr="0">
+          <a:noAutofit/>
+        </a:bodyPr>
+        <a:lstStyle/>
+        <a:p>
+          <a:pPr marL="0" lvl="0" indent="0" algn="l" defTabSz="889000">
+            <a:lnSpc>
+              <a:spcPct val="90000"/>
+            </a:lnSpc>
+            <a:spcBef>
+              <a:spcPct val="0"/>
+            </a:spcBef>
+            <a:spcAft>
+              <a:spcPct val="35000"/>
+            </a:spcAft>
+            <a:buNone/>
+          </a:pPr>
+          <a:r>
+            <a:rPr lang="en-IN" sz="2000" kern="1200" dirty="0">
+              <a:latin typeface="Open Sans" panose="020B0606030504020204" pitchFamily="34" charset="0"/>
+              <a:ea typeface="Open Sans" panose="020B0606030504020204" pitchFamily="34" charset="0"/>
+              <a:cs typeface="Open Sans" panose="020B0606030504020204" pitchFamily="34" charset="0"/>
+            </a:rPr>
+            <a:t>It will reduce the time and will provide people with parking space detail and potentially customer will get attracted there by increase in business</a:t>
+          </a:r>
+          <a:r>
+            <a:rPr lang="en-IN" sz="2000" kern="1200" dirty="0"/>
+            <a:t>.</a:t>
+          </a:r>
+          <a:endParaRPr lang="en-US" sz="2000" kern="1200" dirty="0"/>
+        </a:p>
+      </dsp:txBody>
+      <dsp:txXfrm>
+        <a:off x="59435" y="2610066"/>
+        <a:ext cx="7767829" cy="1098661"/>
       </dsp:txXfrm>
     </dsp:sp>
   </dsp:spTree>
@@ -10698,6 +12522,231 @@
 </file>
 
 <file path=ppt/diagrams/layout4.xml><?xml version="1.0" encoding="utf-8"?>
+<dgm:layoutDef xmlns:dgm="http://schemas.openxmlformats.org/drawingml/2006/diagram" xmlns:a="http://schemas.openxmlformats.org/drawingml/2006/main" uniqueId="urn:microsoft.com/office/officeart/2005/8/layout/list1">
+  <dgm:title val=""/>
+  <dgm:desc val=""/>
+  <dgm:catLst>
+    <dgm:cat type="list" pri="4000"/>
+  </dgm:catLst>
+  <dgm:sampData>
+    <dgm:dataModel>
+      <dgm:ptLst>
+        <dgm:pt modelId="0" type="doc"/>
+        <dgm:pt modelId="1">
+          <dgm:prSet phldr="1"/>
+        </dgm:pt>
+        <dgm:pt modelId="2">
+          <dgm:prSet phldr="1"/>
+        </dgm:pt>
+        <dgm:pt modelId="3">
+          <dgm:prSet phldr="1"/>
+        </dgm:pt>
+      </dgm:ptLst>
+      <dgm:cxnLst>
+        <dgm:cxn modelId="4" srcId="0" destId="1" srcOrd="0" destOrd="0"/>
+        <dgm:cxn modelId="5" srcId="0" destId="2" srcOrd="1" destOrd="0"/>
+        <dgm:cxn modelId="6" srcId="0" destId="3" srcOrd="2" destOrd="0"/>
+      </dgm:cxnLst>
+      <dgm:bg/>
+      <dgm:whole/>
+    </dgm:dataModel>
+  </dgm:sampData>
+  <dgm:styleData>
+    <dgm:dataModel>
+      <dgm:ptLst>
+        <dgm:pt modelId="0" type="doc"/>
+        <dgm:pt modelId="1"/>
+        <dgm:pt modelId="2"/>
+      </dgm:ptLst>
+      <dgm:cxnLst>
+        <dgm:cxn modelId="4" srcId="0" destId="1" srcOrd="0" destOrd="0"/>
+        <dgm:cxn modelId="5" srcId="0" destId="2" srcOrd="1" destOrd="0"/>
+      </dgm:cxnLst>
+      <dgm:bg/>
+      <dgm:whole/>
+    </dgm:dataModel>
+  </dgm:styleData>
+  <dgm:clrData>
+    <dgm:dataModel>
+      <dgm:ptLst>
+        <dgm:pt modelId="0" type="doc"/>
+        <dgm:pt modelId="1"/>
+        <dgm:pt modelId="2"/>
+        <dgm:pt modelId="3"/>
+        <dgm:pt modelId="4"/>
+      </dgm:ptLst>
+      <dgm:cxnLst>
+        <dgm:cxn modelId="5" srcId="0" destId="1" srcOrd="0" destOrd="0"/>
+        <dgm:cxn modelId="6" srcId="0" destId="2" srcOrd="1" destOrd="0"/>
+        <dgm:cxn modelId="7" srcId="0" destId="3" srcOrd="2" destOrd="0"/>
+        <dgm:cxn modelId="8" srcId="0" destId="4" srcOrd="3" destOrd="0"/>
+      </dgm:cxnLst>
+      <dgm:bg/>
+      <dgm:whole/>
+    </dgm:dataModel>
+  </dgm:clrData>
+  <dgm:layoutNode name="linear">
+    <dgm:varLst>
+      <dgm:dir/>
+      <dgm:animLvl val="lvl"/>
+      <dgm:resizeHandles val="exact"/>
+    </dgm:varLst>
+    <dgm:choose name="Name0">
+      <dgm:if name="Name1" func="var" arg="dir" op="equ" val="norm">
+        <dgm:alg type="lin">
+          <dgm:param type="linDir" val="fromT"/>
+          <dgm:param type="vertAlign" val="mid"/>
+          <dgm:param type="horzAlign" val="l"/>
+          <dgm:param type="nodeHorzAlign" val="l"/>
+        </dgm:alg>
+      </dgm:if>
+      <dgm:else name="Name2">
+        <dgm:alg type="lin">
+          <dgm:param type="linDir" val="fromT"/>
+          <dgm:param type="vertAlign" val="mid"/>
+          <dgm:param type="horzAlign" val="r"/>
+          <dgm:param type="nodeHorzAlign" val="r"/>
+        </dgm:alg>
+      </dgm:else>
+    </dgm:choose>
+    <dgm:shape xmlns:r="http://schemas.openxmlformats.org/officeDocument/2006/relationships" r:blip="">
+      <dgm:adjLst/>
+    </dgm:shape>
+    <dgm:presOf/>
+    <dgm:constrLst>
+      <dgm:constr type="w" for="ch" forName="parentLin" refType="w"/>
+      <dgm:constr type="h" for="ch" forName="parentLin" val="INF"/>
+      <dgm:constr type="w" for="des" forName="parentLeftMargin" refType="w" fact="0.05"/>
+      <dgm:constr type="w" for="des" forName="parentText" refType="w" fact="0.7"/>
+      <dgm:constr type="h" for="des" forName="parentText" refType="primFontSz" refFor="des" refForName="parentText" fact="0.82"/>
+      <dgm:constr type="h" for="ch" forName="negativeSpace" refType="primFontSz" refFor="des" refForName="parentText" fact="-0.41"/>
+      <dgm:constr type="h" for="ch" forName="negativeSpace" refType="h" refFor="des" refForName="parentText" op="lte" fact="-0.82"/>
+      <dgm:constr type="h" for="ch" forName="negativeSpace" refType="h" refFor="des" refForName="parentText" op="gte" fact="-0.82"/>
+      <dgm:constr type="w" for="ch" forName="childText" refType="w"/>
+      <dgm:constr type="h" for="ch" forName="childText" refType="primFontSz" refFor="des" refForName="parentText" fact="0.7"/>
+      <dgm:constr type="primFontSz" for="des" forName="parentText" val="65"/>
+      <dgm:constr type="primFontSz" for="ch" forName="childText" refType="primFontSz" refFor="des" refForName="parentText"/>
+      <dgm:constr type="tMarg" for="ch" forName="childText" refType="primFontSz" refFor="des" refForName="parentText" fact="1.64"/>
+      <dgm:constr type="tMarg" for="ch" forName="childText" refType="h" refFor="des" refForName="parentText" op="lte" fact="3.28"/>
+      <dgm:constr type="tMarg" for="ch" forName="childText" refType="h" refFor="des" refForName="parentText" op="gte" fact="3.28"/>
+      <dgm:constr type="lMarg" for="ch" forName="childText" refType="w" fact="0.22"/>
+      <dgm:constr type="rMarg" for="ch" forName="childText" refType="lMarg" refFor="ch" refForName="childText"/>
+      <dgm:constr type="lMarg" for="des" forName="parentText" refType="w" fact="0.075"/>
+      <dgm:constr type="rMarg" for="des" forName="parentText" refType="lMarg" refFor="des" refForName="parentText"/>
+      <dgm:constr type="h" for="ch" forName="spaceBetweenRectangles" refType="primFontSz" refFor="des" refForName="parentText" fact="0.15"/>
+    </dgm:constrLst>
+    <dgm:ruleLst>
+      <dgm:rule type="primFontSz" for="des" forName="parentText" val="5" fact="NaN" max="NaN"/>
+    </dgm:ruleLst>
+    <dgm:forEach name="Name3" axis="ch" ptType="node">
+      <dgm:layoutNode name="parentLin">
+        <dgm:choose name="Name4">
+          <dgm:if name="Name5" func="var" arg="dir" op="equ" val="norm">
+            <dgm:alg type="lin">
+              <dgm:param type="linDir" val="fromL"/>
+              <dgm:param type="horzAlign" val="l"/>
+              <dgm:param type="nodeHorzAlign" val="l"/>
+            </dgm:alg>
+          </dgm:if>
+          <dgm:else name="Name6">
+            <dgm:alg type="lin">
+              <dgm:param type="linDir" val="fromR"/>
+              <dgm:param type="horzAlign" val="r"/>
+              <dgm:param type="nodeHorzAlign" val="r"/>
+            </dgm:alg>
+          </dgm:else>
+        </dgm:choose>
+        <dgm:shape xmlns:r="http://schemas.openxmlformats.org/officeDocument/2006/relationships" r:blip="">
+          <dgm:adjLst/>
+        </dgm:shape>
+        <dgm:presOf/>
+        <dgm:constrLst/>
+        <dgm:ruleLst/>
+        <dgm:layoutNode name="parentLeftMargin">
+          <dgm:alg type="sp"/>
+          <dgm:shape xmlns:r="http://schemas.openxmlformats.org/officeDocument/2006/relationships" type="rect" r:blip="" hideGeom="1">
+            <dgm:adjLst/>
+          </dgm:shape>
+          <dgm:presOf axis="self"/>
+          <dgm:constrLst>
+            <dgm:constr type="h"/>
+          </dgm:constrLst>
+          <dgm:ruleLst/>
+        </dgm:layoutNode>
+        <dgm:layoutNode name="parentText" styleLbl="node1">
+          <dgm:varLst>
+            <dgm:chMax val="0"/>
+            <dgm:bulletEnabled val="1"/>
+          </dgm:varLst>
+          <dgm:choose name="Name7">
+            <dgm:if name="Name8" func="var" arg="dir" op="equ" val="norm">
+              <dgm:alg type="tx">
+                <dgm:param type="parTxLTRAlign" val="l"/>
+                <dgm:param type="parTxRTLAlign" val="l"/>
+              </dgm:alg>
+            </dgm:if>
+            <dgm:else name="Name9">
+              <dgm:alg type="tx">
+                <dgm:param type="parTxLTRAlign" val="r"/>
+                <dgm:param type="parTxRTLAlign" val="r"/>
+              </dgm:alg>
+            </dgm:else>
+          </dgm:choose>
+          <dgm:shape xmlns:r="http://schemas.openxmlformats.org/officeDocument/2006/relationships" type="roundRect" r:blip="">
+            <dgm:adjLst/>
+          </dgm:shape>
+          <dgm:presOf axis="self" ptType="node"/>
+          <dgm:constrLst>
+            <dgm:constr type="tMarg"/>
+            <dgm:constr type="bMarg"/>
+          </dgm:constrLst>
+          <dgm:ruleLst/>
+        </dgm:layoutNode>
+      </dgm:layoutNode>
+      <dgm:layoutNode name="negativeSpace">
+        <dgm:alg type="sp"/>
+        <dgm:shape xmlns:r="http://schemas.openxmlformats.org/officeDocument/2006/relationships" r:blip="">
+          <dgm:adjLst/>
+        </dgm:shape>
+        <dgm:presOf/>
+        <dgm:constrLst/>
+        <dgm:ruleLst/>
+      </dgm:layoutNode>
+      <dgm:layoutNode name="childText" styleLbl="conFgAcc1">
+        <dgm:varLst>
+          <dgm:bulletEnabled val="1"/>
+        </dgm:varLst>
+        <dgm:alg type="tx">
+          <dgm:param type="stBulletLvl" val="1"/>
+        </dgm:alg>
+        <dgm:shape xmlns:r="http://schemas.openxmlformats.org/officeDocument/2006/relationships" type="rect" r:blip="" zOrderOff="-2">
+          <dgm:adjLst/>
+        </dgm:shape>
+        <dgm:presOf axis="des" ptType="node"/>
+        <dgm:constrLst>
+          <dgm:constr type="secFontSz" refType="primFontSz"/>
+        </dgm:constrLst>
+        <dgm:ruleLst>
+          <dgm:rule type="h" val="INF" fact="NaN" max="NaN"/>
+        </dgm:ruleLst>
+      </dgm:layoutNode>
+      <dgm:forEach name="Name10" axis="followSib" ptType="sibTrans" cnt="1">
+        <dgm:layoutNode name="spaceBetweenRectangles">
+          <dgm:alg type="sp"/>
+          <dgm:shape xmlns:r="http://schemas.openxmlformats.org/officeDocument/2006/relationships" r:blip="">
+            <dgm:adjLst/>
+          </dgm:shape>
+          <dgm:presOf/>
+          <dgm:constrLst/>
+          <dgm:ruleLst/>
+        </dgm:layoutNode>
+      </dgm:forEach>
+    </dgm:forEach>
+  </dgm:layoutNode>
+</dgm:layoutDef>
+</file>
+
+<file path=ppt/diagrams/layout5.xml><?xml version="1.0" encoding="utf-8"?>
 <dgm:layoutDef xmlns:dgm="http://schemas.openxmlformats.org/drawingml/2006/diagram" xmlns:a="http://schemas.openxmlformats.org/drawingml/2006/main" uniqueId="urn:microsoft.com/office/officeart/2018/2/layout/IconCircleList">
   <dgm:title val="Icon Circle List"/>
   <dgm:desc val="Use to show non-sequential or grouped chunks of information accompanied by related visuals. Circular shapes can hold an icon or small picture and corresponding text box shows Level 1 text. Works best for icons or small pictures with medium-length descriptions."/>
@@ -10909,7 +12958,7 @@
 </dgm:layoutDef>
 </file>
 
-<file path=ppt/diagrams/layout5.xml><?xml version="1.0" encoding="utf-8"?>
+<file path=ppt/diagrams/layout6.xml><?xml version="1.0" encoding="utf-8"?>
 <dgm:layoutDef xmlns:dgm="http://schemas.openxmlformats.org/drawingml/2006/diagram" xmlns:a="http://schemas.openxmlformats.org/drawingml/2006/main" uniqueId="urn:microsoft.com/office/officeart/2005/8/layout/vList2">
   <dgm:title val=""/>
   <dgm:desc val=""/>
@@ -11076,7 +13125,7 @@
 </dgm:layoutDef>
 </file>
 
-<file path=ppt/diagrams/layout6.xml><?xml version="1.0" encoding="utf-8"?>
+<file path=ppt/diagrams/layout7.xml><?xml version="1.0" encoding="utf-8"?>
 <dgm:layoutDef xmlns:dgm="http://schemas.openxmlformats.org/drawingml/2006/diagram" xmlns:a="http://schemas.openxmlformats.org/drawingml/2006/main" uniqueId="urn:microsoft.com/office/officeart/2005/8/layout/vList2">
   <dgm:title val=""/>
   <dgm:desc val=""/>
@@ -16414,6 +18463,1040 @@
 </file>
 
 <file path=ppt/diagrams/quickStyle6.xml><?xml version="1.0" encoding="utf-8"?>
+<dgm:styleDef xmlns:dgm="http://schemas.openxmlformats.org/drawingml/2006/diagram" xmlns:a="http://schemas.openxmlformats.org/drawingml/2006/main" uniqueId="urn:microsoft.com/office/officeart/2005/8/quickstyle/simple1">
+  <dgm:title val=""/>
+  <dgm:desc val=""/>
+  <dgm:catLst>
+    <dgm:cat type="simple" pri="10100"/>
+  </dgm:catLst>
+  <dgm:scene3d>
+    <a:camera prst="orthographicFront"/>
+    <a:lightRig rig="threePt" dir="t"/>
+  </dgm:scene3d>
+  <dgm:styleLbl name="node0">
+    <dgm:scene3d>
+      <a:camera prst="orthographicFront"/>
+      <a:lightRig rig="threePt" dir="t"/>
+    </dgm:scene3d>
+    <dgm:sp3d/>
+    <dgm:txPr/>
+    <dgm:style>
+      <a:lnRef idx="2">
+        <a:scrgbClr r="0" g="0" b="0"/>
+      </a:lnRef>
+      <a:fillRef idx="1">
+        <a:scrgbClr r="0" g="0" b="0"/>
+      </a:fillRef>
+      <a:effectRef idx="0">
+        <a:scrgbClr r="0" g="0" b="0"/>
+      </a:effectRef>
+      <a:fontRef idx="minor">
+        <a:schemeClr val="lt1"/>
+      </a:fontRef>
+    </dgm:style>
+  </dgm:styleLbl>
+  <dgm:styleLbl name="lnNode1">
+    <dgm:scene3d>
+      <a:camera prst="orthographicFront"/>
+      <a:lightRig rig="threePt" dir="t"/>
+    </dgm:scene3d>
+    <dgm:sp3d/>
+    <dgm:txPr/>
+    <dgm:style>
+      <a:lnRef idx="2">
+        <a:scrgbClr r="0" g="0" b="0"/>
+      </a:lnRef>
+      <a:fillRef idx="1">
+        <a:scrgbClr r="0" g="0" b="0"/>
+      </a:fillRef>
+      <a:effectRef idx="0">
+        <a:scrgbClr r="0" g="0" b="0"/>
+      </a:effectRef>
+      <a:fontRef idx="minor">
+        <a:schemeClr val="lt1"/>
+      </a:fontRef>
+    </dgm:style>
+  </dgm:styleLbl>
+  <dgm:styleLbl name="vennNode1">
+    <dgm:scene3d>
+      <a:camera prst="orthographicFront"/>
+      <a:lightRig rig="threePt" dir="t"/>
+    </dgm:scene3d>
+    <dgm:sp3d/>
+    <dgm:txPr/>
+    <dgm:style>
+      <a:lnRef idx="2">
+        <a:scrgbClr r="0" g="0" b="0"/>
+      </a:lnRef>
+      <a:fillRef idx="1">
+        <a:scrgbClr r="0" g="0" b="0"/>
+      </a:fillRef>
+      <a:effectRef idx="0">
+        <a:scrgbClr r="0" g="0" b="0"/>
+      </a:effectRef>
+      <a:fontRef idx="minor">
+        <a:schemeClr val="tx1"/>
+      </a:fontRef>
+    </dgm:style>
+  </dgm:styleLbl>
+  <dgm:styleLbl name="alignNode1">
+    <dgm:scene3d>
+      <a:camera prst="orthographicFront"/>
+      <a:lightRig rig="threePt" dir="t"/>
+    </dgm:scene3d>
+    <dgm:sp3d/>
+    <dgm:txPr/>
+    <dgm:style>
+      <a:lnRef idx="2">
+        <a:scrgbClr r="0" g="0" b="0"/>
+      </a:lnRef>
+      <a:fillRef idx="1">
+        <a:scrgbClr r="0" g="0" b="0"/>
+      </a:fillRef>
+      <a:effectRef idx="0">
+        <a:scrgbClr r="0" g="0" b="0"/>
+      </a:effectRef>
+      <a:fontRef idx="minor">
+        <a:schemeClr val="lt1"/>
+      </a:fontRef>
+    </dgm:style>
+  </dgm:styleLbl>
+  <dgm:styleLbl name="node1">
+    <dgm:scene3d>
+      <a:camera prst="orthographicFront"/>
+      <a:lightRig rig="threePt" dir="t"/>
+    </dgm:scene3d>
+    <dgm:sp3d/>
+    <dgm:txPr/>
+    <dgm:style>
+      <a:lnRef idx="2">
+        <a:scrgbClr r="0" g="0" b="0"/>
+      </a:lnRef>
+      <a:fillRef idx="1">
+        <a:scrgbClr r="0" g="0" b="0"/>
+      </a:fillRef>
+      <a:effectRef idx="0">
+        <a:scrgbClr r="0" g="0" b="0"/>
+      </a:effectRef>
+      <a:fontRef idx="minor">
+        <a:schemeClr val="lt1"/>
+      </a:fontRef>
+    </dgm:style>
+  </dgm:styleLbl>
+  <dgm:styleLbl name="node2">
+    <dgm:scene3d>
+      <a:camera prst="orthographicFront"/>
+      <a:lightRig rig="threePt" dir="t"/>
+    </dgm:scene3d>
+    <dgm:sp3d/>
+    <dgm:txPr/>
+    <dgm:style>
+      <a:lnRef idx="2">
+        <a:scrgbClr r="0" g="0" b="0"/>
+      </a:lnRef>
+      <a:fillRef idx="1">
+        <a:scrgbClr r="0" g="0" b="0"/>
+      </a:fillRef>
+      <a:effectRef idx="0">
+        <a:scrgbClr r="0" g="0" b="0"/>
+      </a:effectRef>
+      <a:fontRef idx="minor">
+        <a:schemeClr val="lt1"/>
+      </a:fontRef>
+    </dgm:style>
+  </dgm:styleLbl>
+  <dgm:styleLbl name="node3">
+    <dgm:scene3d>
+      <a:camera prst="orthographicFront"/>
+      <a:lightRig rig="threePt" dir="t"/>
+    </dgm:scene3d>
+    <dgm:sp3d/>
+    <dgm:txPr/>
+    <dgm:style>
+      <a:lnRef idx="2">
+        <a:scrgbClr r="0" g="0" b="0"/>
+      </a:lnRef>
+      <a:fillRef idx="1">
+        <a:scrgbClr r="0" g="0" b="0"/>
+      </a:fillRef>
+      <a:effectRef idx="0">
+        <a:scrgbClr r="0" g="0" b="0"/>
+      </a:effectRef>
+      <a:fontRef idx="minor">
+        <a:schemeClr val="lt1"/>
+      </a:fontRef>
+    </dgm:style>
+  </dgm:styleLbl>
+  <dgm:styleLbl name="node4">
+    <dgm:scene3d>
+      <a:camera prst="orthographicFront"/>
+      <a:lightRig rig="threePt" dir="t"/>
+    </dgm:scene3d>
+    <dgm:sp3d/>
+    <dgm:txPr/>
+    <dgm:style>
+      <a:lnRef idx="2">
+        <a:scrgbClr r="0" g="0" b="0"/>
+      </a:lnRef>
+      <a:fillRef idx="1">
+        <a:scrgbClr r="0" g="0" b="0"/>
+      </a:fillRef>
+      <a:effectRef idx="0">
+        <a:scrgbClr r="0" g="0" b="0"/>
+      </a:effectRef>
+      <a:fontRef idx="minor">
+        <a:schemeClr val="lt1"/>
+      </a:fontRef>
+    </dgm:style>
+  </dgm:styleLbl>
+  <dgm:styleLbl name="fgImgPlace1">
+    <dgm:scene3d>
+      <a:camera prst="orthographicFront"/>
+      <a:lightRig rig="threePt" dir="t"/>
+    </dgm:scene3d>
+    <dgm:sp3d/>
+    <dgm:txPr/>
+    <dgm:style>
+      <a:lnRef idx="2">
+        <a:scrgbClr r="0" g="0" b="0"/>
+      </a:lnRef>
+      <a:fillRef idx="1">
+        <a:scrgbClr r="0" g="0" b="0"/>
+      </a:fillRef>
+      <a:effectRef idx="0">
+        <a:scrgbClr r="0" g="0" b="0"/>
+      </a:effectRef>
+      <a:fontRef idx="minor"/>
+    </dgm:style>
+  </dgm:styleLbl>
+  <dgm:styleLbl name="alignImgPlace1">
+    <dgm:scene3d>
+      <a:camera prst="orthographicFront"/>
+      <a:lightRig rig="threePt" dir="t"/>
+    </dgm:scene3d>
+    <dgm:sp3d/>
+    <dgm:txPr/>
+    <dgm:style>
+      <a:lnRef idx="2">
+        <a:scrgbClr r="0" g="0" b="0"/>
+      </a:lnRef>
+      <a:fillRef idx="1">
+        <a:scrgbClr r="0" g="0" b="0"/>
+      </a:fillRef>
+      <a:effectRef idx="0">
+        <a:scrgbClr r="0" g="0" b="0"/>
+      </a:effectRef>
+      <a:fontRef idx="minor"/>
+    </dgm:style>
+  </dgm:styleLbl>
+  <dgm:styleLbl name="bgImgPlace1">
+    <dgm:scene3d>
+      <a:camera prst="orthographicFront"/>
+      <a:lightRig rig="threePt" dir="t"/>
+    </dgm:scene3d>
+    <dgm:sp3d/>
+    <dgm:txPr/>
+    <dgm:style>
+      <a:lnRef idx="2">
+        <a:scrgbClr r="0" g="0" b="0"/>
+      </a:lnRef>
+      <a:fillRef idx="1">
+        <a:scrgbClr r="0" g="0" b="0"/>
+      </a:fillRef>
+      <a:effectRef idx="0">
+        <a:scrgbClr r="0" g="0" b="0"/>
+      </a:effectRef>
+      <a:fontRef idx="minor"/>
+    </dgm:style>
+  </dgm:styleLbl>
+  <dgm:styleLbl name="sibTrans2D1">
+    <dgm:scene3d>
+      <a:camera prst="orthographicFront"/>
+      <a:lightRig rig="threePt" dir="t"/>
+    </dgm:scene3d>
+    <dgm:sp3d/>
+    <dgm:txPr/>
+    <dgm:style>
+      <a:lnRef idx="0">
+        <a:scrgbClr r="0" g="0" b="0"/>
+      </a:lnRef>
+      <a:fillRef idx="1">
+        <a:scrgbClr r="0" g="0" b="0"/>
+      </a:fillRef>
+      <a:effectRef idx="0">
+        <a:scrgbClr r="0" g="0" b="0"/>
+      </a:effectRef>
+      <a:fontRef idx="minor">
+        <a:schemeClr val="lt1"/>
+      </a:fontRef>
+    </dgm:style>
+  </dgm:styleLbl>
+  <dgm:styleLbl name="fgSibTrans2D1">
+    <dgm:scene3d>
+      <a:camera prst="orthographicFront"/>
+      <a:lightRig rig="threePt" dir="t"/>
+    </dgm:scene3d>
+    <dgm:sp3d/>
+    <dgm:txPr/>
+    <dgm:style>
+      <a:lnRef idx="0">
+        <a:scrgbClr r="0" g="0" b="0"/>
+      </a:lnRef>
+      <a:fillRef idx="1">
+        <a:scrgbClr r="0" g="0" b="0"/>
+      </a:fillRef>
+      <a:effectRef idx="0">
+        <a:scrgbClr r="0" g="0" b="0"/>
+      </a:effectRef>
+      <a:fontRef idx="minor">
+        <a:schemeClr val="lt1"/>
+      </a:fontRef>
+    </dgm:style>
+  </dgm:styleLbl>
+  <dgm:styleLbl name="bgSibTrans2D1">
+    <dgm:scene3d>
+      <a:camera prst="orthographicFront"/>
+      <a:lightRig rig="threePt" dir="t"/>
+    </dgm:scene3d>
+    <dgm:sp3d/>
+    <dgm:txPr/>
+    <dgm:style>
+      <a:lnRef idx="0">
+        <a:scrgbClr r="0" g="0" b="0"/>
+      </a:lnRef>
+      <a:fillRef idx="1">
+        <a:scrgbClr r="0" g="0" b="0"/>
+      </a:fillRef>
+      <a:effectRef idx="0">
+        <a:scrgbClr r="0" g="0" b="0"/>
+      </a:effectRef>
+      <a:fontRef idx="minor">
+        <a:schemeClr val="lt1"/>
+      </a:fontRef>
+    </dgm:style>
+  </dgm:styleLbl>
+  <dgm:styleLbl name="sibTrans1D1">
+    <dgm:scene3d>
+      <a:camera prst="orthographicFront"/>
+      <a:lightRig rig="threePt" dir="t"/>
+    </dgm:scene3d>
+    <dgm:sp3d/>
+    <dgm:txPr/>
+    <dgm:style>
+      <a:lnRef idx="1">
+        <a:scrgbClr r="0" g="0" b="0"/>
+      </a:lnRef>
+      <a:fillRef idx="0">
+        <a:scrgbClr r="0" g="0" b="0"/>
+      </a:fillRef>
+      <a:effectRef idx="0">
+        <a:scrgbClr r="0" g="0" b="0"/>
+      </a:effectRef>
+      <a:fontRef idx="minor"/>
+    </dgm:style>
+  </dgm:styleLbl>
+  <dgm:styleLbl name="callout">
+    <dgm:scene3d>
+      <a:camera prst="orthographicFront"/>
+      <a:lightRig rig="threePt" dir="t"/>
+    </dgm:scene3d>
+    <dgm:sp3d/>
+    <dgm:txPr/>
+    <dgm:style>
+      <a:lnRef idx="2">
+        <a:scrgbClr r="0" g="0" b="0"/>
+      </a:lnRef>
+      <a:fillRef idx="1">
+        <a:scrgbClr r="0" g="0" b="0"/>
+      </a:fillRef>
+      <a:effectRef idx="0">
+        <a:scrgbClr r="0" g="0" b="0"/>
+      </a:effectRef>
+      <a:fontRef idx="minor"/>
+    </dgm:style>
+  </dgm:styleLbl>
+  <dgm:styleLbl name="asst0">
+    <dgm:scene3d>
+      <a:camera prst="orthographicFront"/>
+      <a:lightRig rig="threePt" dir="t"/>
+    </dgm:scene3d>
+    <dgm:sp3d/>
+    <dgm:txPr/>
+    <dgm:style>
+      <a:lnRef idx="2">
+        <a:scrgbClr r="0" g="0" b="0"/>
+      </a:lnRef>
+      <a:fillRef idx="1">
+        <a:scrgbClr r="0" g="0" b="0"/>
+      </a:fillRef>
+      <a:effectRef idx="0">
+        <a:scrgbClr r="0" g="0" b="0"/>
+      </a:effectRef>
+      <a:fontRef idx="minor">
+        <a:schemeClr val="lt1"/>
+      </a:fontRef>
+    </dgm:style>
+  </dgm:styleLbl>
+  <dgm:styleLbl name="asst1">
+    <dgm:scene3d>
+      <a:camera prst="orthographicFront"/>
+      <a:lightRig rig="threePt" dir="t"/>
+    </dgm:scene3d>
+    <dgm:sp3d/>
+    <dgm:txPr/>
+    <dgm:style>
+      <a:lnRef idx="2">
+        <a:scrgbClr r="0" g="0" b="0"/>
+      </a:lnRef>
+      <a:fillRef idx="1">
+        <a:scrgbClr r="0" g="0" b="0"/>
+      </a:fillRef>
+      <a:effectRef idx="0">
+        <a:scrgbClr r="0" g="0" b="0"/>
+      </a:effectRef>
+      <a:fontRef idx="minor">
+        <a:schemeClr val="lt1"/>
+      </a:fontRef>
+    </dgm:style>
+  </dgm:styleLbl>
+  <dgm:styleLbl name="asst2">
+    <dgm:scene3d>
+      <a:camera prst="orthographicFront"/>
+      <a:lightRig rig="threePt" dir="t"/>
+    </dgm:scene3d>
+    <dgm:sp3d/>
+    <dgm:txPr/>
+    <dgm:style>
+      <a:lnRef idx="2">
+        <a:scrgbClr r="0" g="0" b="0"/>
+      </a:lnRef>
+      <a:fillRef idx="1">
+        <a:scrgbClr r="0" g="0" b="0"/>
+      </a:fillRef>
+      <a:effectRef idx="0">
+        <a:scrgbClr r="0" g="0" b="0"/>
+      </a:effectRef>
+      <a:fontRef idx="minor">
+        <a:schemeClr val="lt1"/>
+      </a:fontRef>
+    </dgm:style>
+  </dgm:styleLbl>
+  <dgm:styleLbl name="asst3">
+    <dgm:scene3d>
+      <a:camera prst="orthographicFront"/>
+      <a:lightRig rig="threePt" dir="t"/>
+    </dgm:scene3d>
+    <dgm:sp3d/>
+    <dgm:txPr/>
+    <dgm:style>
+      <a:lnRef idx="2">
+        <a:scrgbClr r="0" g="0" b="0"/>
+      </a:lnRef>
+      <a:fillRef idx="1">
+        <a:scrgbClr r="0" g="0" b="0"/>
+      </a:fillRef>
+      <a:effectRef idx="0">
+        <a:scrgbClr r="0" g="0" b="0"/>
+      </a:effectRef>
+      <a:fontRef idx="minor">
+        <a:schemeClr val="lt1"/>
+      </a:fontRef>
+    </dgm:style>
+  </dgm:styleLbl>
+  <dgm:styleLbl name="asst4">
+    <dgm:scene3d>
+      <a:camera prst="orthographicFront"/>
+      <a:lightRig rig="threePt" dir="t"/>
+    </dgm:scene3d>
+    <dgm:sp3d/>
+    <dgm:txPr/>
+    <dgm:style>
+      <a:lnRef idx="2">
+        <a:scrgbClr r="0" g="0" b="0"/>
+      </a:lnRef>
+      <a:fillRef idx="1">
+        <a:scrgbClr r="0" g="0" b="0"/>
+      </a:fillRef>
+      <a:effectRef idx="0">
+        <a:scrgbClr r="0" g="0" b="0"/>
+      </a:effectRef>
+      <a:fontRef idx="minor">
+        <a:schemeClr val="lt1"/>
+      </a:fontRef>
+    </dgm:style>
+  </dgm:styleLbl>
+  <dgm:styleLbl name="parChTrans2D1">
+    <dgm:scene3d>
+      <a:camera prst="orthographicFront"/>
+      <a:lightRig rig="threePt" dir="t"/>
+    </dgm:scene3d>
+    <dgm:sp3d/>
+    <dgm:txPr/>
+    <dgm:style>
+      <a:lnRef idx="2">
+        <a:scrgbClr r="0" g="0" b="0"/>
+      </a:lnRef>
+      <a:fillRef idx="1">
+        <a:scrgbClr r="0" g="0" b="0"/>
+      </a:fillRef>
+      <a:effectRef idx="0">
+        <a:scrgbClr r="0" g="0" b="0"/>
+      </a:effectRef>
+      <a:fontRef idx="minor">
+        <a:schemeClr val="lt1"/>
+      </a:fontRef>
+    </dgm:style>
+  </dgm:styleLbl>
+  <dgm:styleLbl name="parChTrans2D2">
+    <dgm:scene3d>
+      <a:camera prst="orthographicFront"/>
+      <a:lightRig rig="threePt" dir="t"/>
+    </dgm:scene3d>
+    <dgm:sp3d/>
+    <dgm:txPr/>
+    <dgm:style>
+      <a:lnRef idx="2">
+        <a:scrgbClr r="0" g="0" b="0"/>
+      </a:lnRef>
+      <a:fillRef idx="1">
+        <a:scrgbClr r="0" g="0" b="0"/>
+      </a:fillRef>
+      <a:effectRef idx="0">
+        <a:scrgbClr r="0" g="0" b="0"/>
+      </a:effectRef>
+      <a:fontRef idx="minor">
+        <a:schemeClr val="lt1"/>
+      </a:fontRef>
+    </dgm:style>
+  </dgm:styleLbl>
+  <dgm:styleLbl name="parChTrans2D3">
+    <dgm:scene3d>
+      <a:camera prst="orthographicFront"/>
+      <a:lightRig rig="threePt" dir="t"/>
+    </dgm:scene3d>
+    <dgm:sp3d/>
+    <dgm:txPr/>
+    <dgm:style>
+      <a:lnRef idx="2">
+        <a:scrgbClr r="0" g="0" b="0"/>
+      </a:lnRef>
+      <a:fillRef idx="1">
+        <a:scrgbClr r="0" g="0" b="0"/>
+      </a:fillRef>
+      <a:effectRef idx="0">
+        <a:scrgbClr r="0" g="0" b="0"/>
+      </a:effectRef>
+      <a:fontRef idx="minor">
+        <a:schemeClr val="lt1"/>
+      </a:fontRef>
+    </dgm:style>
+  </dgm:styleLbl>
+  <dgm:styleLbl name="parChTrans2D4">
+    <dgm:scene3d>
+      <a:camera prst="orthographicFront"/>
+      <a:lightRig rig="threePt" dir="t"/>
+    </dgm:scene3d>
+    <dgm:sp3d/>
+    <dgm:txPr/>
+    <dgm:style>
+      <a:lnRef idx="2">
+        <a:scrgbClr r="0" g="0" b="0"/>
+      </a:lnRef>
+      <a:fillRef idx="1">
+        <a:scrgbClr r="0" g="0" b="0"/>
+      </a:fillRef>
+      <a:effectRef idx="0">
+        <a:scrgbClr r="0" g="0" b="0"/>
+      </a:effectRef>
+      <a:fontRef idx="minor">
+        <a:schemeClr val="lt1"/>
+      </a:fontRef>
+    </dgm:style>
+  </dgm:styleLbl>
+  <dgm:styleLbl name="parChTrans1D1">
+    <dgm:scene3d>
+      <a:camera prst="orthographicFront"/>
+      <a:lightRig rig="threePt" dir="t"/>
+    </dgm:scene3d>
+    <dgm:sp3d/>
+    <dgm:txPr/>
+    <dgm:style>
+      <a:lnRef idx="2">
+        <a:scrgbClr r="0" g="0" b="0"/>
+      </a:lnRef>
+      <a:fillRef idx="0">
+        <a:scrgbClr r="0" g="0" b="0"/>
+      </a:fillRef>
+      <a:effectRef idx="0">
+        <a:scrgbClr r="0" g="0" b="0"/>
+      </a:effectRef>
+      <a:fontRef idx="minor"/>
+    </dgm:style>
+  </dgm:styleLbl>
+  <dgm:styleLbl name="parChTrans1D2">
+    <dgm:scene3d>
+      <a:camera prst="orthographicFront"/>
+      <a:lightRig rig="threePt" dir="t"/>
+    </dgm:scene3d>
+    <dgm:sp3d/>
+    <dgm:txPr/>
+    <dgm:style>
+      <a:lnRef idx="2">
+        <a:scrgbClr r="0" g="0" b="0"/>
+      </a:lnRef>
+      <a:fillRef idx="0">
+        <a:scrgbClr r="0" g="0" b="0"/>
+      </a:fillRef>
+      <a:effectRef idx="0">
+        <a:scrgbClr r="0" g="0" b="0"/>
+      </a:effectRef>
+      <a:fontRef idx="minor"/>
+    </dgm:style>
+  </dgm:styleLbl>
+  <dgm:styleLbl name="parChTrans1D3">
+    <dgm:scene3d>
+      <a:camera prst="orthographicFront"/>
+      <a:lightRig rig="threePt" dir="t"/>
+    </dgm:scene3d>
+    <dgm:sp3d/>
+    <dgm:txPr/>
+    <dgm:style>
+      <a:lnRef idx="2">
+        <a:scrgbClr r="0" g="0" b="0"/>
+      </a:lnRef>
+      <a:fillRef idx="0">
+        <a:scrgbClr r="0" g="0" b="0"/>
+      </a:fillRef>
+      <a:effectRef idx="0">
+        <a:scrgbClr r="0" g="0" b="0"/>
+      </a:effectRef>
+      <a:fontRef idx="minor"/>
+    </dgm:style>
+  </dgm:styleLbl>
+  <dgm:styleLbl name="parChTrans1D4">
+    <dgm:scene3d>
+      <a:camera prst="orthographicFront"/>
+      <a:lightRig rig="threePt" dir="t"/>
+    </dgm:scene3d>
+    <dgm:sp3d/>
+    <dgm:txPr/>
+    <dgm:style>
+      <a:lnRef idx="2">
+        <a:scrgbClr r="0" g="0" b="0"/>
+      </a:lnRef>
+      <a:fillRef idx="0">
+        <a:scrgbClr r="0" g="0" b="0"/>
+      </a:fillRef>
+      <a:effectRef idx="0">
+        <a:scrgbClr r="0" g="0" b="0"/>
+      </a:effectRef>
+      <a:fontRef idx="minor"/>
+    </dgm:style>
+  </dgm:styleLbl>
+  <dgm:styleLbl name="fgAcc1">
+    <dgm:scene3d>
+      <a:camera prst="orthographicFront"/>
+      <a:lightRig rig="threePt" dir="t"/>
+    </dgm:scene3d>
+    <dgm:sp3d/>
+    <dgm:txPr/>
+    <dgm:style>
+      <a:lnRef idx="2">
+        <a:scrgbClr r="0" g="0" b="0"/>
+      </a:lnRef>
+      <a:fillRef idx="1">
+        <a:scrgbClr r="0" g="0" b="0"/>
+      </a:fillRef>
+      <a:effectRef idx="0">
+        <a:scrgbClr r="0" g="0" b="0"/>
+      </a:effectRef>
+      <a:fontRef idx="minor"/>
+    </dgm:style>
+  </dgm:styleLbl>
+  <dgm:styleLbl name="conFgAcc1">
+    <dgm:scene3d>
+      <a:camera prst="orthographicFront"/>
+      <a:lightRig rig="threePt" dir="t"/>
+    </dgm:scene3d>
+    <dgm:sp3d/>
+    <dgm:txPr/>
+    <dgm:style>
+      <a:lnRef idx="2">
+        <a:scrgbClr r="0" g="0" b="0"/>
+      </a:lnRef>
+      <a:fillRef idx="1">
+        <a:scrgbClr r="0" g="0" b="0"/>
+      </a:fillRef>
+      <a:effectRef idx="0">
+        <a:scrgbClr r="0" g="0" b="0"/>
+      </a:effectRef>
+      <a:fontRef idx="minor"/>
+    </dgm:style>
+  </dgm:styleLbl>
+  <dgm:styleLbl name="alignAcc1">
+    <dgm:scene3d>
+      <a:camera prst="orthographicFront"/>
+      <a:lightRig rig="threePt" dir="t"/>
+    </dgm:scene3d>
+    <dgm:sp3d/>
+    <dgm:txPr/>
+    <dgm:style>
+      <a:lnRef idx="2">
+        <a:scrgbClr r="0" g="0" b="0"/>
+      </a:lnRef>
+      <a:fillRef idx="1">
+        <a:scrgbClr r="0" g="0" b="0"/>
+      </a:fillRef>
+      <a:effectRef idx="0">
+        <a:scrgbClr r="0" g="0" b="0"/>
+      </a:effectRef>
+      <a:fontRef idx="minor"/>
+    </dgm:style>
+  </dgm:styleLbl>
+  <dgm:styleLbl name="trAlignAcc1">
+    <dgm:scene3d>
+      <a:camera prst="orthographicFront"/>
+      <a:lightRig rig="threePt" dir="t"/>
+    </dgm:scene3d>
+    <dgm:sp3d/>
+    <dgm:txPr/>
+    <dgm:style>
+      <a:lnRef idx="1">
+        <a:scrgbClr r="0" g="0" b="0"/>
+      </a:lnRef>
+      <a:fillRef idx="1">
+        <a:scrgbClr r="0" g="0" b="0"/>
+      </a:fillRef>
+      <a:effectRef idx="0">
+        <a:scrgbClr r="0" g="0" b="0"/>
+      </a:effectRef>
+      <a:fontRef idx="minor"/>
+    </dgm:style>
+  </dgm:styleLbl>
+  <dgm:styleLbl name="bgAcc1">
+    <dgm:scene3d>
+      <a:camera prst="orthographicFront"/>
+      <a:lightRig rig="threePt" dir="t"/>
+    </dgm:scene3d>
+    <dgm:sp3d/>
+    <dgm:txPr/>
+    <dgm:style>
+      <a:lnRef idx="2">
+        <a:scrgbClr r="0" g="0" b="0"/>
+      </a:lnRef>
+      <a:fillRef idx="1">
+        <a:scrgbClr r="0" g="0" b="0"/>
+      </a:fillRef>
+      <a:effectRef idx="0">
+        <a:scrgbClr r="0" g="0" b="0"/>
+      </a:effectRef>
+      <a:fontRef idx="minor"/>
+    </dgm:style>
+  </dgm:styleLbl>
+  <dgm:styleLbl name="solidFgAcc1">
+    <dgm:scene3d>
+      <a:camera prst="orthographicFront"/>
+      <a:lightRig rig="threePt" dir="t"/>
+    </dgm:scene3d>
+    <dgm:sp3d/>
+    <dgm:txPr/>
+    <dgm:style>
+      <a:lnRef idx="2">
+        <a:scrgbClr r="0" g="0" b="0"/>
+      </a:lnRef>
+      <a:fillRef idx="1">
+        <a:scrgbClr r="0" g="0" b="0"/>
+      </a:fillRef>
+      <a:effectRef idx="0">
+        <a:scrgbClr r="0" g="0" b="0"/>
+      </a:effectRef>
+      <a:fontRef idx="minor"/>
+    </dgm:style>
+  </dgm:styleLbl>
+  <dgm:styleLbl name="solidAlignAcc1">
+    <dgm:scene3d>
+      <a:camera prst="orthographicFront"/>
+      <a:lightRig rig="threePt" dir="t"/>
+    </dgm:scene3d>
+    <dgm:sp3d/>
+    <dgm:txPr/>
+    <dgm:style>
+      <a:lnRef idx="2">
+        <a:scrgbClr r="0" g="0" b="0"/>
+      </a:lnRef>
+      <a:fillRef idx="1">
+        <a:scrgbClr r="0" g="0" b="0"/>
+      </a:fillRef>
+      <a:effectRef idx="0">
+        <a:scrgbClr r="0" g="0" b="0"/>
+      </a:effectRef>
+      <a:fontRef idx="minor"/>
+    </dgm:style>
+  </dgm:styleLbl>
+  <dgm:styleLbl name="solidBgAcc1">
+    <dgm:scene3d>
+      <a:camera prst="orthographicFront"/>
+      <a:lightRig rig="threePt" dir="t"/>
+    </dgm:scene3d>
+    <dgm:sp3d/>
+    <dgm:txPr/>
+    <dgm:style>
+      <a:lnRef idx="2">
+        <a:scrgbClr r="0" g="0" b="0"/>
+      </a:lnRef>
+      <a:fillRef idx="1">
+        <a:scrgbClr r="0" g="0" b="0"/>
+      </a:fillRef>
+      <a:effectRef idx="0">
+        <a:scrgbClr r="0" g="0" b="0"/>
+      </a:effectRef>
+      <a:fontRef idx="minor"/>
+    </dgm:style>
+  </dgm:styleLbl>
+  <dgm:styleLbl name="fgAccFollowNode1">
+    <dgm:scene3d>
+      <a:camera prst="orthographicFront"/>
+      <a:lightRig rig="threePt" dir="t"/>
+    </dgm:scene3d>
+    <dgm:sp3d/>
+    <dgm:txPr/>
+    <dgm:style>
+      <a:lnRef idx="2">
+        <a:scrgbClr r="0" g="0" b="0"/>
+      </a:lnRef>
+      <a:fillRef idx="1">
+        <a:scrgbClr r="0" g="0" b="0"/>
+      </a:fillRef>
+      <a:effectRef idx="0">
+        <a:scrgbClr r="0" g="0" b="0"/>
+      </a:effectRef>
+      <a:fontRef idx="minor"/>
+    </dgm:style>
+  </dgm:styleLbl>
+  <dgm:styleLbl name="alignAccFollowNode1">
+    <dgm:scene3d>
+      <a:camera prst="orthographicFront"/>
+      <a:lightRig rig="threePt" dir="t"/>
+    </dgm:scene3d>
+    <dgm:sp3d/>
+    <dgm:txPr/>
+    <dgm:style>
+      <a:lnRef idx="2">
+        <a:scrgbClr r="0" g="0" b="0"/>
+      </a:lnRef>
+      <a:fillRef idx="1">
+        <a:scrgbClr r="0" g="0" b="0"/>
+      </a:fillRef>
+      <a:effectRef idx="0">
+        <a:scrgbClr r="0" g="0" b="0"/>
+      </a:effectRef>
+      <a:fontRef idx="minor"/>
+    </dgm:style>
+  </dgm:styleLbl>
+  <dgm:styleLbl name="bgAccFollowNode1">
+    <dgm:scene3d>
+      <a:camera prst="orthographicFront"/>
+      <a:lightRig rig="threePt" dir="t"/>
+    </dgm:scene3d>
+    <dgm:sp3d/>
+    <dgm:txPr/>
+    <dgm:style>
+      <a:lnRef idx="2">
+        <a:scrgbClr r="0" g="0" b="0"/>
+      </a:lnRef>
+      <a:fillRef idx="1">
+        <a:scrgbClr r="0" g="0" b="0"/>
+      </a:fillRef>
+      <a:effectRef idx="0">
+        <a:scrgbClr r="0" g="0" b="0"/>
+      </a:effectRef>
+      <a:fontRef idx="minor"/>
+    </dgm:style>
+  </dgm:styleLbl>
+  <dgm:styleLbl name="fgAcc0">
+    <dgm:scene3d>
+      <a:camera prst="orthographicFront"/>
+      <a:lightRig rig="threePt" dir="t"/>
+    </dgm:scene3d>
+    <dgm:sp3d/>
+    <dgm:txPr/>
+    <dgm:style>
+      <a:lnRef idx="2">
+        <a:scrgbClr r="0" g="0" b="0"/>
+      </a:lnRef>
+      <a:fillRef idx="1">
+        <a:scrgbClr r="0" g="0" b="0"/>
+      </a:fillRef>
+      <a:effectRef idx="0">
+        <a:scrgbClr r="0" g="0" b="0"/>
+      </a:effectRef>
+      <a:fontRef idx="minor"/>
+    </dgm:style>
+  </dgm:styleLbl>
+  <dgm:styleLbl name="fgAcc2">
+    <dgm:scene3d>
+      <a:camera prst="orthographicFront"/>
+      <a:lightRig rig="threePt" dir="t"/>
+    </dgm:scene3d>
+    <dgm:sp3d/>
+    <dgm:txPr/>
+    <dgm:style>
+      <a:lnRef idx="2">
+        <a:scrgbClr r="0" g="0" b="0"/>
+      </a:lnRef>
+      <a:fillRef idx="1">
+        <a:scrgbClr r="0" g="0" b="0"/>
+      </a:fillRef>
+      <a:effectRef idx="0">
+        <a:scrgbClr r="0" g="0" b="0"/>
+      </a:effectRef>
+      <a:fontRef idx="minor"/>
+    </dgm:style>
+  </dgm:styleLbl>
+  <dgm:styleLbl name="fgAcc3">
+    <dgm:scene3d>
+      <a:camera prst="orthographicFront"/>
+      <a:lightRig rig="threePt" dir="t"/>
+    </dgm:scene3d>
+    <dgm:sp3d/>
+    <dgm:txPr/>
+    <dgm:style>
+      <a:lnRef idx="2">
+        <a:scrgbClr r="0" g="0" b="0"/>
+      </a:lnRef>
+      <a:fillRef idx="1">
+        <a:scrgbClr r="0" g="0" b="0"/>
+      </a:fillRef>
+      <a:effectRef idx="0">
+        <a:scrgbClr r="0" g="0" b="0"/>
+      </a:effectRef>
+      <a:fontRef idx="minor"/>
+    </dgm:style>
+  </dgm:styleLbl>
+  <dgm:styleLbl name="fgAcc4">
+    <dgm:scene3d>
+      <a:camera prst="orthographicFront"/>
+      <a:lightRig rig="threePt" dir="t"/>
+    </dgm:scene3d>
+    <dgm:sp3d/>
+    <dgm:txPr/>
+    <dgm:style>
+      <a:lnRef idx="2">
+        <a:scrgbClr r="0" g="0" b="0"/>
+      </a:lnRef>
+      <a:fillRef idx="1">
+        <a:scrgbClr r="0" g="0" b="0"/>
+      </a:fillRef>
+      <a:effectRef idx="0">
+        <a:scrgbClr r="0" g="0" b="0"/>
+      </a:effectRef>
+      <a:fontRef idx="minor"/>
+    </dgm:style>
+  </dgm:styleLbl>
+  <dgm:styleLbl name="bgShp">
+    <dgm:scene3d>
+      <a:camera prst="orthographicFront"/>
+      <a:lightRig rig="threePt" dir="t"/>
+    </dgm:scene3d>
+    <dgm:sp3d/>
+    <dgm:txPr/>
+    <dgm:style>
+      <a:lnRef idx="0">
+        <a:scrgbClr r="0" g="0" b="0"/>
+      </a:lnRef>
+      <a:fillRef idx="1">
+        <a:scrgbClr r="0" g="0" b="0"/>
+      </a:fillRef>
+      <a:effectRef idx="0">
+        <a:scrgbClr r="0" g="0" b="0"/>
+      </a:effectRef>
+      <a:fontRef idx="minor"/>
+    </dgm:style>
+  </dgm:styleLbl>
+  <dgm:styleLbl name="dkBgShp">
+    <dgm:scene3d>
+      <a:camera prst="orthographicFront"/>
+      <a:lightRig rig="threePt" dir="t"/>
+    </dgm:scene3d>
+    <dgm:sp3d/>
+    <dgm:txPr/>
+    <dgm:style>
+      <a:lnRef idx="0">
+        <a:scrgbClr r="0" g="0" b="0"/>
+      </a:lnRef>
+      <a:fillRef idx="1">
+        <a:scrgbClr r="0" g="0" b="0"/>
+      </a:fillRef>
+      <a:effectRef idx="0">
+        <a:scrgbClr r="0" g="0" b="0"/>
+      </a:effectRef>
+      <a:fontRef idx="minor"/>
+    </dgm:style>
+  </dgm:styleLbl>
+  <dgm:styleLbl name="trBgShp">
+    <dgm:scene3d>
+      <a:camera prst="orthographicFront"/>
+      <a:lightRig rig="threePt" dir="t"/>
+    </dgm:scene3d>
+    <dgm:sp3d/>
+    <dgm:txPr/>
+    <dgm:style>
+      <a:lnRef idx="0">
+        <a:scrgbClr r="0" g="0" b="0"/>
+      </a:lnRef>
+      <a:fillRef idx="1">
+        <a:scrgbClr r="0" g="0" b="0"/>
+      </a:fillRef>
+      <a:effectRef idx="0">
+        <a:scrgbClr r="0" g="0" b="0"/>
+      </a:effectRef>
+      <a:fontRef idx="minor"/>
+    </dgm:style>
+  </dgm:styleLbl>
+  <dgm:styleLbl name="fgShp">
+    <dgm:scene3d>
+      <a:camera prst="orthographicFront"/>
+      <a:lightRig rig="threePt" dir="t"/>
+    </dgm:scene3d>
+    <dgm:sp3d/>
+    <dgm:txPr/>
+    <dgm:style>
+      <a:lnRef idx="2">
+        <a:scrgbClr r="0" g="0" b="0"/>
+      </a:lnRef>
+      <a:fillRef idx="1">
+        <a:scrgbClr r="0" g="0" b="0"/>
+      </a:fillRef>
+      <a:effectRef idx="0">
+        <a:scrgbClr r="0" g="0" b="0"/>
+      </a:effectRef>
+      <a:fontRef idx="minor"/>
+    </dgm:style>
+  </dgm:styleLbl>
+  <dgm:styleLbl name="revTx">
+    <dgm:scene3d>
+      <a:camera prst="orthographicFront"/>
+      <a:lightRig rig="threePt" dir="t"/>
+    </dgm:scene3d>
+    <dgm:sp3d/>
+    <dgm:txPr/>
+    <dgm:style>
+      <a:lnRef idx="0">
+        <a:scrgbClr r="0" g="0" b="0"/>
+      </a:lnRef>
+      <a:fillRef idx="0">
+        <a:scrgbClr r="0" g="0" b="0"/>
+      </a:fillRef>
+      <a:effectRef idx="0">
+        <a:scrgbClr r="0" g="0" b="0"/>
+      </a:effectRef>
+      <a:fontRef idx="minor"/>
+    </dgm:style>
+  </dgm:styleLbl>
+</dgm:styleDef>
+</file>
+
+<file path=ppt/diagrams/quickStyle7.xml><?xml version="1.0" encoding="utf-8"?>
 <dgm:styleDef xmlns:dgm="http://schemas.openxmlformats.org/drawingml/2006/diagram" xmlns:a="http://schemas.openxmlformats.org/drawingml/2006/main" uniqueId="urn:microsoft.com/office/officeart/2005/8/quickstyle/simple1">
   <dgm:title val=""/>
   <dgm:desc val=""/>
@@ -19074,7 +22157,7 @@
           <p:nvPr>
             <p:extLst>
               <p:ext uri="{D42A27DB-BD31-4B8C-83A1-F6EECF244321}">
-                <p14:modId xmlns:p14="http://schemas.microsoft.com/office/powerpoint/2010/main" val="2642699928"/>
+                <p14:modId xmlns:p14="http://schemas.microsoft.com/office/powerpoint/2010/main" val="3514189856"/>
               </p:ext>
             </p:extLst>
           </p:nvPr>
@@ -19490,7 +22573,7 @@
           <p:nvPr>
             <p:extLst>
               <p:ext uri="{D42A27DB-BD31-4B8C-83A1-F6EECF244321}">
-                <p14:modId xmlns:p14="http://schemas.microsoft.com/office/powerpoint/2010/main" val="2909615251"/>
+                <p14:modId xmlns:p14="http://schemas.microsoft.com/office/powerpoint/2010/main" val="3438927697"/>
               </p:ext>
             </p:extLst>
           </p:nvPr>
@@ -19519,6 +22602,214 @@
 </file>
 
 <file path=ppt/slides/slide5.xml><?xml version="1.0" encoding="utf-8"?>
+<p:sld xmlns:a="http://schemas.openxmlformats.org/drawingml/2006/main" xmlns:r="http://schemas.openxmlformats.org/officeDocument/2006/relationships" xmlns:p="http://schemas.openxmlformats.org/presentationml/2006/main">
+  <p:cSld>
+    <p:spTree>
+      <p:nvGrpSpPr>
+        <p:cNvPr id="1" name=""/>
+        <p:cNvGrpSpPr/>
+        <p:nvPr/>
+      </p:nvGrpSpPr>
+      <p:grpSpPr>
+        <a:xfrm>
+          <a:off x="0" y="0"/>
+          <a:ext cx="0" cy="0"/>
+          <a:chOff x="0" y="0"/>
+          <a:chExt cx="0" cy="0"/>
+        </a:xfrm>
+      </p:grpSpPr>
+      <p:sp>
+        <p:nvSpPr>
+          <p:cNvPr id="2" name="Date Placeholder 1">
+            <a:extLst>
+              <a:ext uri="{FF2B5EF4-FFF2-40B4-BE49-F238E27FC236}">
+                <a16:creationId xmlns:a16="http://schemas.microsoft.com/office/drawing/2014/main" id="{15124783-F89A-4395-B9EF-0DCCB20CD4C6}"/>
+              </a:ext>
+            </a:extLst>
+          </p:cNvPr>
+          <p:cNvSpPr>
+            <a:spLocks noGrp="1"/>
+          </p:cNvSpPr>
+          <p:nvPr>
+            <p:ph type="dt" sz="half" idx="10"/>
+          </p:nvPr>
+        </p:nvSpPr>
+        <p:spPr/>
+        <p:txBody>
+          <a:bodyPr/>
+          <a:lstStyle/>
+          <a:p>
+            <a:fld id="{B15DA150-B90D-40A1-B87F-BDA7E10C4AD4}" type="datetime1">
+              <a:rPr lang="en-IN" smtClean="0">
+                <a:solidFill>
+                  <a:prstClr val="black">
+                    <a:tint val="75000"/>
+                  </a:prstClr>
+                </a:solidFill>
+              </a:rPr>
+              <a:pPr/>
+              <a:t>09-06-2021</a:t>
+            </a:fld>
+            <a:endParaRPr lang="en-IN">
+              <a:solidFill>
+                <a:prstClr val="black">
+                  <a:tint val="75000"/>
+                </a:prstClr>
+              </a:solidFill>
+            </a:endParaRPr>
+          </a:p>
+        </p:txBody>
+      </p:sp>
+      <p:sp>
+        <p:nvSpPr>
+          <p:cNvPr id="3" name="Slide Number Placeholder 2">
+            <a:extLst>
+              <a:ext uri="{FF2B5EF4-FFF2-40B4-BE49-F238E27FC236}">
+                <a16:creationId xmlns:a16="http://schemas.microsoft.com/office/drawing/2014/main" id="{208FE51E-E2EA-4A71-B0E3-23686F102E0A}"/>
+              </a:ext>
+            </a:extLst>
+          </p:cNvPr>
+          <p:cNvSpPr>
+            <a:spLocks noGrp="1"/>
+          </p:cNvSpPr>
+          <p:nvPr>
+            <p:ph type="sldNum" sz="quarter" idx="12"/>
+          </p:nvPr>
+        </p:nvSpPr>
+        <p:spPr/>
+        <p:txBody>
+          <a:bodyPr/>
+          <a:lstStyle/>
+          <a:p>
+            <a:fld id="{58CAE0E1-5C16-469C-80A6-45E1950F1503}" type="slidenum">
+              <a:rPr lang="en-IN" smtClean="0">
+                <a:solidFill>
+                  <a:prstClr val="black">
+                    <a:tint val="75000"/>
+                  </a:prstClr>
+                </a:solidFill>
+              </a:rPr>
+              <a:pPr/>
+              <a:t>5</a:t>
+            </a:fld>
+            <a:endParaRPr lang="en-IN">
+              <a:solidFill>
+                <a:prstClr val="black">
+                  <a:tint val="75000"/>
+                </a:prstClr>
+              </a:solidFill>
+            </a:endParaRPr>
+          </a:p>
+        </p:txBody>
+      </p:sp>
+      <p:sp>
+        <p:nvSpPr>
+          <p:cNvPr id="5" name="TextBox 4">
+            <a:extLst>
+              <a:ext uri="{FF2B5EF4-FFF2-40B4-BE49-F238E27FC236}">
+                <a16:creationId xmlns:a16="http://schemas.microsoft.com/office/drawing/2014/main" id="{3F7BEC7D-CD59-4470-90BA-DC5816CBBB9C}"/>
+              </a:ext>
+            </a:extLst>
+          </p:cNvPr>
+          <p:cNvSpPr txBox="1"/>
+          <p:nvPr/>
+        </p:nvSpPr>
+        <p:spPr>
+          <a:xfrm>
+            <a:off x="2283432" y="1073918"/>
+            <a:ext cx="4577136" cy="769441"/>
+          </a:xfrm>
+          <a:prstGeom prst="rect">
+            <a:avLst/>
+          </a:prstGeom>
+          <a:noFill/>
+        </p:spPr>
+        <p:txBody>
+          <a:bodyPr wrap="square">
+            <a:spAutoFit/>
+          </a:bodyPr>
+          <a:lstStyle/>
+          <a:p>
+            <a:pPr algn="ctr"/>
+            <a:r>
+              <a:rPr lang="en-US" sz="4400" b="1" dirty="0">
+                <a:ln w="10541" cmpd="sng">
+                  <a:solidFill>
+                    <a:srgbClr val="5B9BD5">
+                      <a:shade val="88000"/>
+                      <a:satMod val="110000"/>
+                    </a:srgbClr>
+                  </a:solidFill>
+                  <a:prstDash val="solid"/>
+                </a:ln>
+                <a:latin typeface="Open Sans" panose="020B0606030504020204" pitchFamily="34" charset="0"/>
+                <a:ea typeface="Open Sans" panose="020B0606030504020204" pitchFamily="34" charset="0"/>
+                <a:cs typeface="Open Sans" panose="020B0606030504020204" pitchFamily="34" charset="0"/>
+              </a:rPr>
+              <a:t>MAPPING</a:t>
+            </a:r>
+            <a:endParaRPr lang="en-US" sz="4400" b="1" dirty="0">
+              <a:ln w="10541" cmpd="sng">
+                <a:solidFill>
+                  <a:srgbClr val="5B9BD5">
+                    <a:shade val="88000"/>
+                    <a:satMod val="110000"/>
+                  </a:srgbClr>
+                </a:solidFill>
+                <a:prstDash val="solid"/>
+              </a:ln>
+              <a:solidFill>
+                <a:srgbClr val="FF0000"/>
+              </a:solidFill>
+              <a:latin typeface="Cambria" pitchFamily="18" charset="0"/>
+              <a:ea typeface="+mn-ea"/>
+              <a:cs typeface="+mn-cs"/>
+            </a:endParaRPr>
+          </a:p>
+        </p:txBody>
+      </p:sp>
+      <p:graphicFrame>
+        <p:nvGraphicFramePr>
+          <p:cNvPr id="9" name="TextBox 6">
+            <a:extLst>
+              <a:ext uri="{FF2B5EF4-FFF2-40B4-BE49-F238E27FC236}">
+                <a16:creationId xmlns:a16="http://schemas.microsoft.com/office/drawing/2014/main" id="{6A1B66B8-9EBA-4284-ACF4-8231B9009DA1}"/>
+              </a:ext>
+            </a:extLst>
+          </p:cNvPr>
+          <p:cNvGraphicFramePr/>
+          <p:nvPr>
+            <p:extLst>
+              <p:ext uri="{D42A27DB-BD31-4B8C-83A1-F6EECF244321}">
+                <p14:modId xmlns:p14="http://schemas.microsoft.com/office/powerpoint/2010/main" val="1841477073"/>
+              </p:ext>
+            </p:extLst>
+          </p:nvPr>
+        </p:nvGraphicFramePr>
+        <p:xfrm>
+          <a:off x="628651" y="1752209"/>
+          <a:ext cx="7886699" cy="4031873"/>
+        </p:xfrm>
+        <a:graphic>
+          <a:graphicData uri="http://schemas.openxmlformats.org/drawingml/2006/diagram">
+            <dgm:relIds xmlns:dgm="http://schemas.openxmlformats.org/drawingml/2006/diagram" xmlns:r="http://schemas.openxmlformats.org/officeDocument/2006/relationships" r:dm="rId2" r:lo="rId3" r:qs="rId4" r:cs="rId5"/>
+          </a:graphicData>
+        </a:graphic>
+      </p:graphicFrame>
+    </p:spTree>
+    <p:extLst>
+      <p:ext uri="{BB962C8B-B14F-4D97-AF65-F5344CB8AC3E}">
+        <p14:creationId xmlns:p14="http://schemas.microsoft.com/office/powerpoint/2010/main" val="390602049"/>
+      </p:ext>
+    </p:extLst>
+  </p:cSld>
+  <p:clrMapOvr>
+    <a:masterClrMapping/>
+  </p:clrMapOvr>
+</p:sld>
+</file>
+
+<file path=ppt/slides/slide6.xml><?xml version="1.0" encoding="utf-8"?>
 <p:sld xmlns:a="http://schemas.openxmlformats.org/drawingml/2006/main" xmlns:r="http://schemas.openxmlformats.org/officeDocument/2006/relationships" xmlns:p="http://schemas.openxmlformats.org/presentationml/2006/main">
   <p:cSld>
     <p:spTree>
@@ -19607,7 +22898,7 @@
                 </a:solidFill>
               </a:rPr>
               <a:pPr/>
-              <a:t>5</a:t>
+              <a:t>6</a:t>
             </a:fld>
             <a:endParaRPr lang="en-IN">
               <a:solidFill>
@@ -19649,7 +22940,7 @@
           <a:p>
             <a:pPr algn="ctr"/>
             <a:r>
-              <a:rPr lang="en-US" sz="4400" b="1">
+              <a:rPr lang="en-US" sz="4400" b="1" dirty="0">
                 <a:ln w="10541" cmpd="sng">
                   <a:solidFill>
                     <a:srgbClr val="5B9BD5">
@@ -19695,7 +22986,13 @@
             </a:extLst>
           </p:cNvPr>
           <p:cNvGraphicFramePr/>
-          <p:nvPr/>
+          <p:nvPr>
+            <p:extLst>
+              <p:ext uri="{D42A27DB-BD31-4B8C-83A1-F6EECF244321}">
+                <p14:modId xmlns:p14="http://schemas.microsoft.com/office/powerpoint/2010/main" val="1441085916"/>
+              </p:ext>
+            </p:extLst>
+          </p:nvPr>
         </p:nvGraphicFramePr>
         <p:xfrm>
           <a:off x="628650" y="2499327"/>
@@ -19720,7 +23017,7 @@
 </p:sld>
 </file>
 
-<file path=ppt/slides/slide6.xml><?xml version="1.0" encoding="utf-8"?>
+<file path=ppt/slides/slide7.xml><?xml version="1.0" encoding="utf-8"?>
 <p:sld xmlns:a="http://schemas.openxmlformats.org/drawingml/2006/main" xmlns:r="http://schemas.openxmlformats.org/officeDocument/2006/relationships" xmlns:p="http://schemas.openxmlformats.org/presentationml/2006/main">
   <p:cSld>
     <p:spTree>
@@ -19809,7 +23106,7 @@
                 </a:solidFill>
               </a:rPr>
               <a:pPr/>
-              <a:t>6</a:t>
+              <a:t>7</a:t>
             </a:fld>
             <a:endParaRPr lang="en-IN">
               <a:solidFill>
@@ -19900,7 +23197,7 @@
           <p:nvPr>
             <p:extLst>
               <p:ext uri="{D42A27DB-BD31-4B8C-83A1-F6EECF244321}">
-                <p14:modId xmlns:p14="http://schemas.microsoft.com/office/powerpoint/2010/main" val="3344740897"/>
+                <p14:modId xmlns:p14="http://schemas.microsoft.com/office/powerpoint/2010/main" val="1131814757"/>
               </p:ext>
             </p:extLst>
           </p:nvPr>
@@ -19928,7 +23225,7 @@
 </p:sld>
 </file>
 
-<file path=ppt/slides/slide7.xml><?xml version="1.0" encoding="utf-8"?>
+<file path=ppt/slides/slide8.xml><?xml version="1.0" encoding="utf-8"?>
 <p:sld xmlns:a="http://schemas.openxmlformats.org/drawingml/2006/main" xmlns:r="http://schemas.openxmlformats.org/officeDocument/2006/relationships" xmlns:p="http://schemas.openxmlformats.org/presentationml/2006/main">
   <p:cSld>
     <p:spTree>
@@ -20017,7 +23314,7 @@
                 </a:solidFill>
               </a:rPr>
               <a:pPr/>
-              <a:t>7</a:t>
+              <a:t>8</a:t>
             </a:fld>
             <a:endParaRPr lang="en-IN">
               <a:solidFill>
@@ -20059,7 +23356,7 @@
           <a:p>
             <a:pPr algn="ctr"/>
             <a:r>
-              <a:rPr lang="en-US" sz="4400" b="1">
+              <a:rPr lang="en-US" sz="4400" b="1" dirty="0">
                 <a:ln w="10541" cmpd="sng">
                   <a:solidFill>
                     <a:srgbClr val="5B9BD5">
@@ -20105,7 +23402,13 @@
             </a:extLst>
           </p:cNvPr>
           <p:cNvGraphicFramePr/>
-          <p:nvPr/>
+          <p:nvPr>
+            <p:extLst>
+              <p:ext uri="{D42A27DB-BD31-4B8C-83A1-F6EECF244321}">
+                <p14:modId xmlns:p14="http://schemas.microsoft.com/office/powerpoint/2010/main" val="1956587005"/>
+              </p:ext>
+            </p:extLst>
+          </p:nvPr>
         </p:nvGraphicFramePr>
         <p:xfrm>
           <a:off x="628651" y="2200177"/>
@@ -20130,7 +23433,7 @@
 </p:sld>
 </file>
 
-<file path=ppt/slides/slide8.xml><?xml version="1.0" encoding="utf-8"?>
+<file path=ppt/slides/slide9.xml><?xml version="1.0" encoding="utf-8"?>
 <p:sld xmlns:a="http://schemas.openxmlformats.org/drawingml/2006/main" xmlns:r="http://schemas.openxmlformats.org/officeDocument/2006/relationships" xmlns:p="http://schemas.openxmlformats.org/presentationml/2006/main">
   <p:cSld>
     <p:spTree>
@@ -20219,7 +23522,7 @@
                 </a:solidFill>
               </a:rPr>
               <a:pPr/>
-              <a:t>8</a:t>
+              <a:t>9</a:t>
             </a:fld>
             <a:endParaRPr lang="en-IN">
               <a:solidFill>

--- a/docs/ppt/phase-1/ppt phase-1.pptx
+++ b/docs/ppt/phase-1/ppt phase-1.pptx
@@ -6956,7 +6956,23 @@
               <a:ea typeface="Open Sans" panose="020B0606030504020204" pitchFamily="34" charset="0"/>
               <a:cs typeface="Open Sans" panose="020B0606030504020204" pitchFamily="34" charset="0"/>
             </a:rPr>
-            <a:t>Firebase is a cloud platform used for Authentication and Storage of user data</a:t>
+            <a:t>Firebase is a cloud platform used for Authentication and </a:t>
+          </a:r>
+          <a:r>
+            <a:rPr lang="en-IN">
+              <a:latin typeface="Open Sans" panose="020B0606030504020204" pitchFamily="34" charset="0"/>
+              <a:ea typeface="Open Sans" panose="020B0606030504020204" pitchFamily="34" charset="0"/>
+              <a:cs typeface="Open Sans" panose="020B0606030504020204" pitchFamily="34" charset="0"/>
+            </a:rPr>
+            <a:t>Storage of </a:t>
+          </a:r>
+          <a:r>
+            <a:rPr lang="en-IN" dirty="0">
+              <a:latin typeface="Open Sans" panose="020B0606030504020204" pitchFamily="34" charset="0"/>
+              <a:ea typeface="Open Sans" panose="020B0606030504020204" pitchFamily="34" charset="0"/>
+              <a:cs typeface="Open Sans" panose="020B0606030504020204" pitchFamily="34" charset="0"/>
+            </a:rPr>
+            <a:t>data</a:t>
           </a:r>
           <a:r>
             <a:rPr lang="en-IN" dirty="0"/>
@@ -10282,7 +10298,23 @@
               <a:ea typeface="Open Sans" panose="020B0606030504020204" pitchFamily="34" charset="0"/>
               <a:cs typeface="Open Sans" panose="020B0606030504020204" pitchFamily="34" charset="0"/>
             </a:rPr>
-            <a:t>Firebase is a cloud platform used for Authentication and Storage of user data</a:t>
+            <a:t>Firebase is a cloud platform used for Authentication and </a:t>
+          </a:r>
+          <a:r>
+            <a:rPr lang="en-IN" sz="1700" kern="1200">
+              <a:latin typeface="Open Sans" panose="020B0606030504020204" pitchFamily="34" charset="0"/>
+              <a:ea typeface="Open Sans" panose="020B0606030504020204" pitchFamily="34" charset="0"/>
+              <a:cs typeface="Open Sans" panose="020B0606030504020204" pitchFamily="34" charset="0"/>
+            </a:rPr>
+            <a:t>Storage of </a:t>
+          </a:r>
+          <a:r>
+            <a:rPr lang="en-IN" sz="1700" kern="1200" dirty="0">
+              <a:latin typeface="Open Sans" panose="020B0606030504020204" pitchFamily="34" charset="0"/>
+              <a:ea typeface="Open Sans" panose="020B0606030504020204" pitchFamily="34" charset="0"/>
+              <a:cs typeface="Open Sans" panose="020B0606030504020204" pitchFamily="34" charset="0"/>
+            </a:rPr>
+            <a:t>data</a:t>
           </a:r>
           <a:r>
             <a:rPr lang="en-IN" sz="1700" kern="1200" dirty="0"/>
@@ -22781,7 +22813,7 @@
           <p:nvPr>
             <p:extLst>
               <p:ext uri="{D42A27DB-BD31-4B8C-83A1-F6EECF244321}">
-                <p14:modId xmlns:p14="http://schemas.microsoft.com/office/powerpoint/2010/main" val="1841477073"/>
+                <p14:modId xmlns:p14="http://schemas.microsoft.com/office/powerpoint/2010/main" val="1713739500"/>
               </p:ext>
             </p:extLst>
           </p:nvPr>
